--- a/events/2020-09-11/slides/06-campus-wifi.pptx
+++ b/events/2020-09-11/slides/06-campus-wifi.pptx
@@ -5,12 +5,20 @@
     <p:sldMasterId id="2147483660" r:id="rId1"/>
   </p:sldMasterIdLst>
   <p:notesMasterIdLst>
-    <p:notesMasterId r:id="rId5"/>
+    <p:notesMasterId r:id="rId13"/>
   </p:notesMasterIdLst>
   <p:sldIdLst>
     <p:sldId id="256" r:id="rId2"/>
     <p:sldId id="257" r:id="rId3"/>
-    <p:sldId id="365" r:id="rId4"/>
+    <p:sldId id="366" r:id="rId4"/>
+    <p:sldId id="365" r:id="rId5"/>
+    <p:sldId id="368" r:id="rId6"/>
+    <p:sldId id="367" r:id="rId7"/>
+    <p:sldId id="369" r:id="rId8"/>
+    <p:sldId id="370" r:id="rId9"/>
+    <p:sldId id="371" r:id="rId10"/>
+    <p:sldId id="372" r:id="rId11"/>
+    <p:sldId id="373" r:id="rId12"/>
   </p:sldIdLst>
   <p:sldSz cx="9144000" cy="6858000" type="screen4x3"/>
   <p:notesSz cx="6858000" cy="9144000"/>
@@ -142,6 +150,5253 @@
 </p:presentation>
 </file>
 
+<file path=ppt/charts/chart1.xml><?xml version="1.0" encoding="utf-8"?>
+<c:chartSpace xmlns:c="http://schemas.openxmlformats.org/drawingml/2006/chart" xmlns:a="http://schemas.openxmlformats.org/drawingml/2006/main" xmlns:r="http://schemas.openxmlformats.org/officeDocument/2006/relationships" xmlns:c16r2="http://schemas.microsoft.com/office/drawing/2015/06/chart">
+  <c:date1904 val="0"/>
+  <c:lang val="ja-JP"/>
+  <c:roundedCorners val="0"/>
+  <mc:AlternateContent xmlns:mc="http://schemas.openxmlformats.org/markup-compatibility/2006">
+    <mc:Choice xmlns:c14="http://schemas.microsoft.com/office/drawing/2007/8/2/chart" Requires="c14">
+      <c14:style val="102"/>
+    </mc:Choice>
+    <mc:Fallback>
+      <c:style val="2"/>
+    </mc:Fallback>
+  </mc:AlternateContent>
+  <c:chart>
+    <c:title>
+      <c:tx>
+        <c:rich>
+          <a:bodyPr rot="0" spcFirstLastPara="1" vertOverflow="ellipsis" vert="horz" wrap="square" anchor="ctr" anchorCtr="1"/>
+          <a:lstStyle/>
+          <a:p>
+            <a:pPr>
+              <a:defRPr sz="1400" b="0" i="0" u="none" strike="noStrike" kern="1200" spc="0" baseline="0">
+                <a:solidFill>
+                  <a:schemeClr val="tx1">
+                    <a:lumMod val="65000"/>
+                    <a:lumOff val="35000"/>
+                  </a:schemeClr>
+                </a:solidFill>
+                <a:latin typeface="+mn-lt"/>
+                <a:ea typeface="+mn-ea"/>
+                <a:cs typeface="+mn-cs"/>
+              </a:defRPr>
+            </a:pPr>
+            <a:r>
+              <a:rPr lang="ja-JP" altLang="en-US"/>
+              <a:t>音声</a:t>
+            </a:r>
+            <a:r>
+              <a:rPr lang="en-US" altLang="ja-JP"/>
+              <a:t>(bitrate,latency,jitter)</a:t>
+            </a:r>
+            <a:r>
+              <a:rPr lang="ja-JP" altLang="en-US"/>
+              <a:t>と</a:t>
+            </a:r>
+            <a:r>
+              <a:rPr lang="en-US" altLang="ja-JP"/>
+              <a:t>CPU</a:t>
+            </a:r>
+            <a:r>
+              <a:rPr lang="ja-JP" altLang="en-US"/>
+              <a:t>利用率の時間変化</a:t>
+            </a:r>
+          </a:p>
+        </c:rich>
+      </c:tx>
+      <c:overlay val="0"/>
+      <c:spPr>
+        <a:noFill/>
+        <a:ln>
+          <a:noFill/>
+        </a:ln>
+        <a:effectLst/>
+      </c:spPr>
+      <c:txPr>
+        <a:bodyPr rot="0" spcFirstLastPara="1" vertOverflow="ellipsis" vert="horz" wrap="square" anchor="ctr" anchorCtr="1"/>
+        <a:lstStyle/>
+        <a:p>
+          <a:pPr>
+            <a:defRPr sz="1400" b="0" i="0" u="none" strike="noStrike" kern="1200" spc="0" baseline="0">
+              <a:solidFill>
+                <a:schemeClr val="tx1">
+                  <a:lumMod val="65000"/>
+                  <a:lumOff val="35000"/>
+                </a:schemeClr>
+              </a:solidFill>
+              <a:latin typeface="+mn-lt"/>
+              <a:ea typeface="+mn-ea"/>
+              <a:cs typeface="+mn-cs"/>
+            </a:defRPr>
+          </a:pPr>
+          <a:endParaRPr lang="ja-JP"/>
+        </a:p>
+      </c:txPr>
+    </c:title>
+    <c:autoTitleDeleted val="0"/>
+    <c:plotArea>
+      <c:layout/>
+      <c:barChart>
+        <c:barDir val="col"/>
+        <c:grouping val="clustered"/>
+        <c:varyColors val="0"/>
+        <c:dLbls>
+          <c:showLegendKey val="0"/>
+          <c:showVal val="0"/>
+          <c:showCatName val="0"/>
+          <c:showSerName val="0"/>
+          <c:showPercent val="0"/>
+          <c:showBubbleSize val="0"/>
+        </c:dLbls>
+        <c:gapWidth val="219"/>
+        <c:axId val="156392816"/>
+        <c:axId val="179962064"/>
+        <c:extLst>
+          <c:ext xmlns:c15="http://schemas.microsoft.com/office/drawing/2012/chart" uri="{02D57815-91ED-43cb-92C2-25804820EDAC}">
+            <c15:filteredBarSeries>
+              <c15:ser>
+                <c:idx val="6"/>
+                <c:order val="6"/>
+                <c:tx>
+                  <c:strRef>
+                    <c:extLst>
+                      <c:ext uri="{02D57815-91ED-43cb-92C2-25804820EDAC}">
+                        <c15:formulaRef>
+                          <c15:sqref>graph!$H$3</c15:sqref>
+                        </c15:formulaRef>
+                      </c:ext>
+                    </c:extLst>
+                    <c:strCache>
+                      <c:ptCount val="1"/>
+                      <c:pt idx="0">
+                        <c:v>個数 / Audio Packet Loss</c:v>
+                      </c:pt>
+                    </c:strCache>
+                  </c:strRef>
+                </c:tx>
+                <c:spPr>
+                  <a:solidFill>
+                    <a:schemeClr val="accent1">
+                      <a:lumMod val="60000"/>
+                    </a:schemeClr>
+                  </a:solidFill>
+                  <a:ln>
+                    <a:noFill/>
+                  </a:ln>
+                  <a:effectLst/>
+                </c:spPr>
+                <c:invertIfNegative val="0"/>
+                <c:cat>
+                  <c:strRef>
+                    <c:extLst>
+                      <c:ext uri="{02D57815-91ED-43cb-92C2-25804820EDAC}">
+                        <c15:formulaRef>
+                          <c15:sqref>graph!$A$4:$A$33</c15:sqref>
+                        </c15:formulaRef>
+                      </c:ext>
+                    </c:extLst>
+                    <c:strCache>
+                      <c:ptCount val="30"/>
+                      <c:pt idx="0">
+                        <c:v> 14:10</c:v>
+                      </c:pt>
+                      <c:pt idx="1">
+                        <c:v> 14:11</c:v>
+                      </c:pt>
+                      <c:pt idx="2">
+                        <c:v> 14:12</c:v>
+                      </c:pt>
+                      <c:pt idx="3">
+                        <c:v> 14:13</c:v>
+                      </c:pt>
+                      <c:pt idx="4">
+                        <c:v> 14:14</c:v>
+                      </c:pt>
+                      <c:pt idx="5">
+                        <c:v> 14:15</c:v>
+                      </c:pt>
+                      <c:pt idx="6">
+                        <c:v> 14:16</c:v>
+                      </c:pt>
+                      <c:pt idx="7">
+                        <c:v> 14:17</c:v>
+                      </c:pt>
+                      <c:pt idx="8">
+                        <c:v> 14:18</c:v>
+                      </c:pt>
+                      <c:pt idx="9">
+                        <c:v> 14:19</c:v>
+                      </c:pt>
+                      <c:pt idx="10">
+                        <c:v> 14:20</c:v>
+                      </c:pt>
+                      <c:pt idx="11">
+                        <c:v> 14:21</c:v>
+                      </c:pt>
+                      <c:pt idx="12">
+                        <c:v> 14:22</c:v>
+                      </c:pt>
+                      <c:pt idx="13">
+                        <c:v> 14:23</c:v>
+                      </c:pt>
+                      <c:pt idx="14">
+                        <c:v> 14:24</c:v>
+                      </c:pt>
+                      <c:pt idx="15">
+                        <c:v> 14:25</c:v>
+                      </c:pt>
+                      <c:pt idx="16">
+                        <c:v> 14:26</c:v>
+                      </c:pt>
+                      <c:pt idx="17">
+                        <c:v> 14:27</c:v>
+                      </c:pt>
+                      <c:pt idx="18">
+                        <c:v> 14:28</c:v>
+                      </c:pt>
+                      <c:pt idx="19">
+                        <c:v> 14:29</c:v>
+                      </c:pt>
+                      <c:pt idx="20">
+                        <c:v> 14:30</c:v>
+                      </c:pt>
+                      <c:pt idx="21">
+                        <c:v> 14:31</c:v>
+                      </c:pt>
+                      <c:pt idx="22">
+                        <c:v> 14:32</c:v>
+                      </c:pt>
+                      <c:pt idx="23">
+                        <c:v> 14:33</c:v>
+                      </c:pt>
+                      <c:pt idx="24">
+                        <c:v> 14:34</c:v>
+                      </c:pt>
+                      <c:pt idx="25">
+                        <c:v> 14:35</c:v>
+                      </c:pt>
+                      <c:pt idx="26">
+                        <c:v> 14:36</c:v>
+                      </c:pt>
+                      <c:pt idx="27">
+                        <c:v> 14:37</c:v>
+                      </c:pt>
+                      <c:pt idx="28">
+                        <c:v> 14:38</c:v>
+                      </c:pt>
+                      <c:pt idx="29">
+                        <c:v>総計</c:v>
+                      </c:pt>
+                    </c:strCache>
+                  </c:strRef>
+                </c:cat>
+                <c:val>
+                  <c:numRef>
+                    <c:extLst>
+                      <c:ext uri="{02D57815-91ED-43cb-92C2-25804820EDAC}">
+                        <c15:formulaRef>
+                          <c15:sqref>graph!$H$4:$H$33</c15:sqref>
+                        </c15:formulaRef>
+                      </c:ext>
+                    </c:extLst>
+                    <c:numCache>
+                      <c:formatCode>General</c:formatCode>
+                      <c:ptCount val="30"/>
+                      <c:pt idx="4">
+                        <c:v>3</c:v>
+                      </c:pt>
+                      <c:pt idx="5">
+                        <c:v>4</c:v>
+                      </c:pt>
+                      <c:pt idx="6">
+                        <c:v>4</c:v>
+                      </c:pt>
+                      <c:pt idx="7">
+                        <c:v>3</c:v>
+                      </c:pt>
+                      <c:pt idx="8">
+                        <c:v>3</c:v>
+                      </c:pt>
+                      <c:pt idx="9">
+                        <c:v>3</c:v>
+                      </c:pt>
+                      <c:pt idx="10">
+                        <c:v>10</c:v>
+                      </c:pt>
+                      <c:pt idx="11">
+                        <c:v>7</c:v>
+                      </c:pt>
+                      <c:pt idx="12">
+                        <c:v>6</c:v>
+                      </c:pt>
+                      <c:pt idx="13">
+                        <c:v>8</c:v>
+                      </c:pt>
+                      <c:pt idx="14">
+                        <c:v>9</c:v>
+                      </c:pt>
+                      <c:pt idx="15">
+                        <c:v>10</c:v>
+                      </c:pt>
+                      <c:pt idx="16">
+                        <c:v>14</c:v>
+                      </c:pt>
+                      <c:pt idx="17">
+                        <c:v>11</c:v>
+                      </c:pt>
+                      <c:pt idx="18">
+                        <c:v>14</c:v>
+                      </c:pt>
+                      <c:pt idx="19">
+                        <c:v>12</c:v>
+                      </c:pt>
+                      <c:pt idx="20">
+                        <c:v>11</c:v>
+                      </c:pt>
+                      <c:pt idx="21">
+                        <c:v>19</c:v>
+                      </c:pt>
+                      <c:pt idx="22">
+                        <c:v>10</c:v>
+                      </c:pt>
+                      <c:pt idx="23">
+                        <c:v>15</c:v>
+                      </c:pt>
+                      <c:pt idx="24">
+                        <c:v>11</c:v>
+                      </c:pt>
+                      <c:pt idx="25">
+                        <c:v>10</c:v>
+                      </c:pt>
+                      <c:pt idx="26">
+                        <c:v>20</c:v>
+                      </c:pt>
+                      <c:pt idx="27">
+                        <c:v>13</c:v>
+                      </c:pt>
+                      <c:pt idx="28">
+                        <c:v>11</c:v>
+                      </c:pt>
+                      <c:pt idx="29">
+                        <c:v>484</c:v>
+                      </c:pt>
+                    </c:numCache>
+                  </c:numRef>
+                </c:val>
+                <c:extLst>
+                  <c:ext xmlns:c16="http://schemas.microsoft.com/office/drawing/2014/chart" uri="{C3380CC4-5D6E-409C-BE32-E72D297353CC}">
+                    <c16:uniqueId val="{00000008-A8CB-48E7-9DE1-171FEC19434D}"/>
+                  </c:ext>
+                </c:extLst>
+              </c15:ser>
+            </c15:filteredBarSeries>
+            <c15:filteredBarSeries>
+              <c15:ser>
+                <c:idx val="13"/>
+                <c:order val="13"/>
+                <c:tx>
+                  <c:strRef>
+                    <c:extLst xmlns:c15="http://schemas.microsoft.com/office/drawing/2012/chart">
+                      <c:ext xmlns:c15="http://schemas.microsoft.com/office/drawing/2012/chart" uri="{02D57815-91ED-43cb-92C2-25804820EDAC}">
+                        <c15:formulaRef>
+                          <c15:sqref>graph!$O$3</c15:sqref>
+                        </c15:formulaRef>
+                      </c:ext>
+                    </c:extLst>
+                    <c:strCache>
+                      <c:ptCount val="1"/>
+                      <c:pt idx="0">
+                        <c:v>個数 / Screen Sharing Packet Loss</c:v>
+                      </c:pt>
+                    </c:strCache>
+                  </c:strRef>
+                </c:tx>
+                <c:spPr>
+                  <a:solidFill>
+                    <a:schemeClr val="accent2">
+                      <a:lumMod val="80000"/>
+                      <a:lumOff val="20000"/>
+                    </a:schemeClr>
+                  </a:solidFill>
+                  <a:ln>
+                    <a:noFill/>
+                  </a:ln>
+                  <a:effectLst/>
+                </c:spPr>
+                <c:invertIfNegative val="0"/>
+                <c:cat>
+                  <c:strRef>
+                    <c:extLst xmlns:c15="http://schemas.microsoft.com/office/drawing/2012/chart">
+                      <c:ext xmlns:c15="http://schemas.microsoft.com/office/drawing/2012/chart" uri="{02D57815-91ED-43cb-92C2-25804820EDAC}">
+                        <c15:formulaRef>
+                          <c15:sqref>graph!$A$4:$A$33</c15:sqref>
+                        </c15:formulaRef>
+                      </c:ext>
+                    </c:extLst>
+                    <c:strCache>
+                      <c:ptCount val="30"/>
+                      <c:pt idx="0">
+                        <c:v> 14:10</c:v>
+                      </c:pt>
+                      <c:pt idx="1">
+                        <c:v> 14:11</c:v>
+                      </c:pt>
+                      <c:pt idx="2">
+                        <c:v> 14:12</c:v>
+                      </c:pt>
+                      <c:pt idx="3">
+                        <c:v> 14:13</c:v>
+                      </c:pt>
+                      <c:pt idx="4">
+                        <c:v> 14:14</c:v>
+                      </c:pt>
+                      <c:pt idx="5">
+                        <c:v> 14:15</c:v>
+                      </c:pt>
+                      <c:pt idx="6">
+                        <c:v> 14:16</c:v>
+                      </c:pt>
+                      <c:pt idx="7">
+                        <c:v> 14:17</c:v>
+                      </c:pt>
+                      <c:pt idx="8">
+                        <c:v> 14:18</c:v>
+                      </c:pt>
+                      <c:pt idx="9">
+                        <c:v> 14:19</c:v>
+                      </c:pt>
+                      <c:pt idx="10">
+                        <c:v> 14:20</c:v>
+                      </c:pt>
+                      <c:pt idx="11">
+                        <c:v> 14:21</c:v>
+                      </c:pt>
+                      <c:pt idx="12">
+                        <c:v> 14:22</c:v>
+                      </c:pt>
+                      <c:pt idx="13">
+                        <c:v> 14:23</c:v>
+                      </c:pt>
+                      <c:pt idx="14">
+                        <c:v> 14:24</c:v>
+                      </c:pt>
+                      <c:pt idx="15">
+                        <c:v> 14:25</c:v>
+                      </c:pt>
+                      <c:pt idx="16">
+                        <c:v> 14:26</c:v>
+                      </c:pt>
+                      <c:pt idx="17">
+                        <c:v> 14:27</c:v>
+                      </c:pt>
+                      <c:pt idx="18">
+                        <c:v> 14:28</c:v>
+                      </c:pt>
+                      <c:pt idx="19">
+                        <c:v> 14:29</c:v>
+                      </c:pt>
+                      <c:pt idx="20">
+                        <c:v> 14:30</c:v>
+                      </c:pt>
+                      <c:pt idx="21">
+                        <c:v> 14:31</c:v>
+                      </c:pt>
+                      <c:pt idx="22">
+                        <c:v> 14:32</c:v>
+                      </c:pt>
+                      <c:pt idx="23">
+                        <c:v> 14:33</c:v>
+                      </c:pt>
+                      <c:pt idx="24">
+                        <c:v> 14:34</c:v>
+                      </c:pt>
+                      <c:pt idx="25">
+                        <c:v> 14:35</c:v>
+                      </c:pt>
+                      <c:pt idx="26">
+                        <c:v> 14:36</c:v>
+                      </c:pt>
+                      <c:pt idx="27">
+                        <c:v> 14:37</c:v>
+                      </c:pt>
+                      <c:pt idx="28">
+                        <c:v> 14:38</c:v>
+                      </c:pt>
+                      <c:pt idx="29">
+                        <c:v>総計</c:v>
+                      </c:pt>
+                    </c:strCache>
+                  </c:strRef>
+                </c:cat>
+                <c:val>
+                  <c:numRef>
+                    <c:extLst xmlns:c15="http://schemas.microsoft.com/office/drawing/2012/chart">
+                      <c:ext xmlns:c15="http://schemas.microsoft.com/office/drawing/2012/chart" uri="{02D57815-91ED-43cb-92C2-25804820EDAC}">
+                        <c15:formulaRef>
+                          <c15:sqref>graph!$O$4:$O$33</c15:sqref>
+                        </c15:formulaRef>
+                      </c:ext>
+                    </c:extLst>
+                    <c:numCache>
+                      <c:formatCode>General</c:formatCode>
+                      <c:ptCount val="30"/>
+                      <c:pt idx="4">
+                        <c:v>3</c:v>
+                      </c:pt>
+                      <c:pt idx="5">
+                        <c:v>4</c:v>
+                      </c:pt>
+                      <c:pt idx="6">
+                        <c:v>10</c:v>
+                      </c:pt>
+                      <c:pt idx="7">
+                        <c:v>3</c:v>
+                      </c:pt>
+                      <c:pt idx="8">
+                        <c:v>3</c:v>
+                      </c:pt>
+                      <c:pt idx="9">
+                        <c:v>3</c:v>
+                      </c:pt>
+                      <c:pt idx="10">
+                        <c:v>7</c:v>
+                      </c:pt>
+                      <c:pt idx="11">
+                        <c:v>7</c:v>
+                      </c:pt>
+                      <c:pt idx="12">
+                        <c:v>8</c:v>
+                      </c:pt>
+                      <c:pt idx="13">
+                        <c:v>8</c:v>
+                      </c:pt>
+                      <c:pt idx="14">
+                        <c:v>6</c:v>
+                      </c:pt>
+                      <c:pt idx="15">
+                        <c:v>9</c:v>
+                      </c:pt>
+                      <c:pt idx="16">
+                        <c:v>15</c:v>
+                      </c:pt>
+                      <c:pt idx="17">
+                        <c:v>21</c:v>
+                      </c:pt>
+                      <c:pt idx="18">
+                        <c:v>43</c:v>
+                      </c:pt>
+                      <c:pt idx="19">
+                        <c:v>27</c:v>
+                      </c:pt>
+                      <c:pt idx="20">
+                        <c:v>37</c:v>
+                      </c:pt>
+                      <c:pt idx="21">
+                        <c:v>26</c:v>
+                      </c:pt>
+                      <c:pt idx="22">
+                        <c:v>14</c:v>
+                      </c:pt>
+                      <c:pt idx="23">
+                        <c:v>29</c:v>
+                      </c:pt>
+                      <c:pt idx="24">
+                        <c:v>26</c:v>
+                      </c:pt>
+                      <c:pt idx="25">
+                        <c:v>11</c:v>
+                      </c:pt>
+                      <c:pt idx="26">
+                        <c:v>7</c:v>
+                      </c:pt>
+                      <c:pt idx="27">
+                        <c:v>14</c:v>
+                      </c:pt>
+                      <c:pt idx="28">
+                        <c:v>7</c:v>
+                      </c:pt>
+                      <c:pt idx="29">
+                        <c:v>591</c:v>
+                      </c:pt>
+                    </c:numCache>
+                  </c:numRef>
+                </c:val>
+                <c:extLst xmlns:c15="http://schemas.microsoft.com/office/drawing/2012/chart">
+                  <c:ext xmlns:c16="http://schemas.microsoft.com/office/drawing/2014/chart" uri="{C3380CC4-5D6E-409C-BE32-E72D297353CC}">
+                    <c16:uniqueId val="{0000000F-A8CB-48E7-9DE1-171FEC19434D}"/>
+                  </c:ext>
+                </c:extLst>
+              </c15:ser>
+            </c15:filteredBarSeries>
+          </c:ext>
+        </c:extLst>
+      </c:barChart>
+      <c:barChart>
+        <c:barDir val="col"/>
+        <c:grouping val="clustered"/>
+        <c:varyColors val="0"/>
+        <c:ser>
+          <c:idx val="1"/>
+          <c:order val="1"/>
+          <c:tx>
+            <c:strRef>
+              <c:f>graph!$C$3</c:f>
+              <c:strCache>
+                <c:ptCount val="1"/>
+                <c:pt idx="0">
+                  <c:v>分散 / Audio  Bitrate</c:v>
+                </c:pt>
+              </c:strCache>
+            </c:strRef>
+          </c:tx>
+          <c:spPr>
+            <a:solidFill>
+              <a:schemeClr val="accent2"/>
+            </a:solidFill>
+            <a:ln>
+              <a:noFill/>
+            </a:ln>
+            <a:effectLst/>
+          </c:spPr>
+          <c:invertIfNegative val="0"/>
+          <c:cat>
+            <c:strRef>
+              <c:f>graph!$A$4:$A$33</c:f>
+              <c:strCache>
+                <c:ptCount val="30"/>
+                <c:pt idx="0">
+                  <c:v> 14:10</c:v>
+                </c:pt>
+                <c:pt idx="1">
+                  <c:v> 14:11</c:v>
+                </c:pt>
+                <c:pt idx="2">
+                  <c:v> 14:12</c:v>
+                </c:pt>
+                <c:pt idx="3">
+                  <c:v> 14:13</c:v>
+                </c:pt>
+                <c:pt idx="4">
+                  <c:v> 14:14</c:v>
+                </c:pt>
+                <c:pt idx="5">
+                  <c:v> 14:15</c:v>
+                </c:pt>
+                <c:pt idx="6">
+                  <c:v> 14:16</c:v>
+                </c:pt>
+                <c:pt idx="7">
+                  <c:v> 14:17</c:v>
+                </c:pt>
+                <c:pt idx="8">
+                  <c:v> 14:18</c:v>
+                </c:pt>
+                <c:pt idx="9">
+                  <c:v> 14:19</c:v>
+                </c:pt>
+                <c:pt idx="10">
+                  <c:v> 14:20</c:v>
+                </c:pt>
+                <c:pt idx="11">
+                  <c:v> 14:21</c:v>
+                </c:pt>
+                <c:pt idx="12">
+                  <c:v> 14:22</c:v>
+                </c:pt>
+                <c:pt idx="13">
+                  <c:v> 14:23</c:v>
+                </c:pt>
+                <c:pt idx="14">
+                  <c:v> 14:24</c:v>
+                </c:pt>
+                <c:pt idx="15">
+                  <c:v> 14:25</c:v>
+                </c:pt>
+                <c:pt idx="16">
+                  <c:v> 14:26</c:v>
+                </c:pt>
+                <c:pt idx="17">
+                  <c:v> 14:27</c:v>
+                </c:pt>
+                <c:pt idx="18">
+                  <c:v> 14:28</c:v>
+                </c:pt>
+                <c:pt idx="19">
+                  <c:v> 14:29</c:v>
+                </c:pt>
+                <c:pt idx="20">
+                  <c:v> 14:30</c:v>
+                </c:pt>
+                <c:pt idx="21">
+                  <c:v> 14:31</c:v>
+                </c:pt>
+                <c:pt idx="22">
+                  <c:v> 14:32</c:v>
+                </c:pt>
+                <c:pt idx="23">
+                  <c:v> 14:33</c:v>
+                </c:pt>
+                <c:pt idx="24">
+                  <c:v> 14:34</c:v>
+                </c:pt>
+                <c:pt idx="25">
+                  <c:v> 14:35</c:v>
+                </c:pt>
+                <c:pt idx="26">
+                  <c:v> 14:36</c:v>
+                </c:pt>
+                <c:pt idx="27">
+                  <c:v> 14:37</c:v>
+                </c:pt>
+                <c:pt idx="28">
+                  <c:v> 14:38</c:v>
+                </c:pt>
+                <c:pt idx="29">
+                  <c:v>総計</c:v>
+                </c:pt>
+              </c:strCache>
+            </c:strRef>
+          </c:cat>
+          <c:val>
+            <c:numRef>
+              <c:f>graph!$C$4:$C$33</c:f>
+              <c:numCache>
+                <c:formatCode>General</c:formatCode>
+                <c:ptCount val="30"/>
+                <c:pt idx="0">
+                  <c:v>0</c:v>
+                </c:pt>
+                <c:pt idx="1">
+                  <c:v>1</c:v>
+                </c:pt>
+                <c:pt idx="2">
+                  <c:v>0</c:v>
+                </c:pt>
+                <c:pt idx="3">
+                  <c:v>0.1875</c:v>
+                </c:pt>
+                <c:pt idx="4">
+                  <c:v>22.4375</c:v>
+                </c:pt>
+                <c:pt idx="5">
+                  <c:v>46.02469135802469</c:v>
+                </c:pt>
+                <c:pt idx="6">
+                  <c:v>47.289256198347104</c:v>
+                </c:pt>
+                <c:pt idx="7">
+                  <c:v>64.076388888888886</c:v>
+                </c:pt>
+                <c:pt idx="8">
+                  <c:v>16.168367346938776</c:v>
+                </c:pt>
+                <c:pt idx="9">
+                  <c:v>73.878116343490305</c:v>
+                </c:pt>
+                <c:pt idx="10">
+                  <c:v>8.9795918367346932</c:v>
+                </c:pt>
+                <c:pt idx="11">
+                  <c:v>36.899063475546306</c:v>
+                </c:pt>
+                <c:pt idx="12">
+                  <c:v>22.899926953981009</c:v>
+                </c:pt>
+                <c:pt idx="13">
+                  <c:v>23.608987603305785</c:v>
+                </c:pt>
+                <c:pt idx="14">
+                  <c:v>17.815910037484382</c:v>
+                </c:pt>
+                <c:pt idx="15">
+                  <c:v>51.222222222222221</c:v>
+                </c:pt>
+                <c:pt idx="16">
+                  <c:v>15.38134909970438</c:v>
+                </c:pt>
+                <c:pt idx="17">
+                  <c:v>12.723599632690542</c:v>
+                </c:pt>
+                <c:pt idx="18">
+                  <c:v>6.6016138112216174</c:v>
+                </c:pt>
+                <c:pt idx="19">
+                  <c:v>20.163257646838055</c:v>
+                </c:pt>
+                <c:pt idx="20">
+                  <c:v>21.56276975042222</c:v>
+                </c:pt>
+                <c:pt idx="21">
+                  <c:v>10.333270782510789</c:v>
+                </c:pt>
+                <c:pt idx="22">
+                  <c:v>9.3056000000000001</c:v>
+                </c:pt>
+                <c:pt idx="23">
+                  <c:v>15.325687299713273</c:v>
+                </c:pt>
+                <c:pt idx="24">
+                  <c:v>13.499835634451019</c:v>
+                </c:pt>
+                <c:pt idx="25">
+                  <c:v>12.401873767258383</c:v>
+                </c:pt>
+                <c:pt idx="26">
+                  <c:v>9.9794904662714305</c:v>
+                </c:pt>
+                <c:pt idx="27">
+                  <c:v>16.860118570741868</c:v>
+                </c:pt>
+                <c:pt idx="28">
+                  <c:v>15.904182022111842</c:v>
+                </c:pt>
+                <c:pt idx="29">
+                  <c:v>24.796841535965388</c:v>
+                </c:pt>
+              </c:numCache>
+            </c:numRef>
+          </c:val>
+          <c:extLst>
+            <c:ext xmlns:c16="http://schemas.microsoft.com/office/drawing/2014/chart" uri="{C3380CC4-5D6E-409C-BE32-E72D297353CC}">
+              <c16:uniqueId val="{00000000-A8CB-48E7-9DE1-171FEC19434D}"/>
+            </c:ext>
+          </c:extLst>
+        </c:ser>
+        <c:ser>
+          <c:idx val="3"/>
+          <c:order val="3"/>
+          <c:tx>
+            <c:strRef>
+              <c:f>graph!$E$3</c:f>
+              <c:strCache>
+                <c:ptCount val="1"/>
+                <c:pt idx="0">
+                  <c:v>分散 / Audio Latency</c:v>
+                </c:pt>
+              </c:strCache>
+            </c:strRef>
+          </c:tx>
+          <c:spPr>
+            <a:solidFill>
+              <a:schemeClr val="accent4"/>
+            </a:solidFill>
+            <a:ln>
+              <a:noFill/>
+            </a:ln>
+            <a:effectLst/>
+          </c:spPr>
+          <c:invertIfNegative val="0"/>
+          <c:cat>
+            <c:strRef>
+              <c:f>graph!$A$4:$A$33</c:f>
+              <c:strCache>
+                <c:ptCount val="30"/>
+                <c:pt idx="0">
+                  <c:v> 14:10</c:v>
+                </c:pt>
+                <c:pt idx="1">
+                  <c:v> 14:11</c:v>
+                </c:pt>
+                <c:pt idx="2">
+                  <c:v> 14:12</c:v>
+                </c:pt>
+                <c:pt idx="3">
+                  <c:v> 14:13</c:v>
+                </c:pt>
+                <c:pt idx="4">
+                  <c:v> 14:14</c:v>
+                </c:pt>
+                <c:pt idx="5">
+                  <c:v> 14:15</c:v>
+                </c:pt>
+                <c:pt idx="6">
+                  <c:v> 14:16</c:v>
+                </c:pt>
+                <c:pt idx="7">
+                  <c:v> 14:17</c:v>
+                </c:pt>
+                <c:pt idx="8">
+                  <c:v> 14:18</c:v>
+                </c:pt>
+                <c:pt idx="9">
+                  <c:v> 14:19</c:v>
+                </c:pt>
+                <c:pt idx="10">
+                  <c:v> 14:20</c:v>
+                </c:pt>
+                <c:pt idx="11">
+                  <c:v> 14:21</c:v>
+                </c:pt>
+                <c:pt idx="12">
+                  <c:v> 14:22</c:v>
+                </c:pt>
+                <c:pt idx="13">
+                  <c:v> 14:23</c:v>
+                </c:pt>
+                <c:pt idx="14">
+                  <c:v> 14:24</c:v>
+                </c:pt>
+                <c:pt idx="15">
+                  <c:v> 14:25</c:v>
+                </c:pt>
+                <c:pt idx="16">
+                  <c:v> 14:26</c:v>
+                </c:pt>
+                <c:pt idx="17">
+                  <c:v> 14:27</c:v>
+                </c:pt>
+                <c:pt idx="18">
+                  <c:v> 14:28</c:v>
+                </c:pt>
+                <c:pt idx="19">
+                  <c:v> 14:29</c:v>
+                </c:pt>
+                <c:pt idx="20">
+                  <c:v> 14:30</c:v>
+                </c:pt>
+                <c:pt idx="21">
+                  <c:v> 14:31</c:v>
+                </c:pt>
+                <c:pt idx="22">
+                  <c:v> 14:32</c:v>
+                </c:pt>
+                <c:pt idx="23">
+                  <c:v> 14:33</c:v>
+                </c:pt>
+                <c:pt idx="24">
+                  <c:v> 14:34</c:v>
+                </c:pt>
+                <c:pt idx="25">
+                  <c:v> 14:35</c:v>
+                </c:pt>
+                <c:pt idx="26">
+                  <c:v> 14:36</c:v>
+                </c:pt>
+                <c:pt idx="27">
+                  <c:v> 14:37</c:v>
+                </c:pt>
+                <c:pt idx="28">
+                  <c:v> 14:38</c:v>
+                </c:pt>
+                <c:pt idx="29">
+                  <c:v>総計</c:v>
+                </c:pt>
+              </c:strCache>
+            </c:strRef>
+          </c:cat>
+          <c:val>
+            <c:numRef>
+              <c:f>graph!$E$4:$E$33</c:f>
+              <c:numCache>
+                <c:formatCode>General</c:formatCode>
+                <c:ptCount val="30"/>
+                <c:pt idx="0">
+                  <c:v>0</c:v>
+                </c:pt>
+                <c:pt idx="1">
+                  <c:v>0.25</c:v>
+                </c:pt>
+                <c:pt idx="2">
+                  <c:v>3.5555555555555554</c:v>
+                </c:pt>
+                <c:pt idx="3">
+                  <c:v>14</c:v>
+                </c:pt>
+                <c:pt idx="4">
+                  <c:v>811.75</c:v>
+                </c:pt>
+                <c:pt idx="5">
+                  <c:v>24879.061728395063</c:v>
+                </c:pt>
+                <c:pt idx="6">
+                  <c:v>16676.561983471074</c:v>
+                </c:pt>
+                <c:pt idx="7">
+                  <c:v>22256.638888888891</c:v>
+                </c:pt>
+                <c:pt idx="8">
+                  <c:v>48751.066326530614</c:v>
+                </c:pt>
+                <c:pt idx="9">
+                  <c:v>41139.05817174515</c:v>
+                </c:pt>
+                <c:pt idx="10">
+                  <c:v>12163.830357142857</c:v>
+                </c:pt>
+                <c:pt idx="11">
+                  <c:v>25860.732570239335</c:v>
+                </c:pt>
+                <c:pt idx="12">
+                  <c:v>34015.380569758949</c:v>
+                </c:pt>
+                <c:pt idx="13">
+                  <c:v>30183.535123966944</c:v>
+                </c:pt>
+                <c:pt idx="14">
+                  <c:v>16698.109954185755</c:v>
+                </c:pt>
+                <c:pt idx="15">
+                  <c:v>17142.643689986282</c:v>
+                </c:pt>
+                <c:pt idx="16">
+                  <c:v>10787.019618382155</c:v>
+                </c:pt>
+                <c:pt idx="17">
+                  <c:v>11667.090220385675</c:v>
+                </c:pt>
+                <c:pt idx="18">
+                  <c:v>12598.253706136236</c:v>
+                </c:pt>
+                <c:pt idx="19">
+                  <c:v>11279.766935635203</c:v>
+                </c:pt>
+                <c:pt idx="20">
+                  <c:v>11067.642709701633</c:v>
+                </c:pt>
+                <c:pt idx="21">
+                  <c:v>6771.458810283355</c:v>
+                </c:pt>
+                <c:pt idx="22">
+                  <c:v>11088.303288888888</c:v>
+                </c:pt>
+                <c:pt idx="23">
+                  <c:v>5332.8807556080283</c:v>
+                </c:pt>
+                <c:pt idx="24">
+                  <c:v>6634.3933267587117</c:v>
+                </c:pt>
+                <c:pt idx="25">
+                  <c:v>7332.4130506245892</c:v>
+                </c:pt>
+                <c:pt idx="26">
+                  <c:v>8819.0347700688999</c:v>
+                </c:pt>
+                <c:pt idx="27">
+                  <c:v>7642.188431341131</c:v>
+                </c:pt>
+                <c:pt idx="28">
+                  <c:v>6385.0879666720075</c:v>
+                </c:pt>
+                <c:pt idx="29">
+                  <c:v>12730.352260080525</c:v>
+                </c:pt>
+              </c:numCache>
+            </c:numRef>
+          </c:val>
+          <c:extLst>
+            <c:ext xmlns:c16="http://schemas.microsoft.com/office/drawing/2014/chart" uri="{C3380CC4-5D6E-409C-BE32-E72D297353CC}">
+              <c16:uniqueId val="{00000001-A8CB-48E7-9DE1-171FEC19434D}"/>
+            </c:ext>
+          </c:extLst>
+        </c:ser>
+        <c:ser>
+          <c:idx val="5"/>
+          <c:order val="5"/>
+          <c:tx>
+            <c:strRef>
+              <c:f>graph!$G$3</c:f>
+              <c:strCache>
+                <c:ptCount val="1"/>
+                <c:pt idx="0">
+                  <c:v>分散 / Audio Jitter</c:v>
+                </c:pt>
+              </c:strCache>
+            </c:strRef>
+          </c:tx>
+          <c:spPr>
+            <a:solidFill>
+              <a:schemeClr val="accent6"/>
+            </a:solidFill>
+            <a:ln>
+              <a:noFill/>
+            </a:ln>
+            <a:effectLst/>
+          </c:spPr>
+          <c:invertIfNegative val="0"/>
+          <c:cat>
+            <c:strRef>
+              <c:f>graph!$A$4:$A$33</c:f>
+              <c:strCache>
+                <c:ptCount val="30"/>
+                <c:pt idx="0">
+                  <c:v> 14:10</c:v>
+                </c:pt>
+                <c:pt idx="1">
+                  <c:v> 14:11</c:v>
+                </c:pt>
+                <c:pt idx="2">
+                  <c:v> 14:12</c:v>
+                </c:pt>
+                <c:pt idx="3">
+                  <c:v> 14:13</c:v>
+                </c:pt>
+                <c:pt idx="4">
+                  <c:v> 14:14</c:v>
+                </c:pt>
+                <c:pt idx="5">
+                  <c:v> 14:15</c:v>
+                </c:pt>
+                <c:pt idx="6">
+                  <c:v> 14:16</c:v>
+                </c:pt>
+                <c:pt idx="7">
+                  <c:v> 14:17</c:v>
+                </c:pt>
+                <c:pt idx="8">
+                  <c:v> 14:18</c:v>
+                </c:pt>
+                <c:pt idx="9">
+                  <c:v> 14:19</c:v>
+                </c:pt>
+                <c:pt idx="10">
+                  <c:v> 14:20</c:v>
+                </c:pt>
+                <c:pt idx="11">
+                  <c:v> 14:21</c:v>
+                </c:pt>
+                <c:pt idx="12">
+                  <c:v> 14:22</c:v>
+                </c:pt>
+                <c:pt idx="13">
+                  <c:v> 14:23</c:v>
+                </c:pt>
+                <c:pt idx="14">
+                  <c:v> 14:24</c:v>
+                </c:pt>
+                <c:pt idx="15">
+                  <c:v> 14:25</c:v>
+                </c:pt>
+                <c:pt idx="16">
+                  <c:v> 14:26</c:v>
+                </c:pt>
+                <c:pt idx="17">
+                  <c:v> 14:27</c:v>
+                </c:pt>
+                <c:pt idx="18">
+                  <c:v> 14:28</c:v>
+                </c:pt>
+                <c:pt idx="19">
+                  <c:v> 14:29</c:v>
+                </c:pt>
+                <c:pt idx="20">
+                  <c:v> 14:30</c:v>
+                </c:pt>
+                <c:pt idx="21">
+                  <c:v> 14:31</c:v>
+                </c:pt>
+                <c:pt idx="22">
+                  <c:v> 14:32</c:v>
+                </c:pt>
+                <c:pt idx="23">
+                  <c:v> 14:33</c:v>
+                </c:pt>
+                <c:pt idx="24">
+                  <c:v> 14:34</c:v>
+                </c:pt>
+                <c:pt idx="25">
+                  <c:v> 14:35</c:v>
+                </c:pt>
+                <c:pt idx="26">
+                  <c:v> 14:36</c:v>
+                </c:pt>
+                <c:pt idx="27">
+                  <c:v> 14:37</c:v>
+                </c:pt>
+                <c:pt idx="28">
+                  <c:v> 14:38</c:v>
+                </c:pt>
+                <c:pt idx="29">
+                  <c:v>総計</c:v>
+                </c:pt>
+              </c:strCache>
+            </c:strRef>
+          </c:cat>
+          <c:val>
+            <c:numRef>
+              <c:f>graph!$G$4:$G$33</c:f>
+              <c:numCache>
+                <c:formatCode>General</c:formatCode>
+                <c:ptCount val="30"/>
+                <c:pt idx="0">
+                  <c:v>0</c:v>
+                </c:pt>
+                <c:pt idx="1">
+                  <c:v>1</c:v>
+                </c:pt>
+                <c:pt idx="2">
+                  <c:v>0.22222222222222221</c:v>
+                </c:pt>
+                <c:pt idx="3">
+                  <c:v>3.6875</c:v>
+                </c:pt>
+                <c:pt idx="4">
+                  <c:v>68.6875</c:v>
+                </c:pt>
+                <c:pt idx="5">
+                  <c:v>926.69135802469134</c:v>
+                </c:pt>
+                <c:pt idx="6">
+                  <c:v>723.28925619834706</c:v>
+                </c:pt>
+                <c:pt idx="7">
+                  <c:v>11464</c:v>
+                </c:pt>
+                <c:pt idx="8">
+                  <c:v>25786.408163265307</c:v>
+                </c:pt>
+                <c:pt idx="9">
+                  <c:v>20095.041551246537</c:v>
+                </c:pt>
+                <c:pt idx="10">
+                  <c:v>12466.530612244898</c:v>
+                </c:pt>
+                <c:pt idx="11">
+                  <c:v>9464.06243496358</c:v>
+                </c:pt>
+                <c:pt idx="12">
+                  <c:v>23066.241051862675</c:v>
+                </c:pt>
+                <c:pt idx="13">
+                  <c:v>29996.413223140495</c:v>
+                </c:pt>
+                <c:pt idx="14">
+                  <c:v>11923.706788837984</c:v>
+                </c:pt>
+                <c:pt idx="15">
+                  <c:v>7800.710562414266</c:v>
+                </c:pt>
+                <c:pt idx="16">
+                  <c:v>7063.7102929320072</c:v>
+                </c:pt>
+                <c:pt idx="17">
+                  <c:v>8072.8558310376493</c:v>
+                </c:pt>
+                <c:pt idx="18">
+                  <c:v>9006.6019891161577</c:v>
+                </c:pt>
+                <c:pt idx="19">
+                  <c:v>4853.1210358416211</c:v>
+                </c:pt>
+                <c:pt idx="20">
+                  <c:v>8419.533871270407</c:v>
+                </c:pt>
+                <c:pt idx="21">
+                  <c:v>387.03659223118785</c:v>
+                </c:pt>
+                <c:pt idx="22">
+                  <c:v>456.88</c:v>
+                </c:pt>
+                <c:pt idx="23">
+                  <c:v>371.92882442233093</c:v>
+                </c:pt>
+                <c:pt idx="24">
+                  <c:v>430.0664036817883</c:v>
+                </c:pt>
+                <c:pt idx="25">
+                  <c:v>348.49983563445102</c:v>
+                </c:pt>
+                <c:pt idx="26">
+                  <c:v>404.75532767184745</c:v>
+                </c:pt>
+                <c:pt idx="27">
+                  <c:v>343.30652139080274</c:v>
+                </c:pt>
+                <c:pt idx="28">
+                  <c:v>285.95481493350422</c:v>
+                </c:pt>
+                <c:pt idx="29">
+                  <c:v>5964.7737641968633</c:v>
+                </c:pt>
+              </c:numCache>
+            </c:numRef>
+          </c:val>
+          <c:extLst>
+            <c:ext xmlns:c16="http://schemas.microsoft.com/office/drawing/2014/chart" uri="{C3380CC4-5D6E-409C-BE32-E72D297353CC}">
+              <c16:uniqueId val="{00000002-A8CB-48E7-9DE1-171FEC19434D}"/>
+            </c:ext>
+          </c:extLst>
+        </c:ser>
+        <c:ser>
+          <c:idx val="17"/>
+          <c:order val="17"/>
+          <c:tx>
+            <c:strRef>
+              <c:f>graph!$S$3</c:f>
+              <c:strCache>
+                <c:ptCount val="1"/>
+                <c:pt idx="0">
+                  <c:v>分散 / Zoom Avg Cpu Usage</c:v>
+                </c:pt>
+              </c:strCache>
+            </c:strRef>
+          </c:tx>
+          <c:spPr>
+            <a:solidFill>
+              <a:schemeClr val="accent6">
+                <a:lumMod val="80000"/>
+                <a:lumOff val="20000"/>
+              </a:schemeClr>
+            </a:solidFill>
+            <a:ln>
+              <a:noFill/>
+            </a:ln>
+            <a:effectLst/>
+          </c:spPr>
+          <c:invertIfNegative val="0"/>
+          <c:cat>
+            <c:strRef>
+              <c:f>graph!$A$4:$A$33</c:f>
+              <c:strCache>
+                <c:ptCount val="30"/>
+                <c:pt idx="0">
+                  <c:v> 14:10</c:v>
+                </c:pt>
+                <c:pt idx="1">
+                  <c:v> 14:11</c:v>
+                </c:pt>
+                <c:pt idx="2">
+                  <c:v> 14:12</c:v>
+                </c:pt>
+                <c:pt idx="3">
+                  <c:v> 14:13</c:v>
+                </c:pt>
+                <c:pt idx="4">
+                  <c:v> 14:14</c:v>
+                </c:pt>
+                <c:pt idx="5">
+                  <c:v> 14:15</c:v>
+                </c:pt>
+                <c:pt idx="6">
+                  <c:v> 14:16</c:v>
+                </c:pt>
+                <c:pt idx="7">
+                  <c:v> 14:17</c:v>
+                </c:pt>
+                <c:pt idx="8">
+                  <c:v> 14:18</c:v>
+                </c:pt>
+                <c:pt idx="9">
+                  <c:v> 14:19</c:v>
+                </c:pt>
+                <c:pt idx="10">
+                  <c:v> 14:20</c:v>
+                </c:pt>
+                <c:pt idx="11">
+                  <c:v> 14:21</c:v>
+                </c:pt>
+                <c:pt idx="12">
+                  <c:v> 14:22</c:v>
+                </c:pt>
+                <c:pt idx="13">
+                  <c:v> 14:23</c:v>
+                </c:pt>
+                <c:pt idx="14">
+                  <c:v> 14:24</c:v>
+                </c:pt>
+                <c:pt idx="15">
+                  <c:v> 14:25</c:v>
+                </c:pt>
+                <c:pt idx="16">
+                  <c:v> 14:26</c:v>
+                </c:pt>
+                <c:pt idx="17">
+                  <c:v> 14:27</c:v>
+                </c:pt>
+                <c:pt idx="18">
+                  <c:v> 14:28</c:v>
+                </c:pt>
+                <c:pt idx="19">
+                  <c:v> 14:29</c:v>
+                </c:pt>
+                <c:pt idx="20">
+                  <c:v> 14:30</c:v>
+                </c:pt>
+                <c:pt idx="21">
+                  <c:v> 14:31</c:v>
+                </c:pt>
+                <c:pt idx="22">
+                  <c:v> 14:32</c:v>
+                </c:pt>
+                <c:pt idx="23">
+                  <c:v> 14:33</c:v>
+                </c:pt>
+                <c:pt idx="24">
+                  <c:v> 14:34</c:v>
+                </c:pt>
+                <c:pt idx="25">
+                  <c:v> 14:35</c:v>
+                </c:pt>
+                <c:pt idx="26">
+                  <c:v> 14:36</c:v>
+                </c:pt>
+                <c:pt idx="27">
+                  <c:v> 14:37</c:v>
+                </c:pt>
+                <c:pt idx="28">
+                  <c:v> 14:38</c:v>
+                </c:pt>
+                <c:pt idx="29">
+                  <c:v>総計</c:v>
+                </c:pt>
+              </c:strCache>
+            </c:strRef>
+          </c:cat>
+          <c:val>
+            <c:numRef>
+              <c:f>graph!$S$4:$S$33</c:f>
+              <c:numCache>
+                <c:formatCode>General</c:formatCode>
+                <c:ptCount val="30"/>
+                <c:pt idx="0">
+                  <c:v>784</c:v>
+                </c:pt>
+                <c:pt idx="1">
+                  <c:v>702.25</c:v>
+                </c:pt>
+                <c:pt idx="2">
+                  <c:v>800.66666666666663</c:v>
+                </c:pt>
+                <c:pt idx="3">
+                  <c:v>558.22222222222217</c:v>
+                </c:pt>
+                <c:pt idx="4">
+                  <c:v>457.88888888888891</c:v>
+                </c:pt>
+                <c:pt idx="5">
+                  <c:v>361.67346938775512</c:v>
+                </c:pt>
+                <c:pt idx="6">
+                  <c:v>413.109375</c:v>
+                </c:pt>
+                <c:pt idx="7">
+                  <c:v>519.984375</c:v>
+                </c:pt>
+                <c:pt idx="8">
+                  <c:v>333.09</c:v>
+                </c:pt>
+                <c:pt idx="9">
+                  <c:v>315.80555555555554</c:v>
+                </c:pt>
+                <c:pt idx="10">
+                  <c:v>206.56198347107437</c:v>
+                </c:pt>
+                <c:pt idx="11">
+                  <c:v>167.15702479338842</c:v>
+                </c:pt>
+                <c:pt idx="12">
+                  <c:v>177.19834710743802</c:v>
+                </c:pt>
+                <c:pt idx="13">
+                  <c:v>327.12</c:v>
+                </c:pt>
+                <c:pt idx="14">
+                  <c:v>326.59555555555556</c:v>
+                </c:pt>
+                <c:pt idx="15">
+                  <c:v>331.08723599632691</c:v>
+                </c:pt>
+                <c:pt idx="16">
+                  <c:v>348.12623274161734</c:v>
+                </c:pt>
+                <c:pt idx="17">
+                  <c:v>368.92482422931312</c:v>
+                </c:pt>
+                <c:pt idx="18">
+                  <c:v>329.89650283553874</c:v>
+                </c:pt>
+                <c:pt idx="19">
+                  <c:v>342.76039697542535</c:v>
+                </c:pt>
+                <c:pt idx="20">
+                  <c:v>320.5033081285444</c:v>
+                </c:pt>
+                <c:pt idx="21">
+                  <c:v>271.77504725897921</c:v>
+                </c:pt>
+                <c:pt idx="22">
+                  <c:v>322.29153463105479</c:v>
+                </c:pt>
+                <c:pt idx="23">
+                  <c:v>289.88229968311452</c:v>
+                </c:pt>
+                <c:pt idx="24">
+                  <c:v>279.37528293345406</c:v>
+                </c:pt>
+                <c:pt idx="25">
+                  <c:v>280.90357627885919</c:v>
+                </c:pt>
+                <c:pt idx="26">
+                  <c:v>265.84155726573113</c:v>
+                </c:pt>
+                <c:pt idx="27">
+                  <c:v>274.70439112720686</c:v>
+                </c:pt>
+                <c:pt idx="28">
+                  <c:v>267.15889542779536</c:v>
+                </c:pt>
+                <c:pt idx="29">
+                  <c:v>317.28249516132217</c:v>
+                </c:pt>
+              </c:numCache>
+            </c:numRef>
+          </c:val>
+          <c:extLst>
+            <c:ext xmlns:c16="http://schemas.microsoft.com/office/drawing/2014/chart" uri="{C3380CC4-5D6E-409C-BE32-E72D297353CC}">
+              <c16:uniqueId val="{00000003-A8CB-48E7-9DE1-171FEC19434D}"/>
+            </c:ext>
+          </c:extLst>
+        </c:ser>
+        <c:dLbls>
+          <c:showLegendKey val="0"/>
+          <c:showVal val="0"/>
+          <c:showCatName val="0"/>
+          <c:showSerName val="0"/>
+          <c:showPercent val="0"/>
+          <c:showBubbleSize val="0"/>
+        </c:dLbls>
+        <c:gapWidth val="219"/>
+        <c:axId val="156434416"/>
+        <c:axId val="179977872"/>
+        <c:extLst>
+          <c:ext xmlns:c15="http://schemas.microsoft.com/office/drawing/2012/chart" uri="{02D57815-91ED-43cb-92C2-25804820EDAC}">
+            <c15:filteredBarSeries>
+              <c15:ser>
+                <c:idx val="8"/>
+                <c:order val="8"/>
+                <c:tx>
+                  <c:strRef>
+                    <c:extLst>
+                      <c:ext uri="{02D57815-91ED-43cb-92C2-25804820EDAC}">
+                        <c15:formulaRef>
+                          <c15:sqref>graph!$J$3</c15:sqref>
+                        </c15:formulaRef>
+                      </c:ext>
+                    </c:extLst>
+                    <c:strCache>
+                      <c:ptCount val="1"/>
+                      <c:pt idx="0">
+                        <c:v>分散 / Screen Sharing Bitrate</c:v>
+                      </c:pt>
+                    </c:strCache>
+                  </c:strRef>
+                </c:tx>
+                <c:spPr>
+                  <a:solidFill>
+                    <a:schemeClr val="accent3">
+                      <a:lumMod val="60000"/>
+                    </a:schemeClr>
+                  </a:solidFill>
+                  <a:ln>
+                    <a:noFill/>
+                  </a:ln>
+                  <a:effectLst/>
+                </c:spPr>
+                <c:invertIfNegative val="0"/>
+                <c:cat>
+                  <c:strRef>
+                    <c:extLst>
+                      <c:ext uri="{02D57815-91ED-43cb-92C2-25804820EDAC}">
+                        <c15:formulaRef>
+                          <c15:sqref>graph!$A$4:$A$33</c15:sqref>
+                        </c15:formulaRef>
+                      </c:ext>
+                    </c:extLst>
+                    <c:strCache>
+                      <c:ptCount val="30"/>
+                      <c:pt idx="0">
+                        <c:v> 14:10</c:v>
+                      </c:pt>
+                      <c:pt idx="1">
+                        <c:v> 14:11</c:v>
+                      </c:pt>
+                      <c:pt idx="2">
+                        <c:v> 14:12</c:v>
+                      </c:pt>
+                      <c:pt idx="3">
+                        <c:v> 14:13</c:v>
+                      </c:pt>
+                      <c:pt idx="4">
+                        <c:v> 14:14</c:v>
+                      </c:pt>
+                      <c:pt idx="5">
+                        <c:v> 14:15</c:v>
+                      </c:pt>
+                      <c:pt idx="6">
+                        <c:v> 14:16</c:v>
+                      </c:pt>
+                      <c:pt idx="7">
+                        <c:v> 14:17</c:v>
+                      </c:pt>
+                      <c:pt idx="8">
+                        <c:v> 14:18</c:v>
+                      </c:pt>
+                      <c:pt idx="9">
+                        <c:v> 14:19</c:v>
+                      </c:pt>
+                      <c:pt idx="10">
+                        <c:v> 14:20</c:v>
+                      </c:pt>
+                      <c:pt idx="11">
+                        <c:v> 14:21</c:v>
+                      </c:pt>
+                      <c:pt idx="12">
+                        <c:v> 14:22</c:v>
+                      </c:pt>
+                      <c:pt idx="13">
+                        <c:v> 14:23</c:v>
+                      </c:pt>
+                      <c:pt idx="14">
+                        <c:v> 14:24</c:v>
+                      </c:pt>
+                      <c:pt idx="15">
+                        <c:v> 14:25</c:v>
+                      </c:pt>
+                      <c:pt idx="16">
+                        <c:v> 14:26</c:v>
+                      </c:pt>
+                      <c:pt idx="17">
+                        <c:v> 14:27</c:v>
+                      </c:pt>
+                      <c:pt idx="18">
+                        <c:v> 14:28</c:v>
+                      </c:pt>
+                      <c:pt idx="19">
+                        <c:v> 14:29</c:v>
+                      </c:pt>
+                      <c:pt idx="20">
+                        <c:v> 14:30</c:v>
+                      </c:pt>
+                      <c:pt idx="21">
+                        <c:v> 14:31</c:v>
+                      </c:pt>
+                      <c:pt idx="22">
+                        <c:v> 14:32</c:v>
+                      </c:pt>
+                      <c:pt idx="23">
+                        <c:v> 14:33</c:v>
+                      </c:pt>
+                      <c:pt idx="24">
+                        <c:v> 14:34</c:v>
+                      </c:pt>
+                      <c:pt idx="25">
+                        <c:v> 14:35</c:v>
+                      </c:pt>
+                      <c:pt idx="26">
+                        <c:v> 14:36</c:v>
+                      </c:pt>
+                      <c:pt idx="27">
+                        <c:v> 14:37</c:v>
+                      </c:pt>
+                      <c:pt idx="28">
+                        <c:v> 14:38</c:v>
+                      </c:pt>
+                      <c:pt idx="29">
+                        <c:v>総計</c:v>
+                      </c:pt>
+                    </c:strCache>
+                  </c:strRef>
+                </c:cat>
+                <c:val>
+                  <c:numRef>
+                    <c:extLst>
+                      <c:ext uri="{02D57815-91ED-43cb-92C2-25804820EDAC}">
+                        <c15:formulaRef>
+                          <c15:sqref>graph!$J$4:$J$33</c15:sqref>
+                        </c15:formulaRef>
+                      </c:ext>
+                    </c:extLst>
+                    <c:numCache>
+                      <c:formatCode>General</c:formatCode>
+                      <c:ptCount val="30"/>
+                      <c:pt idx="0">
+                        <c:v>0</c:v>
+                      </c:pt>
+                      <c:pt idx="1">
+                        <c:v>1936</c:v>
+                      </c:pt>
+                      <c:pt idx="2">
+                        <c:v>298.66666666666669</c:v>
+                      </c:pt>
+                      <c:pt idx="3">
+                        <c:v>66.5</c:v>
+                      </c:pt>
+                      <c:pt idx="4">
+                        <c:v>5477.484375</c:v>
+                      </c:pt>
+                      <c:pt idx="5">
+                        <c:v>7280</c:v>
+                      </c:pt>
+                      <c:pt idx="6">
+                        <c:v>7235.7190082644629</c:v>
+                      </c:pt>
+                      <c:pt idx="7">
+                        <c:v>8935.0763888888887</c:v>
+                      </c:pt>
+                      <c:pt idx="8">
+                        <c:v>48.637755102040813</c:v>
+                      </c:pt>
+                      <c:pt idx="9">
+                        <c:v>72.45983379501385</c:v>
+                      </c:pt>
+                      <c:pt idx="10">
+                        <c:v>1372.908163265306</c:v>
+                      </c:pt>
+                      <c:pt idx="11">
+                        <c:v>461.3427734375</c:v>
+                      </c:pt>
+                      <c:pt idx="12">
+                        <c:v>1211.7121913580247</c:v>
+                      </c:pt>
+                      <c:pt idx="13">
+                        <c:v>1020.9940508382909</c:v>
+                      </c:pt>
+                      <c:pt idx="14">
+                        <c:v>724.40651878678136</c:v>
+                      </c:pt>
+                      <c:pt idx="15">
+                        <c:v>1883.5809304113802</c:v>
+                      </c:pt>
+                      <c:pt idx="16">
+                        <c:v>5617.6138525564802</c:v>
+                      </c:pt>
+                      <c:pt idx="17">
+                        <c:v>18159.30859375</c:v>
+                      </c:pt>
+                      <c:pt idx="18">
+                        <c:v>80881.634950640626</c:v>
+                      </c:pt>
+                      <c:pt idx="19">
+                        <c:v>86442.26204081632</c:v>
+                      </c:pt>
+                      <c:pt idx="20">
+                        <c:v>43828.636840999789</c:v>
+                      </c:pt>
+                      <c:pt idx="21">
+                        <c:v>103302.38551020408</c:v>
+                      </c:pt>
+                      <c:pt idx="22">
+                        <c:v>42615.656635802472</c:v>
+                      </c:pt>
+                      <c:pt idx="23">
+                        <c:v>7933.6975894813731</c:v>
+                      </c:pt>
+                      <c:pt idx="24">
+                        <c:v>7864.0688458729001</c:v>
+                      </c:pt>
+                      <c:pt idx="25">
+                        <c:v>438.23182222222221</c:v>
+                      </c:pt>
+                      <c:pt idx="26">
+                        <c:v>124.30506245890861</c:v>
+                      </c:pt>
+                      <c:pt idx="27">
+                        <c:v>73.50624589086128</c:v>
+                      </c:pt>
+                      <c:pt idx="28">
+                        <c:v>14.867357001972387</c:v>
+                      </c:pt>
+                      <c:pt idx="29">
+                        <c:v>69386.126455047139</c:v>
+                      </c:pt>
+                    </c:numCache>
+                  </c:numRef>
+                </c:val>
+                <c:extLst>
+                  <c:ext xmlns:c16="http://schemas.microsoft.com/office/drawing/2014/chart" uri="{C3380CC4-5D6E-409C-BE32-E72D297353CC}">
+                    <c16:uniqueId val="{0000000A-A8CB-48E7-9DE1-171FEC19434D}"/>
+                  </c:ext>
+                </c:extLst>
+              </c15:ser>
+            </c15:filteredBarSeries>
+            <c15:filteredBarSeries>
+              <c15:ser>
+                <c:idx val="10"/>
+                <c:order val="10"/>
+                <c:tx>
+                  <c:strRef>
+                    <c:extLst xmlns:c15="http://schemas.microsoft.com/office/drawing/2012/chart">
+                      <c:ext xmlns:c15="http://schemas.microsoft.com/office/drawing/2012/chart" uri="{02D57815-91ED-43cb-92C2-25804820EDAC}">
+                        <c15:formulaRef>
+                          <c15:sqref>graph!$L$3</c15:sqref>
+                        </c15:formulaRef>
+                      </c:ext>
+                    </c:extLst>
+                    <c:strCache>
+                      <c:ptCount val="1"/>
+                      <c:pt idx="0">
+                        <c:v>分散 / Screen Sharing Latency</c:v>
+                      </c:pt>
+                    </c:strCache>
+                  </c:strRef>
+                </c:tx>
+                <c:spPr>
+                  <a:solidFill>
+                    <a:schemeClr val="accent5">
+                      <a:lumMod val="60000"/>
+                    </a:schemeClr>
+                  </a:solidFill>
+                  <a:ln>
+                    <a:noFill/>
+                  </a:ln>
+                  <a:effectLst/>
+                </c:spPr>
+                <c:invertIfNegative val="0"/>
+                <c:cat>
+                  <c:strRef>
+                    <c:extLst xmlns:c15="http://schemas.microsoft.com/office/drawing/2012/chart">
+                      <c:ext xmlns:c15="http://schemas.microsoft.com/office/drawing/2012/chart" uri="{02D57815-91ED-43cb-92C2-25804820EDAC}">
+                        <c15:formulaRef>
+                          <c15:sqref>graph!$A$4:$A$33</c15:sqref>
+                        </c15:formulaRef>
+                      </c:ext>
+                    </c:extLst>
+                    <c:strCache>
+                      <c:ptCount val="30"/>
+                      <c:pt idx="0">
+                        <c:v> 14:10</c:v>
+                      </c:pt>
+                      <c:pt idx="1">
+                        <c:v> 14:11</c:v>
+                      </c:pt>
+                      <c:pt idx="2">
+                        <c:v> 14:12</c:v>
+                      </c:pt>
+                      <c:pt idx="3">
+                        <c:v> 14:13</c:v>
+                      </c:pt>
+                      <c:pt idx="4">
+                        <c:v> 14:14</c:v>
+                      </c:pt>
+                      <c:pt idx="5">
+                        <c:v> 14:15</c:v>
+                      </c:pt>
+                      <c:pt idx="6">
+                        <c:v> 14:16</c:v>
+                      </c:pt>
+                      <c:pt idx="7">
+                        <c:v> 14:17</c:v>
+                      </c:pt>
+                      <c:pt idx="8">
+                        <c:v> 14:18</c:v>
+                      </c:pt>
+                      <c:pt idx="9">
+                        <c:v> 14:19</c:v>
+                      </c:pt>
+                      <c:pt idx="10">
+                        <c:v> 14:20</c:v>
+                      </c:pt>
+                      <c:pt idx="11">
+                        <c:v> 14:21</c:v>
+                      </c:pt>
+                      <c:pt idx="12">
+                        <c:v> 14:22</c:v>
+                      </c:pt>
+                      <c:pt idx="13">
+                        <c:v> 14:23</c:v>
+                      </c:pt>
+                      <c:pt idx="14">
+                        <c:v> 14:24</c:v>
+                      </c:pt>
+                      <c:pt idx="15">
+                        <c:v> 14:25</c:v>
+                      </c:pt>
+                      <c:pt idx="16">
+                        <c:v> 14:26</c:v>
+                      </c:pt>
+                      <c:pt idx="17">
+                        <c:v> 14:27</c:v>
+                      </c:pt>
+                      <c:pt idx="18">
+                        <c:v> 14:28</c:v>
+                      </c:pt>
+                      <c:pt idx="19">
+                        <c:v> 14:29</c:v>
+                      </c:pt>
+                      <c:pt idx="20">
+                        <c:v> 14:30</c:v>
+                      </c:pt>
+                      <c:pt idx="21">
+                        <c:v> 14:31</c:v>
+                      </c:pt>
+                      <c:pt idx="22">
+                        <c:v> 14:32</c:v>
+                      </c:pt>
+                      <c:pt idx="23">
+                        <c:v> 14:33</c:v>
+                      </c:pt>
+                      <c:pt idx="24">
+                        <c:v> 14:34</c:v>
+                      </c:pt>
+                      <c:pt idx="25">
+                        <c:v> 14:35</c:v>
+                      </c:pt>
+                      <c:pt idx="26">
+                        <c:v> 14:36</c:v>
+                      </c:pt>
+                      <c:pt idx="27">
+                        <c:v> 14:37</c:v>
+                      </c:pt>
+                      <c:pt idx="28">
+                        <c:v> 14:38</c:v>
+                      </c:pt>
+                      <c:pt idx="29">
+                        <c:v>総計</c:v>
+                      </c:pt>
+                    </c:strCache>
+                  </c:strRef>
+                </c:cat>
+                <c:val>
+                  <c:numRef>
+                    <c:extLst xmlns:c15="http://schemas.microsoft.com/office/drawing/2012/chart">
+                      <c:ext xmlns:c15="http://schemas.microsoft.com/office/drawing/2012/chart" uri="{02D57815-91ED-43cb-92C2-25804820EDAC}">
+                        <c15:formulaRef>
+                          <c15:sqref>graph!$L$4:$L$33</c15:sqref>
+                        </c15:formulaRef>
+                      </c:ext>
+                    </c:extLst>
+                    <c:numCache>
+                      <c:formatCode>General</c:formatCode>
+                      <c:ptCount val="30"/>
+                      <c:pt idx="0">
+                        <c:v>0</c:v>
+                      </c:pt>
+                      <c:pt idx="1">
+                        <c:v>1</c:v>
+                      </c:pt>
+                      <c:pt idx="2">
+                        <c:v>4.666666666666667</c:v>
+                      </c:pt>
+                      <c:pt idx="3">
+                        <c:v>1.1875</c:v>
+                      </c:pt>
+                      <c:pt idx="4">
+                        <c:v>1485.859375</c:v>
+                      </c:pt>
+                      <c:pt idx="5">
+                        <c:v>1699.5061728395062</c:v>
+                      </c:pt>
+                      <c:pt idx="6">
+                        <c:v>6931.9008264462809</c:v>
+                      </c:pt>
+                      <c:pt idx="7">
+                        <c:v>8083.9097222222226</c:v>
+                      </c:pt>
+                      <c:pt idx="8">
+                        <c:v>4027.5510204081634</c:v>
+                      </c:pt>
+                      <c:pt idx="9">
+                        <c:v>4285.3240997229914</c:v>
+                      </c:pt>
+                      <c:pt idx="10">
+                        <c:v>8910.6466836734689</c:v>
+                      </c:pt>
+                      <c:pt idx="11">
+                        <c:v>5874.4375</c:v>
+                      </c:pt>
+                      <c:pt idx="12">
+                        <c:v>14694.524691358025</c:v>
+                      </c:pt>
+                      <c:pt idx="13">
+                        <c:v>9323.2157923201739</c:v>
+                      </c:pt>
+                      <c:pt idx="14">
+                        <c:v>4538.0941602535086</c:v>
+                      </c:pt>
+                      <c:pt idx="15">
+                        <c:v>7112.2775855440213</c:v>
+                      </c:pt>
+                      <c:pt idx="16">
+                        <c:v>2534.2832936979785</c:v>
+                      </c:pt>
+                      <c:pt idx="17">
+                        <c:v>4325.43359375</c:v>
+                      </c:pt>
+                      <c:pt idx="18">
+                        <c:v>8335.0649023314436</c:v>
+                      </c:pt>
+                      <c:pt idx="19">
+                        <c:v>5273.3706122448975</c:v>
+                      </c:pt>
+                      <c:pt idx="20">
+                        <c:v>4999.8920394875022</c:v>
+                      </c:pt>
+                      <c:pt idx="21">
+                        <c:v>2111.6663265306124</c:v>
+                      </c:pt>
+                      <c:pt idx="22">
+                        <c:v>1671.0538194444443</c:v>
+                      </c:pt>
+                      <c:pt idx="23">
+                        <c:v>1944.4099707815924</c:v>
+                      </c:pt>
+                      <c:pt idx="24">
+                        <c:v>910.16161431701971</c:v>
+                      </c:pt>
+                      <c:pt idx="25">
+                        <c:v>730.43982222222223</c:v>
+                      </c:pt>
+                      <c:pt idx="26">
+                        <c:v>823.79043392504934</c:v>
+                      </c:pt>
+                      <c:pt idx="27">
+                        <c:v>937.80407626561475</c:v>
+                      </c:pt>
+                      <c:pt idx="28">
+                        <c:v>475.16255752794217</c:v>
+                      </c:pt>
+                      <c:pt idx="29">
+                        <c:v>3915.5458797782821</c:v>
+                      </c:pt>
+                    </c:numCache>
+                  </c:numRef>
+                </c:val>
+                <c:extLst xmlns:c15="http://schemas.microsoft.com/office/drawing/2012/chart">
+                  <c:ext xmlns:c16="http://schemas.microsoft.com/office/drawing/2014/chart" uri="{C3380CC4-5D6E-409C-BE32-E72D297353CC}">
+                    <c16:uniqueId val="{0000000C-A8CB-48E7-9DE1-171FEC19434D}"/>
+                  </c:ext>
+                </c:extLst>
+              </c15:ser>
+            </c15:filteredBarSeries>
+            <c15:filteredBarSeries>
+              <c15:ser>
+                <c:idx val="12"/>
+                <c:order val="12"/>
+                <c:tx>
+                  <c:strRef>
+                    <c:extLst xmlns:c15="http://schemas.microsoft.com/office/drawing/2012/chart">
+                      <c:ext xmlns:c15="http://schemas.microsoft.com/office/drawing/2012/chart" uri="{02D57815-91ED-43cb-92C2-25804820EDAC}">
+                        <c15:formulaRef>
+                          <c15:sqref>graph!$N$3</c15:sqref>
+                        </c15:formulaRef>
+                      </c:ext>
+                    </c:extLst>
+                    <c:strCache>
+                      <c:ptCount val="1"/>
+                      <c:pt idx="0">
+                        <c:v>分散 / Screen Sharing Jitter</c:v>
+                      </c:pt>
+                    </c:strCache>
+                  </c:strRef>
+                </c:tx>
+                <c:spPr>
+                  <a:solidFill>
+                    <a:schemeClr val="accent1">
+                      <a:lumMod val="80000"/>
+                      <a:lumOff val="20000"/>
+                    </a:schemeClr>
+                  </a:solidFill>
+                  <a:ln>
+                    <a:noFill/>
+                  </a:ln>
+                  <a:effectLst/>
+                </c:spPr>
+                <c:invertIfNegative val="0"/>
+                <c:cat>
+                  <c:strRef>
+                    <c:extLst xmlns:c15="http://schemas.microsoft.com/office/drawing/2012/chart">
+                      <c:ext xmlns:c15="http://schemas.microsoft.com/office/drawing/2012/chart" uri="{02D57815-91ED-43cb-92C2-25804820EDAC}">
+                        <c15:formulaRef>
+                          <c15:sqref>graph!$A$4:$A$33</c15:sqref>
+                        </c15:formulaRef>
+                      </c:ext>
+                    </c:extLst>
+                    <c:strCache>
+                      <c:ptCount val="30"/>
+                      <c:pt idx="0">
+                        <c:v> 14:10</c:v>
+                      </c:pt>
+                      <c:pt idx="1">
+                        <c:v> 14:11</c:v>
+                      </c:pt>
+                      <c:pt idx="2">
+                        <c:v> 14:12</c:v>
+                      </c:pt>
+                      <c:pt idx="3">
+                        <c:v> 14:13</c:v>
+                      </c:pt>
+                      <c:pt idx="4">
+                        <c:v> 14:14</c:v>
+                      </c:pt>
+                      <c:pt idx="5">
+                        <c:v> 14:15</c:v>
+                      </c:pt>
+                      <c:pt idx="6">
+                        <c:v> 14:16</c:v>
+                      </c:pt>
+                      <c:pt idx="7">
+                        <c:v> 14:17</c:v>
+                      </c:pt>
+                      <c:pt idx="8">
+                        <c:v> 14:18</c:v>
+                      </c:pt>
+                      <c:pt idx="9">
+                        <c:v> 14:19</c:v>
+                      </c:pt>
+                      <c:pt idx="10">
+                        <c:v> 14:20</c:v>
+                      </c:pt>
+                      <c:pt idx="11">
+                        <c:v> 14:21</c:v>
+                      </c:pt>
+                      <c:pt idx="12">
+                        <c:v> 14:22</c:v>
+                      </c:pt>
+                      <c:pt idx="13">
+                        <c:v> 14:23</c:v>
+                      </c:pt>
+                      <c:pt idx="14">
+                        <c:v> 14:24</c:v>
+                      </c:pt>
+                      <c:pt idx="15">
+                        <c:v> 14:25</c:v>
+                      </c:pt>
+                      <c:pt idx="16">
+                        <c:v> 14:26</c:v>
+                      </c:pt>
+                      <c:pt idx="17">
+                        <c:v> 14:27</c:v>
+                      </c:pt>
+                      <c:pt idx="18">
+                        <c:v> 14:28</c:v>
+                      </c:pt>
+                      <c:pt idx="19">
+                        <c:v> 14:29</c:v>
+                      </c:pt>
+                      <c:pt idx="20">
+                        <c:v> 14:30</c:v>
+                      </c:pt>
+                      <c:pt idx="21">
+                        <c:v> 14:31</c:v>
+                      </c:pt>
+                      <c:pt idx="22">
+                        <c:v> 14:32</c:v>
+                      </c:pt>
+                      <c:pt idx="23">
+                        <c:v> 14:33</c:v>
+                      </c:pt>
+                      <c:pt idx="24">
+                        <c:v> 14:34</c:v>
+                      </c:pt>
+                      <c:pt idx="25">
+                        <c:v> 14:35</c:v>
+                      </c:pt>
+                      <c:pt idx="26">
+                        <c:v> 14:36</c:v>
+                      </c:pt>
+                      <c:pt idx="27">
+                        <c:v> 14:37</c:v>
+                      </c:pt>
+                      <c:pt idx="28">
+                        <c:v> 14:38</c:v>
+                      </c:pt>
+                      <c:pt idx="29">
+                        <c:v>総計</c:v>
+                      </c:pt>
+                    </c:strCache>
+                  </c:strRef>
+                </c:cat>
+                <c:val>
+                  <c:numRef>
+                    <c:extLst xmlns:c15="http://schemas.microsoft.com/office/drawing/2012/chart">
+                      <c:ext xmlns:c15="http://schemas.microsoft.com/office/drawing/2012/chart" uri="{02D57815-91ED-43cb-92C2-25804820EDAC}">
+                        <c15:formulaRef>
+                          <c15:sqref>graph!$N$4:$N$33</c15:sqref>
+                        </c15:formulaRef>
+                      </c:ext>
+                    </c:extLst>
+                    <c:numCache>
+                      <c:formatCode>General</c:formatCode>
+                      <c:ptCount val="30"/>
+                      <c:pt idx="0">
+                        <c:v>0</c:v>
+                      </c:pt>
+                      <c:pt idx="1">
+                        <c:v>0</c:v>
+                      </c:pt>
+                      <c:pt idx="2">
+                        <c:v>0</c:v>
+                      </c:pt>
+                      <c:pt idx="3">
+                        <c:v>1.6875</c:v>
+                      </c:pt>
+                      <c:pt idx="4">
+                        <c:v>149.734375</c:v>
+                      </c:pt>
+                      <c:pt idx="5">
+                        <c:v>892.46913580246917</c:v>
+                      </c:pt>
+                      <c:pt idx="6">
+                        <c:v>676.61157024793386</c:v>
+                      </c:pt>
+                      <c:pt idx="7">
+                        <c:v>10561.576388888889</c:v>
+                      </c:pt>
+                      <c:pt idx="8">
+                        <c:v>21086.168367346938</c:v>
+                      </c:pt>
+                      <c:pt idx="9">
+                        <c:v>16836.587257617728</c:v>
+                      </c:pt>
+                      <c:pt idx="10">
+                        <c:v>14636.811224489797</c:v>
+                      </c:pt>
+                      <c:pt idx="11">
+                        <c:v>8800.08984375</c:v>
+                      </c:pt>
+                      <c:pt idx="12">
+                        <c:v>21843.533950617282</c:v>
+                      </c:pt>
+                      <c:pt idx="13">
+                        <c:v>13442.134126554894</c:v>
+                      </c:pt>
+                      <c:pt idx="14">
+                        <c:v>11666.370303304662</c:v>
+                      </c:pt>
+                      <c:pt idx="15">
+                        <c:v>7554.9211841599381</c:v>
+                      </c:pt>
+                      <c:pt idx="16">
+                        <c:v>6083.0383472057074</c:v>
+                      </c:pt>
+                      <c:pt idx="17">
+                        <c:v>7077.234130859375</c:v>
+                      </c:pt>
+                      <c:pt idx="18">
+                        <c:v>8890.3961352657007</c:v>
+                      </c:pt>
+                      <c:pt idx="19">
+                        <c:v>4161.163469387755</c:v>
+                      </c:pt>
+                      <c:pt idx="20">
+                        <c:v>8251.8416299096825</c:v>
+                      </c:pt>
+                      <c:pt idx="21">
+                        <c:v>1690.9838775510204</c:v>
+                      </c:pt>
+                      <c:pt idx="22">
+                        <c:v>1482.2775848765432</c:v>
+                      </c:pt>
+                      <c:pt idx="23">
+                        <c:v>592.85189919649383</c:v>
+                      </c:pt>
+                      <c:pt idx="24">
+                        <c:v>358.14919649379107</c:v>
+                      </c:pt>
+                      <c:pt idx="25">
+                        <c:v>309.24195555555553</c:v>
+                      </c:pt>
+                      <c:pt idx="26">
+                        <c:v>636.30111768573306</c:v>
+                      </c:pt>
+                      <c:pt idx="27">
+                        <c:v>290.99342537804074</c:v>
+                      </c:pt>
+                      <c:pt idx="28">
+                        <c:v>191.25378040762655</c:v>
+                      </c:pt>
+                      <c:pt idx="29">
+                        <c:v>5268.7237060065336</c:v>
+                      </c:pt>
+                    </c:numCache>
+                  </c:numRef>
+                </c:val>
+                <c:extLst xmlns:c15="http://schemas.microsoft.com/office/drawing/2012/chart">
+                  <c:ext xmlns:c16="http://schemas.microsoft.com/office/drawing/2014/chart" uri="{C3380CC4-5D6E-409C-BE32-E72D297353CC}">
+                    <c16:uniqueId val="{0000000E-A8CB-48E7-9DE1-171FEC19434D}"/>
+                  </c:ext>
+                </c:extLst>
+              </c15:ser>
+            </c15:filteredBarSeries>
+            <c15:filteredBarSeries>
+              <c15:ser>
+                <c:idx val="15"/>
+                <c:order val="15"/>
+                <c:tx>
+                  <c:strRef>
+                    <c:extLst xmlns:c15="http://schemas.microsoft.com/office/drawing/2012/chart">
+                      <c:ext xmlns:c15="http://schemas.microsoft.com/office/drawing/2012/chart" uri="{02D57815-91ED-43cb-92C2-25804820EDAC}">
+                        <c15:formulaRef>
+                          <c15:sqref>graph!$Q$3</c15:sqref>
+                        </c15:formulaRef>
+                      </c:ext>
+                    </c:extLst>
+                    <c:strCache>
+                      <c:ptCount val="1"/>
+                      <c:pt idx="0">
+                        <c:v>分散 / Screen Sharing Frame Rate</c:v>
+                      </c:pt>
+                    </c:strCache>
+                  </c:strRef>
+                </c:tx>
+                <c:spPr>
+                  <a:solidFill>
+                    <a:schemeClr val="accent4">
+                      <a:lumMod val="80000"/>
+                      <a:lumOff val="20000"/>
+                    </a:schemeClr>
+                  </a:solidFill>
+                  <a:ln>
+                    <a:noFill/>
+                  </a:ln>
+                  <a:effectLst/>
+                </c:spPr>
+                <c:invertIfNegative val="0"/>
+                <c:cat>
+                  <c:strRef>
+                    <c:extLst xmlns:c15="http://schemas.microsoft.com/office/drawing/2012/chart">
+                      <c:ext xmlns:c15="http://schemas.microsoft.com/office/drawing/2012/chart" uri="{02D57815-91ED-43cb-92C2-25804820EDAC}">
+                        <c15:formulaRef>
+                          <c15:sqref>graph!$A$4:$A$33</c15:sqref>
+                        </c15:formulaRef>
+                      </c:ext>
+                    </c:extLst>
+                    <c:strCache>
+                      <c:ptCount val="30"/>
+                      <c:pt idx="0">
+                        <c:v> 14:10</c:v>
+                      </c:pt>
+                      <c:pt idx="1">
+                        <c:v> 14:11</c:v>
+                      </c:pt>
+                      <c:pt idx="2">
+                        <c:v> 14:12</c:v>
+                      </c:pt>
+                      <c:pt idx="3">
+                        <c:v> 14:13</c:v>
+                      </c:pt>
+                      <c:pt idx="4">
+                        <c:v> 14:14</c:v>
+                      </c:pt>
+                      <c:pt idx="5">
+                        <c:v> 14:15</c:v>
+                      </c:pt>
+                      <c:pt idx="6">
+                        <c:v> 14:16</c:v>
+                      </c:pt>
+                      <c:pt idx="7">
+                        <c:v> 14:17</c:v>
+                      </c:pt>
+                      <c:pt idx="8">
+                        <c:v> 14:18</c:v>
+                      </c:pt>
+                      <c:pt idx="9">
+                        <c:v> 14:19</c:v>
+                      </c:pt>
+                      <c:pt idx="10">
+                        <c:v> 14:20</c:v>
+                      </c:pt>
+                      <c:pt idx="11">
+                        <c:v> 14:21</c:v>
+                      </c:pt>
+                      <c:pt idx="12">
+                        <c:v> 14:22</c:v>
+                      </c:pt>
+                      <c:pt idx="13">
+                        <c:v> 14:23</c:v>
+                      </c:pt>
+                      <c:pt idx="14">
+                        <c:v> 14:24</c:v>
+                      </c:pt>
+                      <c:pt idx="15">
+                        <c:v> 14:25</c:v>
+                      </c:pt>
+                      <c:pt idx="16">
+                        <c:v> 14:26</c:v>
+                      </c:pt>
+                      <c:pt idx="17">
+                        <c:v> 14:27</c:v>
+                      </c:pt>
+                      <c:pt idx="18">
+                        <c:v> 14:28</c:v>
+                      </c:pt>
+                      <c:pt idx="19">
+                        <c:v> 14:29</c:v>
+                      </c:pt>
+                      <c:pt idx="20">
+                        <c:v> 14:30</c:v>
+                      </c:pt>
+                      <c:pt idx="21">
+                        <c:v> 14:31</c:v>
+                      </c:pt>
+                      <c:pt idx="22">
+                        <c:v> 14:32</c:v>
+                      </c:pt>
+                      <c:pt idx="23">
+                        <c:v> 14:33</c:v>
+                      </c:pt>
+                      <c:pt idx="24">
+                        <c:v> 14:34</c:v>
+                      </c:pt>
+                      <c:pt idx="25">
+                        <c:v> 14:35</c:v>
+                      </c:pt>
+                      <c:pt idx="26">
+                        <c:v> 14:36</c:v>
+                      </c:pt>
+                      <c:pt idx="27">
+                        <c:v> 14:37</c:v>
+                      </c:pt>
+                      <c:pt idx="28">
+                        <c:v> 14:38</c:v>
+                      </c:pt>
+                      <c:pt idx="29">
+                        <c:v>総計</c:v>
+                      </c:pt>
+                    </c:strCache>
+                  </c:strRef>
+                </c:cat>
+                <c:val>
+                  <c:numRef>
+                    <c:extLst xmlns:c15="http://schemas.microsoft.com/office/drawing/2012/chart">
+                      <c:ext xmlns:c15="http://schemas.microsoft.com/office/drawing/2012/chart" uri="{02D57815-91ED-43cb-92C2-25804820EDAC}">
+                        <c15:formulaRef>
+                          <c15:sqref>graph!$Q$4:$Q$33</c15:sqref>
+                        </c15:formulaRef>
+                      </c:ext>
+                    </c:extLst>
+                    <c:numCache>
+                      <c:formatCode>General</c:formatCode>
+                      <c:ptCount val="30"/>
+                      <c:pt idx="0">
+                        <c:v>0</c:v>
+                      </c:pt>
+                      <c:pt idx="1">
+                        <c:v>0</c:v>
+                      </c:pt>
+                      <c:pt idx="2">
+                        <c:v>0.22222222222222221</c:v>
+                      </c:pt>
+                      <c:pt idx="3">
+                        <c:v>0</c:v>
+                      </c:pt>
+                      <c:pt idx="4">
+                        <c:v>37.75</c:v>
+                      </c:pt>
+                      <c:pt idx="5">
+                        <c:v>60.76543209876543</c:v>
+                      </c:pt>
+                      <c:pt idx="6">
+                        <c:v>17.520661157024794</c:v>
+                      </c:pt>
+                      <c:pt idx="7">
+                        <c:v>9.8347107438016526</c:v>
+                      </c:pt>
+                      <c:pt idx="8">
+                        <c:v>6.6326530612244902E-2</c:v>
+                      </c:pt>
+                      <c:pt idx="9">
+                        <c:v>7.7283950617283947</c:v>
+                      </c:pt>
+                      <c:pt idx="10">
+                        <c:v>1.2385204081632653</c:v>
+                      </c:pt>
+                      <c:pt idx="11">
+                        <c:v>0.375</c:v>
+                      </c:pt>
+                      <c:pt idx="12">
+                        <c:v>0.78633217993079585</c:v>
+                      </c:pt>
+                      <c:pt idx="13">
+                        <c:v>8.0440214158239147</c:v>
+                      </c:pt>
+                      <c:pt idx="14">
+                        <c:v>1.3432098765432099</c:v>
+                      </c:pt>
+                      <c:pt idx="15">
+                        <c:v>0.53159999999999996</c:v>
+                      </c:pt>
+                      <c:pt idx="16">
+                        <c:v>3.6755924899969221</c:v>
+                      </c:pt>
+                      <c:pt idx="17">
+                        <c:v>3.5146484375</c:v>
+                      </c:pt>
+                      <c:pt idx="18">
+                        <c:v>11.09234429065744</c:v>
+                      </c:pt>
+                      <c:pt idx="19">
+                        <c:v>3.2871245536651963</c:v>
+                      </c:pt>
+                      <c:pt idx="20">
+                        <c:v>6.7906574394463668</c:v>
+                      </c:pt>
+                      <c:pt idx="21">
+                        <c:v>4.742214532871972</c:v>
+                      </c:pt>
+                      <c:pt idx="22">
+                        <c:v>10.124975203332673</c:v>
+                      </c:pt>
+                      <c:pt idx="23">
+                        <c:v>3.8695987654320989</c:v>
+                      </c:pt>
+                      <c:pt idx="24">
+                        <c:v>6.1959459459459456</c:v>
+                      </c:pt>
+                      <c:pt idx="25">
+                        <c:v>1.4880840683054981</c:v>
+                      </c:pt>
+                      <c:pt idx="26">
+                        <c:v>4.6383957922419459</c:v>
+                      </c:pt>
+                      <c:pt idx="27">
+                        <c:v>1.307199211045365</c:v>
+                      </c:pt>
+                      <c:pt idx="28">
+                        <c:v>1.034845496383958</c:v>
+                      </c:pt>
+                      <c:pt idx="29">
+                        <c:v>5.349018955108277</c:v>
+                      </c:pt>
+                    </c:numCache>
+                  </c:numRef>
+                </c:val>
+                <c:extLst xmlns:c15="http://schemas.microsoft.com/office/drawing/2012/chart">
+                  <c:ext xmlns:c16="http://schemas.microsoft.com/office/drawing/2014/chart" uri="{C3380CC4-5D6E-409C-BE32-E72D297353CC}">
+                    <c16:uniqueId val="{00000011-A8CB-48E7-9DE1-171FEC19434D}"/>
+                  </c:ext>
+                </c:extLst>
+              </c15:ser>
+            </c15:filteredBarSeries>
+          </c:ext>
+        </c:extLst>
+      </c:barChart>
+      <c:lineChart>
+        <c:grouping val="standard"/>
+        <c:varyColors val="0"/>
+        <c:ser>
+          <c:idx val="0"/>
+          <c:order val="0"/>
+          <c:tx>
+            <c:strRef>
+              <c:f>graph!$B$3</c:f>
+              <c:strCache>
+                <c:ptCount val="1"/>
+                <c:pt idx="0">
+                  <c:v>平均 / Audio Bitrate (kbps)</c:v>
+                </c:pt>
+              </c:strCache>
+            </c:strRef>
+          </c:tx>
+          <c:spPr>
+            <a:ln w="28575" cap="rnd">
+              <a:solidFill>
+                <a:schemeClr val="accent1"/>
+              </a:solidFill>
+              <a:round/>
+            </a:ln>
+            <a:effectLst/>
+          </c:spPr>
+          <c:marker>
+            <c:symbol val="none"/>
+          </c:marker>
+          <c:cat>
+            <c:strRef>
+              <c:f>graph!$A$4:$A$33</c:f>
+              <c:strCache>
+                <c:ptCount val="30"/>
+                <c:pt idx="0">
+                  <c:v> 14:10</c:v>
+                </c:pt>
+                <c:pt idx="1">
+                  <c:v> 14:11</c:v>
+                </c:pt>
+                <c:pt idx="2">
+                  <c:v> 14:12</c:v>
+                </c:pt>
+                <c:pt idx="3">
+                  <c:v> 14:13</c:v>
+                </c:pt>
+                <c:pt idx="4">
+                  <c:v> 14:14</c:v>
+                </c:pt>
+                <c:pt idx="5">
+                  <c:v> 14:15</c:v>
+                </c:pt>
+                <c:pt idx="6">
+                  <c:v> 14:16</c:v>
+                </c:pt>
+                <c:pt idx="7">
+                  <c:v> 14:17</c:v>
+                </c:pt>
+                <c:pt idx="8">
+                  <c:v> 14:18</c:v>
+                </c:pt>
+                <c:pt idx="9">
+                  <c:v> 14:19</c:v>
+                </c:pt>
+                <c:pt idx="10">
+                  <c:v> 14:20</c:v>
+                </c:pt>
+                <c:pt idx="11">
+                  <c:v> 14:21</c:v>
+                </c:pt>
+                <c:pt idx="12">
+                  <c:v> 14:22</c:v>
+                </c:pt>
+                <c:pt idx="13">
+                  <c:v> 14:23</c:v>
+                </c:pt>
+                <c:pt idx="14">
+                  <c:v> 14:24</c:v>
+                </c:pt>
+                <c:pt idx="15">
+                  <c:v> 14:25</c:v>
+                </c:pt>
+                <c:pt idx="16">
+                  <c:v> 14:26</c:v>
+                </c:pt>
+                <c:pt idx="17">
+                  <c:v> 14:27</c:v>
+                </c:pt>
+                <c:pt idx="18">
+                  <c:v> 14:28</c:v>
+                </c:pt>
+                <c:pt idx="19">
+                  <c:v> 14:29</c:v>
+                </c:pt>
+                <c:pt idx="20">
+                  <c:v> 14:30</c:v>
+                </c:pt>
+                <c:pt idx="21">
+                  <c:v> 14:31</c:v>
+                </c:pt>
+                <c:pt idx="22">
+                  <c:v> 14:32</c:v>
+                </c:pt>
+                <c:pt idx="23">
+                  <c:v> 14:33</c:v>
+                </c:pt>
+                <c:pt idx="24">
+                  <c:v> 14:34</c:v>
+                </c:pt>
+                <c:pt idx="25">
+                  <c:v> 14:35</c:v>
+                </c:pt>
+                <c:pt idx="26">
+                  <c:v> 14:36</c:v>
+                </c:pt>
+                <c:pt idx="27">
+                  <c:v> 14:37</c:v>
+                </c:pt>
+                <c:pt idx="28">
+                  <c:v> 14:38</c:v>
+                </c:pt>
+                <c:pt idx="29">
+                  <c:v>総計</c:v>
+                </c:pt>
+              </c:strCache>
+            </c:strRef>
+          </c:cat>
+          <c:val>
+            <c:numRef>
+              <c:f>graph!$B$4:$B$33</c:f>
+              <c:numCache>
+                <c:formatCode>General</c:formatCode>
+                <c:ptCount val="30"/>
+                <c:pt idx="0">
+                  <c:v>157</c:v>
+                </c:pt>
+                <c:pt idx="1">
+                  <c:v>164</c:v>
+                </c:pt>
+                <c:pt idx="2">
+                  <c:v>165</c:v>
+                </c:pt>
+                <c:pt idx="3">
+                  <c:v>163.25</c:v>
+                </c:pt>
+                <c:pt idx="4">
+                  <c:v>167.25</c:v>
+                </c:pt>
+                <c:pt idx="5">
+                  <c:v>171.55555555555554</c:v>
+                </c:pt>
+                <c:pt idx="6">
+                  <c:v>169.72727272727272</c:v>
+                </c:pt>
+                <c:pt idx="7">
+                  <c:v>172.58333333333334</c:v>
+                </c:pt>
+                <c:pt idx="8">
+                  <c:v>167.78571428571428</c:v>
+                </c:pt>
+                <c:pt idx="9">
+                  <c:v>161.73684210526315</c:v>
+                </c:pt>
+                <c:pt idx="10">
+                  <c:v>160.85714285714286</c:v>
+                </c:pt>
+                <c:pt idx="11">
+                  <c:v>167.06451612903226</c:v>
+                </c:pt>
+                <c:pt idx="12">
+                  <c:v>167.27027027027026</c:v>
+                </c:pt>
+                <c:pt idx="13">
+                  <c:v>168.43181818181819</c:v>
+                </c:pt>
+                <c:pt idx="14">
+                  <c:v>169.0204081632653</c:v>
+                </c:pt>
+                <c:pt idx="15">
+                  <c:v>169.66666666666666</c:v>
+                </c:pt>
+                <c:pt idx="16">
+                  <c:v>164.27868852459017</c:v>
+                </c:pt>
+                <c:pt idx="17">
+                  <c:v>162.60606060606059</c:v>
+                </c:pt>
+                <c:pt idx="18">
+                  <c:v>168.79452054794521</c:v>
+                </c:pt>
+                <c:pt idx="19">
+                  <c:v>162.79452054794521</c:v>
+                </c:pt>
+                <c:pt idx="20">
+                  <c:v>169.54794520547946</c:v>
+                </c:pt>
+                <c:pt idx="21">
+                  <c:v>168.9041095890411</c:v>
+                </c:pt>
+                <c:pt idx="22">
+                  <c:v>165.88</c:v>
+                </c:pt>
+                <c:pt idx="23">
+                  <c:v>169.19480519480518</c:v>
+                </c:pt>
+                <c:pt idx="24">
+                  <c:v>167.67948717948718</c:v>
+                </c:pt>
+                <c:pt idx="25">
+                  <c:v>165.26923076923077</c:v>
+                </c:pt>
+                <c:pt idx="26">
+                  <c:v>168.91139240506328</c:v>
+                </c:pt>
+                <c:pt idx="27">
+                  <c:v>167.97468354430379</c:v>
+                </c:pt>
+                <c:pt idx="28">
+                  <c:v>167.75949367088609</c:v>
+                </c:pt>
+                <c:pt idx="29">
+                  <c:v>167.11162790697674</c:v>
+                </c:pt>
+              </c:numCache>
+            </c:numRef>
+          </c:val>
+          <c:smooth val="0"/>
+          <c:extLst>
+            <c:ext xmlns:c16="http://schemas.microsoft.com/office/drawing/2014/chart" uri="{C3380CC4-5D6E-409C-BE32-E72D297353CC}">
+              <c16:uniqueId val="{00000004-A8CB-48E7-9DE1-171FEC19434D}"/>
+            </c:ext>
+          </c:extLst>
+        </c:ser>
+        <c:ser>
+          <c:idx val="2"/>
+          <c:order val="2"/>
+          <c:tx>
+            <c:strRef>
+              <c:f>graph!$D$3</c:f>
+              <c:strCache>
+                <c:ptCount val="1"/>
+                <c:pt idx="0">
+                  <c:v>平均 / Audio  Latency (ms)</c:v>
+                </c:pt>
+              </c:strCache>
+            </c:strRef>
+          </c:tx>
+          <c:spPr>
+            <a:ln w="28575" cap="rnd">
+              <a:solidFill>
+                <a:schemeClr val="accent3"/>
+              </a:solidFill>
+              <a:round/>
+            </a:ln>
+            <a:effectLst/>
+          </c:spPr>
+          <c:marker>
+            <c:symbol val="none"/>
+          </c:marker>
+          <c:cat>
+            <c:strRef>
+              <c:f>graph!$A$4:$A$33</c:f>
+              <c:strCache>
+                <c:ptCount val="30"/>
+                <c:pt idx="0">
+                  <c:v> 14:10</c:v>
+                </c:pt>
+                <c:pt idx="1">
+                  <c:v> 14:11</c:v>
+                </c:pt>
+                <c:pt idx="2">
+                  <c:v> 14:12</c:v>
+                </c:pt>
+                <c:pt idx="3">
+                  <c:v> 14:13</c:v>
+                </c:pt>
+                <c:pt idx="4">
+                  <c:v> 14:14</c:v>
+                </c:pt>
+                <c:pt idx="5">
+                  <c:v> 14:15</c:v>
+                </c:pt>
+                <c:pt idx="6">
+                  <c:v> 14:16</c:v>
+                </c:pt>
+                <c:pt idx="7">
+                  <c:v> 14:17</c:v>
+                </c:pt>
+                <c:pt idx="8">
+                  <c:v> 14:18</c:v>
+                </c:pt>
+                <c:pt idx="9">
+                  <c:v> 14:19</c:v>
+                </c:pt>
+                <c:pt idx="10">
+                  <c:v> 14:20</c:v>
+                </c:pt>
+                <c:pt idx="11">
+                  <c:v> 14:21</c:v>
+                </c:pt>
+                <c:pt idx="12">
+                  <c:v> 14:22</c:v>
+                </c:pt>
+                <c:pt idx="13">
+                  <c:v> 14:23</c:v>
+                </c:pt>
+                <c:pt idx="14">
+                  <c:v> 14:24</c:v>
+                </c:pt>
+                <c:pt idx="15">
+                  <c:v> 14:25</c:v>
+                </c:pt>
+                <c:pt idx="16">
+                  <c:v> 14:26</c:v>
+                </c:pt>
+                <c:pt idx="17">
+                  <c:v> 14:27</c:v>
+                </c:pt>
+                <c:pt idx="18">
+                  <c:v> 14:28</c:v>
+                </c:pt>
+                <c:pt idx="19">
+                  <c:v> 14:29</c:v>
+                </c:pt>
+                <c:pt idx="20">
+                  <c:v> 14:30</c:v>
+                </c:pt>
+                <c:pt idx="21">
+                  <c:v> 14:31</c:v>
+                </c:pt>
+                <c:pt idx="22">
+                  <c:v> 14:32</c:v>
+                </c:pt>
+                <c:pt idx="23">
+                  <c:v> 14:33</c:v>
+                </c:pt>
+                <c:pt idx="24">
+                  <c:v> 14:34</c:v>
+                </c:pt>
+                <c:pt idx="25">
+                  <c:v> 14:35</c:v>
+                </c:pt>
+                <c:pt idx="26">
+                  <c:v> 14:36</c:v>
+                </c:pt>
+                <c:pt idx="27">
+                  <c:v> 14:37</c:v>
+                </c:pt>
+                <c:pt idx="28">
+                  <c:v> 14:38</c:v>
+                </c:pt>
+                <c:pt idx="29">
+                  <c:v>総計</c:v>
+                </c:pt>
+              </c:strCache>
+            </c:strRef>
+          </c:cat>
+          <c:val>
+            <c:numRef>
+              <c:f>graph!$D$4:$D$33</c:f>
+              <c:numCache>
+                <c:formatCode>General</c:formatCode>
+                <c:ptCount val="30"/>
+                <c:pt idx="0">
+                  <c:v>9</c:v>
+                </c:pt>
+                <c:pt idx="1">
+                  <c:v>8.5</c:v>
+                </c:pt>
+                <c:pt idx="2">
+                  <c:v>11.333333333333334</c:v>
+                </c:pt>
+                <c:pt idx="3">
+                  <c:v>13</c:v>
+                </c:pt>
+                <c:pt idx="4">
+                  <c:v>34.5</c:v>
+                </c:pt>
+                <c:pt idx="5">
+                  <c:v>99.777777777777771</c:v>
+                </c:pt>
+                <c:pt idx="6">
+                  <c:v>85.272727272727266</c:v>
+                </c:pt>
+                <c:pt idx="7">
+                  <c:v>98.166666666666671</c:v>
+                </c:pt>
+                <c:pt idx="8">
+                  <c:v>127.92857142857143</c:v>
+                </c:pt>
+                <c:pt idx="9">
+                  <c:v>106.68421052631579</c:v>
+                </c:pt>
+                <c:pt idx="10">
+                  <c:v>76.75</c:v>
+                </c:pt>
+                <c:pt idx="11">
+                  <c:v>88.096774193548384</c:v>
+                </c:pt>
+                <c:pt idx="12">
+                  <c:v>88.432432432432435</c:v>
+                </c:pt>
+                <c:pt idx="13">
+                  <c:v>78.681818181818187</c:v>
+                </c:pt>
+                <c:pt idx="14">
+                  <c:v>76.367346938775512</c:v>
+                </c:pt>
+                <c:pt idx="15">
+                  <c:v>76.796296296296291</c:v>
+                </c:pt>
+                <c:pt idx="16">
+                  <c:v>76.114754098360649</c:v>
+                </c:pt>
+                <c:pt idx="17">
+                  <c:v>79.590909090909093</c:v>
+                </c:pt>
+                <c:pt idx="18">
+                  <c:v>93.273972602739732</c:v>
+                </c:pt>
+                <c:pt idx="19">
+                  <c:v>89.986301369863014</c:v>
+                </c:pt>
+                <c:pt idx="20">
+                  <c:v>87.794520547945211</c:v>
+                </c:pt>
+                <c:pt idx="21">
+                  <c:v>79.219178082191775</c:v>
+                </c:pt>
+                <c:pt idx="22">
+                  <c:v>78.506666666666661</c:v>
+                </c:pt>
+                <c:pt idx="23">
+                  <c:v>71.36363636363636</c:v>
+                </c:pt>
+                <c:pt idx="24">
+                  <c:v>74.602564102564102</c:v>
+                </c:pt>
+                <c:pt idx="25">
+                  <c:v>69.294871794871796</c:v>
+                </c:pt>
+                <c:pt idx="26">
+                  <c:v>69.506329113924053</c:v>
+                </c:pt>
+                <c:pt idx="27">
+                  <c:v>69.037974683544306</c:v>
+                </c:pt>
+                <c:pt idx="28">
+                  <c:v>66.974683544303801</c:v>
+                </c:pt>
+                <c:pt idx="29">
+                  <c:v>78.319379844961247</c:v>
+                </c:pt>
+              </c:numCache>
+            </c:numRef>
+          </c:val>
+          <c:smooth val="0"/>
+          <c:extLst>
+            <c:ext xmlns:c16="http://schemas.microsoft.com/office/drawing/2014/chart" uri="{C3380CC4-5D6E-409C-BE32-E72D297353CC}">
+              <c16:uniqueId val="{00000005-A8CB-48E7-9DE1-171FEC19434D}"/>
+            </c:ext>
+          </c:extLst>
+        </c:ser>
+        <c:ser>
+          <c:idx val="4"/>
+          <c:order val="4"/>
+          <c:tx>
+            <c:strRef>
+              <c:f>graph!$F$3</c:f>
+              <c:strCache>
+                <c:ptCount val="1"/>
+                <c:pt idx="0">
+                  <c:v>平均 / Audio Jitter (ms)</c:v>
+                </c:pt>
+              </c:strCache>
+            </c:strRef>
+          </c:tx>
+          <c:spPr>
+            <a:ln w="28575" cap="rnd">
+              <a:solidFill>
+                <a:schemeClr val="accent5"/>
+              </a:solidFill>
+              <a:round/>
+            </a:ln>
+            <a:effectLst/>
+          </c:spPr>
+          <c:marker>
+            <c:symbol val="none"/>
+          </c:marker>
+          <c:cat>
+            <c:strRef>
+              <c:f>graph!$A$4:$A$33</c:f>
+              <c:strCache>
+                <c:ptCount val="30"/>
+                <c:pt idx="0">
+                  <c:v> 14:10</c:v>
+                </c:pt>
+                <c:pt idx="1">
+                  <c:v> 14:11</c:v>
+                </c:pt>
+                <c:pt idx="2">
+                  <c:v> 14:12</c:v>
+                </c:pt>
+                <c:pt idx="3">
+                  <c:v> 14:13</c:v>
+                </c:pt>
+                <c:pt idx="4">
+                  <c:v> 14:14</c:v>
+                </c:pt>
+                <c:pt idx="5">
+                  <c:v> 14:15</c:v>
+                </c:pt>
+                <c:pt idx="6">
+                  <c:v> 14:16</c:v>
+                </c:pt>
+                <c:pt idx="7">
+                  <c:v> 14:17</c:v>
+                </c:pt>
+                <c:pt idx="8">
+                  <c:v> 14:18</c:v>
+                </c:pt>
+                <c:pt idx="9">
+                  <c:v> 14:19</c:v>
+                </c:pt>
+                <c:pt idx="10">
+                  <c:v> 14:20</c:v>
+                </c:pt>
+                <c:pt idx="11">
+                  <c:v> 14:21</c:v>
+                </c:pt>
+                <c:pt idx="12">
+                  <c:v> 14:22</c:v>
+                </c:pt>
+                <c:pt idx="13">
+                  <c:v> 14:23</c:v>
+                </c:pt>
+                <c:pt idx="14">
+                  <c:v> 14:24</c:v>
+                </c:pt>
+                <c:pt idx="15">
+                  <c:v> 14:25</c:v>
+                </c:pt>
+                <c:pt idx="16">
+                  <c:v> 14:26</c:v>
+                </c:pt>
+                <c:pt idx="17">
+                  <c:v> 14:27</c:v>
+                </c:pt>
+                <c:pt idx="18">
+                  <c:v> 14:28</c:v>
+                </c:pt>
+                <c:pt idx="19">
+                  <c:v> 14:29</c:v>
+                </c:pt>
+                <c:pt idx="20">
+                  <c:v> 14:30</c:v>
+                </c:pt>
+                <c:pt idx="21">
+                  <c:v> 14:31</c:v>
+                </c:pt>
+                <c:pt idx="22">
+                  <c:v> 14:32</c:v>
+                </c:pt>
+                <c:pt idx="23">
+                  <c:v> 14:33</c:v>
+                </c:pt>
+                <c:pt idx="24">
+                  <c:v> 14:34</c:v>
+                </c:pt>
+                <c:pt idx="25">
+                  <c:v> 14:35</c:v>
+                </c:pt>
+                <c:pt idx="26">
+                  <c:v> 14:36</c:v>
+                </c:pt>
+                <c:pt idx="27">
+                  <c:v> 14:37</c:v>
+                </c:pt>
+                <c:pt idx="28">
+                  <c:v> 14:38</c:v>
+                </c:pt>
+                <c:pt idx="29">
+                  <c:v>総計</c:v>
+                </c:pt>
+              </c:strCache>
+            </c:strRef>
+          </c:cat>
+          <c:val>
+            <c:numRef>
+              <c:f>graph!$F$4:$F$33</c:f>
+              <c:numCache>
+                <c:formatCode>General</c:formatCode>
+                <c:ptCount val="30"/>
+                <c:pt idx="0">
+                  <c:v>8</c:v>
+                </c:pt>
+                <c:pt idx="1">
+                  <c:v>7</c:v>
+                </c:pt>
+                <c:pt idx="2">
+                  <c:v>8.3333333333333339</c:v>
+                </c:pt>
+                <c:pt idx="3">
+                  <c:v>8.75</c:v>
+                </c:pt>
+                <c:pt idx="4">
+                  <c:v>14.25</c:v>
+                </c:pt>
+                <c:pt idx="5">
+                  <c:v>26.444444444444443</c:v>
+                </c:pt>
+                <c:pt idx="6">
+                  <c:v>26.272727272727273</c:v>
+                </c:pt>
+                <c:pt idx="7">
+                  <c:v>55</c:v>
+                </c:pt>
+                <c:pt idx="8">
+                  <c:v>67.142857142857139</c:v>
+                </c:pt>
+                <c:pt idx="9">
+                  <c:v>55.10526315789474</c:v>
+                </c:pt>
+                <c:pt idx="10">
+                  <c:v>46.428571428571431</c:v>
+                </c:pt>
+                <c:pt idx="11">
+                  <c:v>41.258064516129032</c:v>
+                </c:pt>
+                <c:pt idx="12">
+                  <c:v>50.594594594594597</c:v>
+                </c:pt>
+                <c:pt idx="13">
+                  <c:v>50.363636363636367</c:v>
+                </c:pt>
+                <c:pt idx="14">
+                  <c:v>41.612244897959187</c:v>
+                </c:pt>
+                <c:pt idx="15">
+                  <c:v>39.74074074074074</c:v>
+                </c:pt>
+                <c:pt idx="16">
+                  <c:v>42.377049180327866</c:v>
+                </c:pt>
+                <c:pt idx="17">
+                  <c:v>47.848484848484851</c:v>
+                </c:pt>
+                <c:pt idx="18">
+                  <c:v>59.027397260273972</c:v>
+                </c:pt>
+                <c:pt idx="19">
+                  <c:v>52.424657534246577</c:v>
+                </c:pt>
+                <c:pt idx="20">
+                  <c:v>50.438356164383563</c:v>
+                </c:pt>
+                <c:pt idx="21">
+                  <c:v>36.589041095890408</c:v>
+                </c:pt>
+                <c:pt idx="22">
+                  <c:v>34.6</c:v>
+                </c:pt>
+                <c:pt idx="23">
+                  <c:v>33.597402597402599</c:v>
+                </c:pt>
+                <c:pt idx="24">
+                  <c:v>35.435897435897438</c:v>
+                </c:pt>
+                <c:pt idx="25">
+                  <c:v>27.987179487179485</c:v>
+                </c:pt>
+                <c:pt idx="26">
+                  <c:v>28.531645569620252</c:v>
+                </c:pt>
+                <c:pt idx="27">
+                  <c:v>27.417721518987342</c:v>
+                </c:pt>
+                <c:pt idx="28">
+                  <c:v>26.759493670886076</c:v>
+                </c:pt>
+                <c:pt idx="29">
+                  <c:v>39.625581395348838</c:v>
+                </c:pt>
+              </c:numCache>
+            </c:numRef>
+          </c:val>
+          <c:smooth val="0"/>
+          <c:extLst>
+            <c:ext xmlns:c16="http://schemas.microsoft.com/office/drawing/2014/chart" uri="{C3380CC4-5D6E-409C-BE32-E72D297353CC}">
+              <c16:uniqueId val="{00000006-A8CB-48E7-9DE1-171FEC19434D}"/>
+            </c:ext>
+          </c:extLst>
+        </c:ser>
+        <c:ser>
+          <c:idx val="16"/>
+          <c:order val="16"/>
+          <c:tx>
+            <c:strRef>
+              <c:f>graph!$R$3</c:f>
+              <c:strCache>
+                <c:ptCount val="1"/>
+                <c:pt idx="0">
+                  <c:v>平均 / Zoom Avg Cpu Usage (%)</c:v>
+                </c:pt>
+              </c:strCache>
+            </c:strRef>
+          </c:tx>
+          <c:spPr>
+            <a:ln w="28575" cap="rnd">
+              <a:solidFill>
+                <a:schemeClr val="accent5">
+                  <a:lumMod val="80000"/>
+                  <a:lumOff val="20000"/>
+                </a:schemeClr>
+              </a:solidFill>
+              <a:round/>
+            </a:ln>
+            <a:effectLst/>
+          </c:spPr>
+          <c:marker>
+            <c:symbol val="none"/>
+          </c:marker>
+          <c:cat>
+            <c:strRef>
+              <c:f>graph!$A$4:$A$33</c:f>
+              <c:strCache>
+                <c:ptCount val="30"/>
+                <c:pt idx="0">
+                  <c:v> 14:10</c:v>
+                </c:pt>
+                <c:pt idx="1">
+                  <c:v> 14:11</c:v>
+                </c:pt>
+                <c:pt idx="2">
+                  <c:v> 14:12</c:v>
+                </c:pt>
+                <c:pt idx="3">
+                  <c:v> 14:13</c:v>
+                </c:pt>
+                <c:pt idx="4">
+                  <c:v> 14:14</c:v>
+                </c:pt>
+                <c:pt idx="5">
+                  <c:v> 14:15</c:v>
+                </c:pt>
+                <c:pt idx="6">
+                  <c:v> 14:16</c:v>
+                </c:pt>
+                <c:pt idx="7">
+                  <c:v> 14:17</c:v>
+                </c:pt>
+                <c:pt idx="8">
+                  <c:v> 14:18</c:v>
+                </c:pt>
+                <c:pt idx="9">
+                  <c:v> 14:19</c:v>
+                </c:pt>
+                <c:pt idx="10">
+                  <c:v> 14:20</c:v>
+                </c:pt>
+                <c:pt idx="11">
+                  <c:v> 14:21</c:v>
+                </c:pt>
+                <c:pt idx="12">
+                  <c:v> 14:22</c:v>
+                </c:pt>
+                <c:pt idx="13">
+                  <c:v> 14:23</c:v>
+                </c:pt>
+                <c:pt idx="14">
+                  <c:v> 14:24</c:v>
+                </c:pt>
+                <c:pt idx="15">
+                  <c:v> 14:25</c:v>
+                </c:pt>
+                <c:pt idx="16">
+                  <c:v> 14:26</c:v>
+                </c:pt>
+                <c:pt idx="17">
+                  <c:v> 14:27</c:v>
+                </c:pt>
+                <c:pt idx="18">
+                  <c:v> 14:28</c:v>
+                </c:pt>
+                <c:pt idx="19">
+                  <c:v> 14:29</c:v>
+                </c:pt>
+                <c:pt idx="20">
+                  <c:v> 14:30</c:v>
+                </c:pt>
+                <c:pt idx="21">
+                  <c:v> 14:31</c:v>
+                </c:pt>
+                <c:pt idx="22">
+                  <c:v> 14:32</c:v>
+                </c:pt>
+                <c:pt idx="23">
+                  <c:v> 14:33</c:v>
+                </c:pt>
+                <c:pt idx="24">
+                  <c:v> 14:34</c:v>
+                </c:pt>
+                <c:pt idx="25">
+                  <c:v> 14:35</c:v>
+                </c:pt>
+                <c:pt idx="26">
+                  <c:v> 14:36</c:v>
+                </c:pt>
+                <c:pt idx="27">
+                  <c:v> 14:37</c:v>
+                </c:pt>
+                <c:pt idx="28">
+                  <c:v> 14:38</c:v>
+                </c:pt>
+                <c:pt idx="29">
+                  <c:v>総計</c:v>
+                </c:pt>
+              </c:strCache>
+            </c:strRef>
+          </c:cat>
+          <c:val>
+            <c:numRef>
+              <c:f>graph!$R$4:$R$33</c:f>
+              <c:numCache>
+                <c:formatCode>General</c:formatCode>
+                <c:ptCount val="30"/>
+                <c:pt idx="0">
+                  <c:v>29</c:v>
+                </c:pt>
+                <c:pt idx="1">
+                  <c:v>27.5</c:v>
+                </c:pt>
+                <c:pt idx="2">
+                  <c:v>42</c:v>
+                </c:pt>
+                <c:pt idx="3">
+                  <c:v>35.333333333333336</c:v>
+                </c:pt>
+                <c:pt idx="4">
+                  <c:v>45.666666666666664</c:v>
+                </c:pt>
+                <c:pt idx="5">
+                  <c:v>42.571428571428569</c:v>
+                </c:pt>
+                <c:pt idx="6">
+                  <c:v>45.125</c:v>
+                </c:pt>
+                <c:pt idx="7">
+                  <c:v>48.375</c:v>
+                </c:pt>
+                <c:pt idx="8">
+                  <c:v>45.1</c:v>
+                </c:pt>
+                <c:pt idx="9">
+                  <c:v>47.833333333333336</c:v>
+                </c:pt>
+                <c:pt idx="10">
+                  <c:v>52.727272727272727</c:v>
+                </c:pt>
+                <c:pt idx="11">
+                  <c:v>49.545454545454547</c:v>
+                </c:pt>
+                <c:pt idx="12">
+                  <c:v>50.727272727272727</c:v>
+                </c:pt>
+                <c:pt idx="13">
+                  <c:v>49.2</c:v>
+                </c:pt>
+                <c:pt idx="14">
+                  <c:v>47.266666666666666</c:v>
+                </c:pt>
+                <c:pt idx="15">
+                  <c:v>51.060606060606062</c:v>
+                </c:pt>
+                <c:pt idx="16">
+                  <c:v>49.769230769230766</c:v>
+                </c:pt>
+                <c:pt idx="17">
+                  <c:v>50.348837209302324</c:v>
+                </c:pt>
+                <c:pt idx="18">
+                  <c:v>47.195652173913047</c:v>
+                </c:pt>
+                <c:pt idx="19">
+                  <c:v>46.978260869565219</c:v>
+                </c:pt>
+                <c:pt idx="20">
+                  <c:v>44.413043478260867</c:v>
+                </c:pt>
+                <c:pt idx="21">
+                  <c:v>42.086956521739133</c:v>
+                </c:pt>
+                <c:pt idx="22">
+                  <c:v>45.468085106382979</c:v>
+                </c:pt>
+                <c:pt idx="23">
+                  <c:v>45.893617021276597</c:v>
+                </c:pt>
+                <c:pt idx="24">
+                  <c:v>45.170212765957444</c:v>
+                </c:pt>
+                <c:pt idx="25">
+                  <c:v>45.893617021276597</c:v>
+                </c:pt>
+                <c:pt idx="26">
+                  <c:v>46.340425531914896</c:v>
+                </c:pt>
+                <c:pt idx="27">
+                  <c:v>46.382978723404257</c:v>
+                </c:pt>
+                <c:pt idx="28">
+                  <c:v>46.106382978723403</c:v>
+                </c:pt>
+                <c:pt idx="29">
+                  <c:v>46.739827373612826</c:v>
+                </c:pt>
+              </c:numCache>
+            </c:numRef>
+          </c:val>
+          <c:smooth val="0"/>
+          <c:extLst>
+            <c:ext xmlns:c16="http://schemas.microsoft.com/office/drawing/2014/chart" uri="{C3380CC4-5D6E-409C-BE32-E72D297353CC}">
+              <c16:uniqueId val="{00000007-A8CB-48E7-9DE1-171FEC19434D}"/>
+            </c:ext>
+          </c:extLst>
+        </c:ser>
+        <c:dLbls>
+          <c:showLegendKey val="0"/>
+          <c:showVal val="0"/>
+          <c:showCatName val="0"/>
+          <c:showSerName val="0"/>
+          <c:showPercent val="0"/>
+          <c:showBubbleSize val="0"/>
+        </c:dLbls>
+        <c:marker val="1"/>
+        <c:smooth val="0"/>
+        <c:axId val="156392816"/>
+        <c:axId val="179962064"/>
+        <c:extLst>
+          <c:ext xmlns:c15="http://schemas.microsoft.com/office/drawing/2012/chart" uri="{02D57815-91ED-43cb-92C2-25804820EDAC}">
+            <c15:filteredLineSeries>
+              <c15:ser>
+                <c:idx val="7"/>
+                <c:order val="7"/>
+                <c:tx>
+                  <c:strRef>
+                    <c:extLst>
+                      <c:ext uri="{02D57815-91ED-43cb-92C2-25804820EDAC}">
+                        <c15:formulaRef>
+                          <c15:sqref>graph!$I$3</c15:sqref>
+                        </c15:formulaRef>
+                      </c:ext>
+                    </c:extLst>
+                    <c:strCache>
+                      <c:ptCount val="1"/>
+                      <c:pt idx="0">
+                        <c:v>平均 / Screen Sharing Bitrate (10kbps)</c:v>
+                      </c:pt>
+                    </c:strCache>
+                  </c:strRef>
+                </c:tx>
+                <c:spPr>
+                  <a:ln w="28575" cap="rnd">
+                    <a:solidFill>
+                      <a:schemeClr val="accent2">
+                        <a:lumMod val="60000"/>
+                      </a:schemeClr>
+                    </a:solidFill>
+                    <a:round/>
+                  </a:ln>
+                  <a:effectLst/>
+                </c:spPr>
+                <c:marker>
+                  <c:symbol val="none"/>
+                </c:marker>
+                <c:cat>
+                  <c:strRef>
+                    <c:extLst>
+                      <c:ext uri="{02D57815-91ED-43cb-92C2-25804820EDAC}">
+                        <c15:formulaRef>
+                          <c15:sqref>graph!$A$4:$A$33</c15:sqref>
+                        </c15:formulaRef>
+                      </c:ext>
+                    </c:extLst>
+                    <c:strCache>
+                      <c:ptCount val="30"/>
+                      <c:pt idx="0">
+                        <c:v> 14:10</c:v>
+                      </c:pt>
+                      <c:pt idx="1">
+                        <c:v> 14:11</c:v>
+                      </c:pt>
+                      <c:pt idx="2">
+                        <c:v> 14:12</c:v>
+                      </c:pt>
+                      <c:pt idx="3">
+                        <c:v> 14:13</c:v>
+                      </c:pt>
+                      <c:pt idx="4">
+                        <c:v> 14:14</c:v>
+                      </c:pt>
+                      <c:pt idx="5">
+                        <c:v> 14:15</c:v>
+                      </c:pt>
+                      <c:pt idx="6">
+                        <c:v> 14:16</c:v>
+                      </c:pt>
+                      <c:pt idx="7">
+                        <c:v> 14:17</c:v>
+                      </c:pt>
+                      <c:pt idx="8">
+                        <c:v> 14:18</c:v>
+                      </c:pt>
+                      <c:pt idx="9">
+                        <c:v> 14:19</c:v>
+                      </c:pt>
+                      <c:pt idx="10">
+                        <c:v> 14:20</c:v>
+                      </c:pt>
+                      <c:pt idx="11">
+                        <c:v> 14:21</c:v>
+                      </c:pt>
+                      <c:pt idx="12">
+                        <c:v> 14:22</c:v>
+                      </c:pt>
+                      <c:pt idx="13">
+                        <c:v> 14:23</c:v>
+                      </c:pt>
+                      <c:pt idx="14">
+                        <c:v> 14:24</c:v>
+                      </c:pt>
+                      <c:pt idx="15">
+                        <c:v> 14:25</c:v>
+                      </c:pt>
+                      <c:pt idx="16">
+                        <c:v> 14:26</c:v>
+                      </c:pt>
+                      <c:pt idx="17">
+                        <c:v> 14:27</c:v>
+                      </c:pt>
+                      <c:pt idx="18">
+                        <c:v> 14:28</c:v>
+                      </c:pt>
+                      <c:pt idx="19">
+                        <c:v> 14:29</c:v>
+                      </c:pt>
+                      <c:pt idx="20">
+                        <c:v> 14:30</c:v>
+                      </c:pt>
+                      <c:pt idx="21">
+                        <c:v> 14:31</c:v>
+                      </c:pt>
+                      <c:pt idx="22">
+                        <c:v> 14:32</c:v>
+                      </c:pt>
+                      <c:pt idx="23">
+                        <c:v> 14:33</c:v>
+                      </c:pt>
+                      <c:pt idx="24">
+                        <c:v> 14:34</c:v>
+                      </c:pt>
+                      <c:pt idx="25">
+                        <c:v> 14:35</c:v>
+                      </c:pt>
+                      <c:pt idx="26">
+                        <c:v> 14:36</c:v>
+                      </c:pt>
+                      <c:pt idx="27">
+                        <c:v> 14:37</c:v>
+                      </c:pt>
+                      <c:pt idx="28">
+                        <c:v> 14:38</c:v>
+                      </c:pt>
+                      <c:pt idx="29">
+                        <c:v>総計</c:v>
+                      </c:pt>
+                    </c:strCache>
+                  </c:strRef>
+                </c:cat>
+                <c:val>
+                  <c:numRef>
+                    <c:extLst>
+                      <c:ext uri="{02D57815-91ED-43cb-92C2-25804820EDAC}">
+                        <c15:formulaRef>
+                          <c15:sqref>graph!$I$4:$I$33</c15:sqref>
+                        </c15:formulaRef>
+                      </c:ext>
+                    </c:extLst>
+                    <c:numCache>
+                      <c:formatCode>General</c:formatCode>
+                      <c:ptCount val="30"/>
+                      <c:pt idx="0">
+                        <c:v>96</c:v>
+                      </c:pt>
+                      <c:pt idx="1">
+                        <c:v>143</c:v>
+                      </c:pt>
+                      <c:pt idx="2">
+                        <c:v>350</c:v>
+                      </c:pt>
+                      <c:pt idx="3">
+                        <c:v>132</c:v>
+                      </c:pt>
+                      <c:pt idx="4">
+                        <c:v>276.375</c:v>
+                      </c:pt>
+                      <c:pt idx="5">
+                        <c:v>263</c:v>
+                      </c:pt>
+                      <c:pt idx="6">
+                        <c:v>288.09090909090907</c:v>
+                      </c:pt>
+                      <c:pt idx="7">
+                        <c:v>350.58333333333331</c:v>
+                      </c:pt>
+                      <c:pt idx="8">
+                        <c:v>57.928571428571431</c:v>
+                      </c:pt>
+                      <c:pt idx="9">
+                        <c:v>79.526315789473685</c:v>
+                      </c:pt>
+                      <c:pt idx="10">
+                        <c:v>222.14285714285714</c:v>
+                      </c:pt>
+                      <c:pt idx="11">
+                        <c:v>170.96875</c:v>
+                      </c:pt>
+                      <c:pt idx="12">
+                        <c:v>196.30555555555554</c:v>
+                      </c:pt>
+                      <c:pt idx="13">
+                        <c:v>269.48837209302326</c:v>
+                      </c:pt>
+                      <c:pt idx="14">
+                        <c:v>196.61702127659575</c:v>
+                      </c:pt>
+                      <c:pt idx="15">
+                        <c:v>197.45098039215685</c:v>
+                      </c:pt>
+                      <c:pt idx="16">
+                        <c:v>381.84482758620692</c:v>
+                      </c:pt>
+                      <c:pt idx="17">
+                        <c:v>550.0625</c:v>
+                      </c:pt>
+                      <c:pt idx="18">
+                        <c:v>788.24637681159425</c:v>
+                      </c:pt>
+                      <c:pt idx="19">
+                        <c:v>704.37142857142862</c:v>
+                      </c:pt>
+                      <c:pt idx="20">
+                        <c:v>508.97101449275362</c:v>
+                      </c:pt>
+                      <c:pt idx="21">
+                        <c:v>590.58571428571429</c:v>
+                      </c:pt>
+                      <c:pt idx="22">
+                        <c:v>410.30555555555554</c:v>
+                      </c:pt>
+                      <c:pt idx="23">
+                        <c:v>271.24324324324323</c:v>
+                      </c:pt>
+                      <c:pt idx="24">
+                        <c:v>267.22972972972974</c:v>
+                      </c:pt>
+                      <c:pt idx="25">
+                        <c:v>124.18666666666667</c:v>
+                      </c:pt>
+                      <c:pt idx="26">
+                        <c:v>102.71794871794872</c:v>
+                      </c:pt>
+                      <c:pt idx="27">
+                        <c:v>88.487179487179489</c:v>
+                      </c:pt>
+                      <c:pt idx="28">
+                        <c:v>78.34615384615384</c:v>
+                      </c:pt>
+                      <c:pt idx="29">
+                        <c:v>322.759807846277</c:v>
+                      </c:pt>
+                    </c:numCache>
+                  </c:numRef>
+                </c:val>
+                <c:smooth val="0"/>
+                <c:extLst>
+                  <c:ext xmlns:c16="http://schemas.microsoft.com/office/drawing/2014/chart" uri="{C3380CC4-5D6E-409C-BE32-E72D297353CC}">
+                    <c16:uniqueId val="{00000009-A8CB-48E7-9DE1-171FEC19434D}"/>
+                  </c:ext>
+                </c:extLst>
+              </c15:ser>
+            </c15:filteredLineSeries>
+            <c15:filteredLineSeries>
+              <c15:ser>
+                <c:idx val="9"/>
+                <c:order val="9"/>
+                <c:tx>
+                  <c:strRef>
+                    <c:extLst xmlns:c15="http://schemas.microsoft.com/office/drawing/2012/chart">
+                      <c:ext xmlns:c15="http://schemas.microsoft.com/office/drawing/2012/chart" uri="{02D57815-91ED-43cb-92C2-25804820EDAC}">
+                        <c15:formulaRef>
+                          <c15:sqref>graph!$K$3</c15:sqref>
+                        </c15:formulaRef>
+                      </c:ext>
+                    </c:extLst>
+                    <c:strCache>
+                      <c:ptCount val="1"/>
+                      <c:pt idx="0">
+                        <c:v>平均 / Screen Sharing Latency (ms)</c:v>
+                      </c:pt>
+                    </c:strCache>
+                  </c:strRef>
+                </c:tx>
+                <c:spPr>
+                  <a:ln w="28575" cap="rnd">
+                    <a:solidFill>
+                      <a:schemeClr val="accent4">
+                        <a:lumMod val="60000"/>
+                      </a:schemeClr>
+                    </a:solidFill>
+                    <a:round/>
+                  </a:ln>
+                  <a:effectLst/>
+                </c:spPr>
+                <c:marker>
+                  <c:symbol val="none"/>
+                </c:marker>
+                <c:cat>
+                  <c:strRef>
+                    <c:extLst xmlns:c15="http://schemas.microsoft.com/office/drawing/2012/chart">
+                      <c:ext xmlns:c15="http://schemas.microsoft.com/office/drawing/2012/chart" uri="{02D57815-91ED-43cb-92C2-25804820EDAC}">
+                        <c15:formulaRef>
+                          <c15:sqref>graph!$A$4:$A$33</c15:sqref>
+                        </c15:formulaRef>
+                      </c:ext>
+                    </c:extLst>
+                    <c:strCache>
+                      <c:ptCount val="30"/>
+                      <c:pt idx="0">
+                        <c:v> 14:10</c:v>
+                      </c:pt>
+                      <c:pt idx="1">
+                        <c:v> 14:11</c:v>
+                      </c:pt>
+                      <c:pt idx="2">
+                        <c:v> 14:12</c:v>
+                      </c:pt>
+                      <c:pt idx="3">
+                        <c:v> 14:13</c:v>
+                      </c:pt>
+                      <c:pt idx="4">
+                        <c:v> 14:14</c:v>
+                      </c:pt>
+                      <c:pt idx="5">
+                        <c:v> 14:15</c:v>
+                      </c:pt>
+                      <c:pt idx="6">
+                        <c:v> 14:16</c:v>
+                      </c:pt>
+                      <c:pt idx="7">
+                        <c:v> 14:17</c:v>
+                      </c:pt>
+                      <c:pt idx="8">
+                        <c:v> 14:18</c:v>
+                      </c:pt>
+                      <c:pt idx="9">
+                        <c:v> 14:19</c:v>
+                      </c:pt>
+                      <c:pt idx="10">
+                        <c:v> 14:20</c:v>
+                      </c:pt>
+                      <c:pt idx="11">
+                        <c:v> 14:21</c:v>
+                      </c:pt>
+                      <c:pt idx="12">
+                        <c:v> 14:22</c:v>
+                      </c:pt>
+                      <c:pt idx="13">
+                        <c:v> 14:23</c:v>
+                      </c:pt>
+                      <c:pt idx="14">
+                        <c:v> 14:24</c:v>
+                      </c:pt>
+                      <c:pt idx="15">
+                        <c:v> 14:25</c:v>
+                      </c:pt>
+                      <c:pt idx="16">
+                        <c:v> 14:26</c:v>
+                      </c:pt>
+                      <c:pt idx="17">
+                        <c:v> 14:27</c:v>
+                      </c:pt>
+                      <c:pt idx="18">
+                        <c:v> 14:28</c:v>
+                      </c:pt>
+                      <c:pt idx="19">
+                        <c:v> 14:29</c:v>
+                      </c:pt>
+                      <c:pt idx="20">
+                        <c:v> 14:30</c:v>
+                      </c:pt>
+                      <c:pt idx="21">
+                        <c:v> 14:31</c:v>
+                      </c:pt>
+                      <c:pt idx="22">
+                        <c:v> 14:32</c:v>
+                      </c:pt>
+                      <c:pt idx="23">
+                        <c:v> 14:33</c:v>
+                      </c:pt>
+                      <c:pt idx="24">
+                        <c:v> 14:34</c:v>
+                      </c:pt>
+                      <c:pt idx="25">
+                        <c:v> 14:35</c:v>
+                      </c:pt>
+                      <c:pt idx="26">
+                        <c:v> 14:36</c:v>
+                      </c:pt>
+                      <c:pt idx="27">
+                        <c:v> 14:37</c:v>
+                      </c:pt>
+                      <c:pt idx="28">
+                        <c:v> 14:38</c:v>
+                      </c:pt>
+                      <c:pt idx="29">
+                        <c:v>総計</c:v>
+                      </c:pt>
+                    </c:strCache>
+                  </c:strRef>
+                </c:cat>
+                <c:val>
+                  <c:numRef>
+                    <c:extLst xmlns:c15="http://schemas.microsoft.com/office/drawing/2012/chart">
+                      <c:ext xmlns:c15="http://schemas.microsoft.com/office/drawing/2012/chart" uri="{02D57815-91ED-43cb-92C2-25804820EDAC}">
+                        <c15:formulaRef>
+                          <c15:sqref>graph!$K$4:$K$33</c15:sqref>
+                        </c15:formulaRef>
+                      </c:ext>
+                    </c:extLst>
+                    <c:numCache>
+                      <c:formatCode>General</c:formatCode>
+                      <c:ptCount val="30"/>
+                      <c:pt idx="0">
+                        <c:v>6</c:v>
+                      </c:pt>
+                      <c:pt idx="1">
+                        <c:v>5</c:v>
+                      </c:pt>
+                      <c:pt idx="2">
+                        <c:v>8</c:v>
+                      </c:pt>
+                      <c:pt idx="3">
+                        <c:v>7.75</c:v>
+                      </c:pt>
+                      <c:pt idx="4">
+                        <c:v>36.875</c:v>
+                      </c:pt>
+                      <c:pt idx="5">
+                        <c:v>33.222222222222221</c:v>
+                      </c:pt>
+                      <c:pt idx="6">
+                        <c:v>41.090909090909093</c:v>
+                      </c:pt>
+                      <c:pt idx="7">
+                        <c:v>52.916666666666664</c:v>
+                      </c:pt>
+                      <c:pt idx="8">
+                        <c:v>38.142857142857146</c:v>
+                      </c:pt>
+                      <c:pt idx="9">
+                        <c:v>39.210526315789473</c:v>
+                      </c:pt>
+                      <c:pt idx="10">
+                        <c:v>52.178571428571431</c:v>
+                      </c:pt>
+                      <c:pt idx="11">
+                        <c:v>40.75</c:v>
+                      </c:pt>
+                      <c:pt idx="12">
+                        <c:v>56.444444444444443</c:v>
+                      </c:pt>
+                      <c:pt idx="13">
+                        <c:v>53.395348837209305</c:v>
+                      </c:pt>
+                      <c:pt idx="14">
+                        <c:v>40.765957446808514</c:v>
+                      </c:pt>
+                      <c:pt idx="15">
+                        <c:v>47.392156862745097</c:v>
+                      </c:pt>
+                      <c:pt idx="16">
+                        <c:v>51.53448275862069</c:v>
+                      </c:pt>
+                      <c:pt idx="17">
+                        <c:v>59.6875</c:v>
+                      </c:pt>
+                      <c:pt idx="18">
+                        <c:v>82.913043478260875</c:v>
+                      </c:pt>
+                      <c:pt idx="19">
+                        <c:v>71.828571428571422</c:v>
+                      </c:pt>
+                      <c:pt idx="20">
+                        <c:v>65.14492753623189</c:v>
+                      </c:pt>
+                      <c:pt idx="21">
+                        <c:v>60.928571428571431</c:v>
+                      </c:pt>
+                      <c:pt idx="22">
+                        <c:v>54.125</c:v>
+                      </c:pt>
+                      <c:pt idx="23">
+                        <c:v>53.094594594594597</c:v>
+                      </c:pt>
+                      <c:pt idx="24">
+                        <c:v>52.202702702702702</c:v>
+                      </c:pt>
+                      <c:pt idx="25">
+                        <c:v>43.346666666666664</c:v>
+                      </c:pt>
+                      <c:pt idx="26">
+                        <c:v>43.653846153846153</c:v>
+                      </c:pt>
+                      <c:pt idx="27">
+                        <c:v>43.205128205128204</c:v>
+                      </c:pt>
+                      <c:pt idx="28">
+                        <c:v>40.064102564102562</c:v>
+                      </c:pt>
+                      <c:pt idx="29">
+                        <c:v>52.534027221777421</c:v>
+                      </c:pt>
+                    </c:numCache>
+                  </c:numRef>
+                </c:val>
+                <c:smooth val="0"/>
+                <c:extLst xmlns:c15="http://schemas.microsoft.com/office/drawing/2012/chart">
+                  <c:ext xmlns:c16="http://schemas.microsoft.com/office/drawing/2014/chart" uri="{C3380CC4-5D6E-409C-BE32-E72D297353CC}">
+                    <c16:uniqueId val="{0000000B-A8CB-48E7-9DE1-171FEC19434D}"/>
+                  </c:ext>
+                </c:extLst>
+              </c15:ser>
+            </c15:filteredLineSeries>
+            <c15:filteredLineSeries>
+              <c15:ser>
+                <c:idx val="11"/>
+                <c:order val="11"/>
+                <c:tx>
+                  <c:strRef>
+                    <c:extLst xmlns:c15="http://schemas.microsoft.com/office/drawing/2012/chart">
+                      <c:ext xmlns:c15="http://schemas.microsoft.com/office/drawing/2012/chart" uri="{02D57815-91ED-43cb-92C2-25804820EDAC}">
+                        <c15:formulaRef>
+                          <c15:sqref>graph!$M$3</c15:sqref>
+                        </c15:formulaRef>
+                      </c:ext>
+                    </c:extLst>
+                    <c:strCache>
+                      <c:ptCount val="1"/>
+                      <c:pt idx="0">
+                        <c:v>平均 / Screen Sharing Jitter (ms)</c:v>
+                      </c:pt>
+                    </c:strCache>
+                  </c:strRef>
+                </c:tx>
+                <c:spPr>
+                  <a:ln w="28575" cap="rnd">
+                    <a:solidFill>
+                      <a:schemeClr val="accent6">
+                        <a:lumMod val="60000"/>
+                      </a:schemeClr>
+                    </a:solidFill>
+                    <a:round/>
+                  </a:ln>
+                  <a:effectLst/>
+                </c:spPr>
+                <c:marker>
+                  <c:symbol val="none"/>
+                </c:marker>
+                <c:cat>
+                  <c:strRef>
+                    <c:extLst xmlns:c15="http://schemas.microsoft.com/office/drawing/2012/chart">
+                      <c:ext xmlns:c15="http://schemas.microsoft.com/office/drawing/2012/chart" uri="{02D57815-91ED-43cb-92C2-25804820EDAC}">
+                        <c15:formulaRef>
+                          <c15:sqref>graph!$A$4:$A$33</c15:sqref>
+                        </c15:formulaRef>
+                      </c:ext>
+                    </c:extLst>
+                    <c:strCache>
+                      <c:ptCount val="30"/>
+                      <c:pt idx="0">
+                        <c:v> 14:10</c:v>
+                      </c:pt>
+                      <c:pt idx="1">
+                        <c:v> 14:11</c:v>
+                      </c:pt>
+                      <c:pt idx="2">
+                        <c:v> 14:12</c:v>
+                      </c:pt>
+                      <c:pt idx="3">
+                        <c:v> 14:13</c:v>
+                      </c:pt>
+                      <c:pt idx="4">
+                        <c:v> 14:14</c:v>
+                      </c:pt>
+                      <c:pt idx="5">
+                        <c:v> 14:15</c:v>
+                      </c:pt>
+                      <c:pt idx="6">
+                        <c:v> 14:16</c:v>
+                      </c:pt>
+                      <c:pt idx="7">
+                        <c:v> 14:17</c:v>
+                      </c:pt>
+                      <c:pt idx="8">
+                        <c:v> 14:18</c:v>
+                      </c:pt>
+                      <c:pt idx="9">
+                        <c:v> 14:19</c:v>
+                      </c:pt>
+                      <c:pt idx="10">
+                        <c:v> 14:20</c:v>
+                      </c:pt>
+                      <c:pt idx="11">
+                        <c:v> 14:21</c:v>
+                      </c:pt>
+                      <c:pt idx="12">
+                        <c:v> 14:22</c:v>
+                      </c:pt>
+                      <c:pt idx="13">
+                        <c:v> 14:23</c:v>
+                      </c:pt>
+                      <c:pt idx="14">
+                        <c:v> 14:24</c:v>
+                      </c:pt>
+                      <c:pt idx="15">
+                        <c:v> 14:25</c:v>
+                      </c:pt>
+                      <c:pt idx="16">
+                        <c:v> 14:26</c:v>
+                      </c:pt>
+                      <c:pt idx="17">
+                        <c:v> 14:27</c:v>
+                      </c:pt>
+                      <c:pt idx="18">
+                        <c:v> 14:28</c:v>
+                      </c:pt>
+                      <c:pt idx="19">
+                        <c:v> 14:29</c:v>
+                      </c:pt>
+                      <c:pt idx="20">
+                        <c:v> 14:30</c:v>
+                      </c:pt>
+                      <c:pt idx="21">
+                        <c:v> 14:31</c:v>
+                      </c:pt>
+                      <c:pt idx="22">
+                        <c:v> 14:32</c:v>
+                      </c:pt>
+                      <c:pt idx="23">
+                        <c:v> 14:33</c:v>
+                      </c:pt>
+                      <c:pt idx="24">
+                        <c:v> 14:34</c:v>
+                      </c:pt>
+                      <c:pt idx="25">
+                        <c:v> 14:35</c:v>
+                      </c:pt>
+                      <c:pt idx="26">
+                        <c:v> 14:36</c:v>
+                      </c:pt>
+                      <c:pt idx="27">
+                        <c:v> 14:37</c:v>
+                      </c:pt>
+                      <c:pt idx="28">
+                        <c:v> 14:38</c:v>
+                      </c:pt>
+                      <c:pt idx="29">
+                        <c:v>総計</c:v>
+                      </c:pt>
+                    </c:strCache>
+                  </c:strRef>
+                </c:cat>
+                <c:val>
+                  <c:numRef>
+                    <c:extLst xmlns:c15="http://schemas.microsoft.com/office/drawing/2012/chart">
+                      <c:ext xmlns:c15="http://schemas.microsoft.com/office/drawing/2012/chart" uri="{02D57815-91ED-43cb-92C2-25804820EDAC}">
+                        <c15:formulaRef>
+                          <c15:sqref>graph!$M$4:$M$33</c15:sqref>
+                        </c15:formulaRef>
+                      </c:ext>
+                    </c:extLst>
+                    <c:numCache>
+                      <c:formatCode>General</c:formatCode>
+                      <c:ptCount val="30"/>
+                      <c:pt idx="0">
+                        <c:v>6</c:v>
+                      </c:pt>
+                      <c:pt idx="1">
+                        <c:v>7</c:v>
+                      </c:pt>
+                      <c:pt idx="2">
+                        <c:v>7</c:v>
+                      </c:pt>
+                      <c:pt idx="3">
+                        <c:v>7.75</c:v>
+                      </c:pt>
+                      <c:pt idx="4">
+                        <c:v>15.375</c:v>
+                      </c:pt>
+                      <c:pt idx="5">
+                        <c:v>25.444444444444443</c:v>
+                      </c:pt>
+                      <c:pt idx="6">
+                        <c:v>24.545454545454547</c:v>
+                      </c:pt>
+                      <c:pt idx="7">
+                        <c:v>51.916666666666664</c:v>
+                      </c:pt>
+                      <c:pt idx="8">
+                        <c:v>57.214285714285715</c:v>
+                      </c:pt>
+                      <c:pt idx="9">
+                        <c:v>46.789473684210527</c:v>
+                      </c:pt>
+                      <c:pt idx="10">
+                        <c:v>46.785714285714285</c:v>
+                      </c:pt>
+                      <c:pt idx="11">
+                        <c:v>36.8125</c:v>
+                      </c:pt>
+                      <c:pt idx="12">
+                        <c:v>48.722222222222221</c:v>
+                      </c:pt>
+                      <c:pt idx="13">
+                        <c:v>42.348837209302324</c:v>
+                      </c:pt>
+                      <c:pt idx="14">
+                        <c:v>39.276595744680854</c:v>
+                      </c:pt>
+                      <c:pt idx="15">
+                        <c:v>37.313725490196077</c:v>
+                      </c:pt>
+                      <c:pt idx="16">
+                        <c:v>39.568965517241381</c:v>
+                      </c:pt>
+                      <c:pt idx="17">
+                        <c:v>46.015625</c:v>
+                      </c:pt>
+                      <c:pt idx="18">
+                        <c:v>59.333333333333336</c:v>
+                      </c:pt>
+                      <c:pt idx="19">
+                        <c:v>51.671428571428571</c:v>
+                      </c:pt>
+                      <c:pt idx="20">
+                        <c:v>48.115942028985508</c:v>
+                      </c:pt>
+                      <c:pt idx="21">
+                        <c:v>39.957142857142856</c:v>
+                      </c:pt>
+                      <c:pt idx="22">
+                        <c:v>36.736111111111114</c:v>
+                      </c:pt>
+                      <c:pt idx="23">
+                        <c:v>34.283783783783782</c:v>
+                      </c:pt>
+                      <c:pt idx="24">
+                        <c:v>33.283783783783782</c:v>
+                      </c:pt>
+                      <c:pt idx="25">
+                        <c:v>26.106666666666666</c:v>
+                      </c:pt>
+                      <c:pt idx="26">
+                        <c:v>27.820512820512821</c:v>
+                      </c:pt>
+                      <c:pt idx="27">
+                        <c:v>24.512820512820515</c:v>
+                      </c:pt>
+                      <c:pt idx="28">
+                        <c:v>22.948717948717949</c:v>
+                      </c:pt>
+                      <c:pt idx="29">
+                        <c:v>37.94471153846154</c:v>
+                      </c:pt>
+                    </c:numCache>
+                  </c:numRef>
+                </c:val>
+                <c:smooth val="0"/>
+                <c:extLst xmlns:c15="http://schemas.microsoft.com/office/drawing/2012/chart">
+                  <c:ext xmlns:c16="http://schemas.microsoft.com/office/drawing/2014/chart" uri="{C3380CC4-5D6E-409C-BE32-E72D297353CC}">
+                    <c16:uniqueId val="{0000000D-A8CB-48E7-9DE1-171FEC19434D}"/>
+                  </c:ext>
+                </c:extLst>
+              </c15:ser>
+            </c15:filteredLineSeries>
+            <c15:filteredLineSeries>
+              <c15:ser>
+                <c:idx val="14"/>
+                <c:order val="14"/>
+                <c:tx>
+                  <c:strRef>
+                    <c:extLst xmlns:c15="http://schemas.microsoft.com/office/drawing/2012/chart">
+                      <c:ext xmlns:c15="http://schemas.microsoft.com/office/drawing/2012/chart" uri="{02D57815-91ED-43cb-92C2-25804820EDAC}">
+                        <c15:formulaRef>
+                          <c15:sqref>graph!$P$3</c15:sqref>
+                        </c15:formulaRef>
+                      </c:ext>
+                    </c:extLst>
+                    <c:strCache>
+                      <c:ptCount val="1"/>
+                      <c:pt idx="0">
+                        <c:v>平均 / Screen Sharing Frame Rate (fps)</c:v>
+                      </c:pt>
+                    </c:strCache>
+                  </c:strRef>
+                </c:tx>
+                <c:spPr>
+                  <a:ln w="28575" cap="rnd">
+                    <a:solidFill>
+                      <a:schemeClr val="accent3">
+                        <a:lumMod val="80000"/>
+                        <a:lumOff val="20000"/>
+                      </a:schemeClr>
+                    </a:solidFill>
+                    <a:round/>
+                  </a:ln>
+                  <a:effectLst/>
+                </c:spPr>
+                <c:marker>
+                  <c:symbol val="none"/>
+                </c:marker>
+                <c:cat>
+                  <c:strRef>
+                    <c:extLst xmlns:c15="http://schemas.microsoft.com/office/drawing/2012/chart">
+                      <c:ext xmlns:c15="http://schemas.microsoft.com/office/drawing/2012/chart" uri="{02D57815-91ED-43cb-92C2-25804820EDAC}">
+                        <c15:formulaRef>
+                          <c15:sqref>graph!$A$4:$A$33</c15:sqref>
+                        </c15:formulaRef>
+                      </c:ext>
+                    </c:extLst>
+                    <c:strCache>
+                      <c:ptCount val="30"/>
+                      <c:pt idx="0">
+                        <c:v> 14:10</c:v>
+                      </c:pt>
+                      <c:pt idx="1">
+                        <c:v> 14:11</c:v>
+                      </c:pt>
+                      <c:pt idx="2">
+                        <c:v> 14:12</c:v>
+                      </c:pt>
+                      <c:pt idx="3">
+                        <c:v> 14:13</c:v>
+                      </c:pt>
+                      <c:pt idx="4">
+                        <c:v> 14:14</c:v>
+                      </c:pt>
+                      <c:pt idx="5">
+                        <c:v> 14:15</c:v>
+                      </c:pt>
+                      <c:pt idx="6">
+                        <c:v> 14:16</c:v>
+                      </c:pt>
+                      <c:pt idx="7">
+                        <c:v> 14:17</c:v>
+                      </c:pt>
+                      <c:pt idx="8">
+                        <c:v> 14:18</c:v>
+                      </c:pt>
+                      <c:pt idx="9">
+                        <c:v> 14:19</c:v>
+                      </c:pt>
+                      <c:pt idx="10">
+                        <c:v> 14:20</c:v>
+                      </c:pt>
+                      <c:pt idx="11">
+                        <c:v> 14:21</c:v>
+                      </c:pt>
+                      <c:pt idx="12">
+                        <c:v> 14:22</c:v>
+                      </c:pt>
+                      <c:pt idx="13">
+                        <c:v> 14:23</c:v>
+                      </c:pt>
+                      <c:pt idx="14">
+                        <c:v> 14:24</c:v>
+                      </c:pt>
+                      <c:pt idx="15">
+                        <c:v> 14:25</c:v>
+                      </c:pt>
+                      <c:pt idx="16">
+                        <c:v> 14:26</c:v>
+                      </c:pt>
+                      <c:pt idx="17">
+                        <c:v> 14:27</c:v>
+                      </c:pt>
+                      <c:pt idx="18">
+                        <c:v> 14:28</c:v>
+                      </c:pt>
+                      <c:pt idx="19">
+                        <c:v> 14:29</c:v>
+                      </c:pt>
+                      <c:pt idx="20">
+                        <c:v> 14:30</c:v>
+                      </c:pt>
+                      <c:pt idx="21">
+                        <c:v> 14:31</c:v>
+                      </c:pt>
+                      <c:pt idx="22">
+                        <c:v> 14:32</c:v>
+                      </c:pt>
+                      <c:pt idx="23">
+                        <c:v> 14:33</c:v>
+                      </c:pt>
+                      <c:pt idx="24">
+                        <c:v> 14:34</c:v>
+                      </c:pt>
+                      <c:pt idx="25">
+                        <c:v> 14:35</c:v>
+                      </c:pt>
+                      <c:pt idx="26">
+                        <c:v> 14:36</c:v>
+                      </c:pt>
+                      <c:pt idx="27">
+                        <c:v> 14:37</c:v>
+                      </c:pt>
+                      <c:pt idx="28">
+                        <c:v> 14:38</c:v>
+                      </c:pt>
+                      <c:pt idx="29">
+                        <c:v>総計</c:v>
+                      </c:pt>
+                    </c:strCache>
+                  </c:strRef>
+                </c:cat>
+                <c:val>
+                  <c:numRef>
+                    <c:extLst xmlns:c15="http://schemas.microsoft.com/office/drawing/2012/chart">
+                      <c:ext xmlns:c15="http://schemas.microsoft.com/office/drawing/2012/chart" uri="{02D57815-91ED-43cb-92C2-25804820EDAC}">
+                        <c15:formulaRef>
+                          <c15:sqref>graph!$P$4:$P$33</c15:sqref>
+                        </c15:formulaRef>
+                      </c:ext>
+                    </c:extLst>
+                    <c:numCache>
+                      <c:formatCode>General</c:formatCode>
+                      <c:ptCount val="30"/>
+                      <c:pt idx="0">
+                        <c:v>27</c:v>
+                      </c:pt>
+                      <c:pt idx="1">
+                        <c:v>27</c:v>
+                      </c:pt>
+                      <c:pt idx="2">
+                        <c:v>26.333333333333332</c:v>
+                      </c:pt>
+                      <c:pt idx="3">
+                        <c:v>27</c:v>
+                      </c:pt>
+                      <c:pt idx="4">
+                        <c:v>24</c:v>
+                      </c:pt>
+                      <c:pt idx="5">
+                        <c:v>23.888888888888889</c:v>
+                      </c:pt>
+                      <c:pt idx="6">
+                        <c:v>24.545454545454547</c:v>
+                      </c:pt>
+                      <c:pt idx="7">
+                        <c:v>25.272727272727273</c:v>
+                      </c:pt>
+                      <c:pt idx="8">
+                        <c:v>26.928571428571427</c:v>
+                      </c:pt>
+                      <c:pt idx="9">
+                        <c:v>26.222222222222221</c:v>
+                      </c:pt>
+                      <c:pt idx="10">
+                        <c:v>26.607142857142858</c:v>
+                      </c:pt>
+                      <c:pt idx="11">
+                        <c:v>27</c:v>
+                      </c:pt>
+                      <c:pt idx="12">
+                        <c:v>26.911764705882351</c:v>
+                      </c:pt>
+                      <c:pt idx="13">
+                        <c:v>26.170731707317074</c:v>
+                      </c:pt>
+                      <c:pt idx="14">
+                        <c:v>26.888888888888889</c:v>
+                      </c:pt>
+                      <c:pt idx="15">
+                        <c:v>26.78</c:v>
+                      </c:pt>
+                      <c:pt idx="16">
+                        <c:v>26.385964912280702</c:v>
+                      </c:pt>
+                      <c:pt idx="17">
+                        <c:v>26.28125</c:v>
+                      </c:pt>
+                      <c:pt idx="18">
+                        <c:v>25.397058823529413</c:v>
+                      </c:pt>
+                      <c:pt idx="19">
+                        <c:v>26.420289855072465</c:v>
+                      </c:pt>
+                      <c:pt idx="20">
+                        <c:v>25.058823529411764</c:v>
+                      </c:pt>
+                      <c:pt idx="21">
+                        <c:v>26.411764705882351</c:v>
+                      </c:pt>
+                      <c:pt idx="22">
+                        <c:v>26.04225352112676</c:v>
+                      </c:pt>
+                      <c:pt idx="23">
+                        <c:v>26.861111111111111</c:v>
+                      </c:pt>
+                      <c:pt idx="24">
+                        <c:v>26.5</c:v>
+                      </c:pt>
+                      <c:pt idx="25">
+                        <c:v>26.863013698630137</c:v>
+                      </c:pt>
+                      <c:pt idx="26">
+                        <c:v>26.717948717948719</c:v>
+                      </c:pt>
+                      <c:pt idx="27">
+                        <c:v>26.884615384615383</c:v>
+                      </c:pt>
+                      <c:pt idx="28">
+                        <c:v>26.871794871794872</c:v>
+                      </c:pt>
+                      <c:pt idx="29">
+                        <c:v>26.391693811074919</c:v>
+                      </c:pt>
+                    </c:numCache>
+                  </c:numRef>
+                </c:val>
+                <c:smooth val="0"/>
+                <c:extLst xmlns:c15="http://schemas.microsoft.com/office/drawing/2012/chart">
+                  <c:ext xmlns:c16="http://schemas.microsoft.com/office/drawing/2014/chart" uri="{C3380CC4-5D6E-409C-BE32-E72D297353CC}">
+                    <c16:uniqueId val="{00000010-A8CB-48E7-9DE1-171FEC19434D}"/>
+                  </c:ext>
+                </c:extLst>
+              </c15:ser>
+            </c15:filteredLineSeries>
+          </c:ext>
+        </c:extLst>
+      </c:lineChart>
+      <c:catAx>
+        <c:axId val="156392816"/>
+        <c:scaling>
+          <c:orientation val="minMax"/>
+        </c:scaling>
+        <c:delete val="0"/>
+        <c:axPos val="b"/>
+        <c:numFmt formatCode="General" sourceLinked="1"/>
+        <c:majorTickMark val="none"/>
+        <c:minorTickMark val="none"/>
+        <c:tickLblPos val="nextTo"/>
+        <c:spPr>
+          <a:noFill/>
+          <a:ln w="9525" cap="flat" cmpd="sng" algn="ctr">
+            <a:solidFill>
+              <a:schemeClr val="tx1">
+                <a:lumMod val="15000"/>
+                <a:lumOff val="85000"/>
+              </a:schemeClr>
+            </a:solidFill>
+            <a:round/>
+          </a:ln>
+          <a:effectLst/>
+        </c:spPr>
+        <c:txPr>
+          <a:bodyPr rot="-60000000" spcFirstLastPara="1" vertOverflow="ellipsis" vert="horz" wrap="square" anchor="ctr" anchorCtr="1"/>
+          <a:lstStyle/>
+          <a:p>
+            <a:pPr>
+              <a:defRPr sz="900" b="0" i="0" u="none" strike="noStrike" kern="1200" baseline="0">
+                <a:solidFill>
+                  <a:schemeClr val="tx1">
+                    <a:lumMod val="65000"/>
+                    <a:lumOff val="35000"/>
+                  </a:schemeClr>
+                </a:solidFill>
+                <a:latin typeface="+mn-lt"/>
+                <a:ea typeface="+mn-ea"/>
+                <a:cs typeface="+mn-cs"/>
+              </a:defRPr>
+            </a:pPr>
+            <a:endParaRPr lang="ja-JP"/>
+          </a:p>
+        </c:txPr>
+        <c:crossAx val="179962064"/>
+        <c:crosses val="autoZero"/>
+        <c:auto val="1"/>
+        <c:lblAlgn val="ctr"/>
+        <c:lblOffset val="100"/>
+        <c:noMultiLvlLbl val="0"/>
+      </c:catAx>
+      <c:valAx>
+        <c:axId val="179962064"/>
+        <c:scaling>
+          <c:orientation val="minMax"/>
+        </c:scaling>
+        <c:delete val="0"/>
+        <c:axPos val="l"/>
+        <c:majorGridlines>
+          <c:spPr>
+            <a:ln w="9525" cap="flat" cmpd="sng" algn="ctr">
+              <a:solidFill>
+                <a:schemeClr val="tx1">
+                  <a:lumMod val="15000"/>
+                  <a:lumOff val="85000"/>
+                </a:schemeClr>
+              </a:solidFill>
+              <a:round/>
+            </a:ln>
+            <a:effectLst/>
+          </c:spPr>
+        </c:majorGridlines>
+        <c:numFmt formatCode="General" sourceLinked="1"/>
+        <c:majorTickMark val="none"/>
+        <c:minorTickMark val="none"/>
+        <c:tickLblPos val="nextTo"/>
+        <c:spPr>
+          <a:noFill/>
+          <a:ln>
+            <a:noFill/>
+          </a:ln>
+          <a:effectLst/>
+        </c:spPr>
+        <c:txPr>
+          <a:bodyPr rot="-60000000" spcFirstLastPara="1" vertOverflow="ellipsis" vert="horz" wrap="square" anchor="ctr" anchorCtr="1"/>
+          <a:lstStyle/>
+          <a:p>
+            <a:pPr>
+              <a:defRPr sz="900" b="0" i="0" u="none" strike="noStrike" kern="1200" baseline="0">
+                <a:solidFill>
+                  <a:schemeClr val="tx1">
+                    <a:lumMod val="65000"/>
+                    <a:lumOff val="35000"/>
+                  </a:schemeClr>
+                </a:solidFill>
+                <a:latin typeface="+mn-lt"/>
+                <a:ea typeface="+mn-ea"/>
+                <a:cs typeface="+mn-cs"/>
+              </a:defRPr>
+            </a:pPr>
+            <a:endParaRPr lang="ja-JP"/>
+          </a:p>
+        </c:txPr>
+        <c:crossAx val="156392816"/>
+        <c:crosses val="autoZero"/>
+        <c:crossBetween val="between"/>
+      </c:valAx>
+      <c:valAx>
+        <c:axId val="179977872"/>
+        <c:scaling>
+          <c:orientation val="minMax"/>
+        </c:scaling>
+        <c:delete val="0"/>
+        <c:axPos val="r"/>
+        <c:numFmt formatCode="General" sourceLinked="1"/>
+        <c:majorTickMark val="out"/>
+        <c:minorTickMark val="none"/>
+        <c:tickLblPos val="nextTo"/>
+        <c:spPr>
+          <a:noFill/>
+          <a:ln>
+            <a:noFill/>
+          </a:ln>
+          <a:effectLst/>
+        </c:spPr>
+        <c:txPr>
+          <a:bodyPr rot="-60000000" spcFirstLastPara="1" vertOverflow="ellipsis" vert="horz" wrap="square" anchor="ctr" anchorCtr="1"/>
+          <a:lstStyle/>
+          <a:p>
+            <a:pPr>
+              <a:defRPr sz="900" b="0" i="0" u="none" strike="noStrike" kern="1200" baseline="0">
+                <a:solidFill>
+                  <a:schemeClr val="tx1">
+                    <a:lumMod val="65000"/>
+                    <a:lumOff val="35000"/>
+                  </a:schemeClr>
+                </a:solidFill>
+                <a:latin typeface="+mn-lt"/>
+                <a:ea typeface="+mn-ea"/>
+                <a:cs typeface="+mn-cs"/>
+              </a:defRPr>
+            </a:pPr>
+            <a:endParaRPr lang="ja-JP"/>
+          </a:p>
+        </c:txPr>
+        <c:crossAx val="156434416"/>
+        <c:crosses val="max"/>
+        <c:crossBetween val="between"/>
+      </c:valAx>
+      <c:catAx>
+        <c:axId val="156434416"/>
+        <c:scaling>
+          <c:orientation val="minMax"/>
+        </c:scaling>
+        <c:delete val="1"/>
+        <c:axPos val="b"/>
+        <c:numFmt formatCode="General" sourceLinked="1"/>
+        <c:majorTickMark val="out"/>
+        <c:minorTickMark val="none"/>
+        <c:tickLblPos val="nextTo"/>
+        <c:crossAx val="179977872"/>
+        <c:crosses val="autoZero"/>
+        <c:auto val="1"/>
+        <c:lblAlgn val="ctr"/>
+        <c:lblOffset val="100"/>
+        <c:noMultiLvlLbl val="0"/>
+      </c:catAx>
+      <c:spPr>
+        <a:noFill/>
+        <a:ln>
+          <a:noFill/>
+        </a:ln>
+        <a:effectLst/>
+      </c:spPr>
+    </c:plotArea>
+    <c:legend>
+      <c:legendPos val="b"/>
+      <c:overlay val="0"/>
+      <c:spPr>
+        <a:noFill/>
+        <a:ln>
+          <a:noFill/>
+        </a:ln>
+        <a:effectLst/>
+      </c:spPr>
+      <c:txPr>
+        <a:bodyPr rot="0" spcFirstLastPara="1" vertOverflow="ellipsis" vert="horz" wrap="square" anchor="ctr" anchorCtr="1"/>
+        <a:lstStyle/>
+        <a:p>
+          <a:pPr>
+            <a:defRPr sz="900" b="0" i="0" u="none" strike="noStrike" kern="1200" baseline="0">
+              <a:solidFill>
+                <a:schemeClr val="tx1">
+                  <a:lumMod val="65000"/>
+                  <a:lumOff val="35000"/>
+                </a:schemeClr>
+              </a:solidFill>
+              <a:latin typeface="+mn-lt"/>
+              <a:ea typeface="+mn-ea"/>
+              <a:cs typeface="+mn-cs"/>
+            </a:defRPr>
+          </a:pPr>
+          <a:endParaRPr lang="ja-JP"/>
+        </a:p>
+      </c:txPr>
+    </c:legend>
+    <c:plotVisOnly val="1"/>
+    <c:dispBlanksAs val="gap"/>
+    <c:extLst>
+      <c:ext xmlns:c16r3="http://schemas.microsoft.com/office/drawing/2017/03/chart" uri="{56B9EC1D-385E-4148-901F-78D8002777C0}">
+        <c16r3:dataDisplayOptions16>
+          <c16r3:dispNaAsBlank val="1"/>
+        </c16r3:dataDisplayOptions16>
+      </c:ext>
+    </c:extLst>
+    <c:showDLblsOverMax val="0"/>
+  </c:chart>
+  <c:spPr>
+    <a:noFill/>
+    <a:ln>
+      <a:noFill/>
+    </a:ln>
+    <a:effectLst/>
+  </c:spPr>
+  <c:txPr>
+    <a:bodyPr/>
+    <a:lstStyle/>
+    <a:p>
+      <a:pPr>
+        <a:defRPr/>
+      </a:pPr>
+      <a:endParaRPr lang="ja-JP"/>
+    </a:p>
+  </c:txPr>
+  <c:externalData r:id="rId3">
+    <c:autoUpdate val="0"/>
+  </c:externalData>
+</c:chartSpace>
+</file>
+
+<file path=ppt/charts/colors1.xml><?xml version="1.0" encoding="utf-8"?>
+<cs:colorStyle xmlns:cs="http://schemas.microsoft.com/office/drawing/2012/chartStyle" xmlns:a="http://schemas.openxmlformats.org/drawingml/2006/main" meth="cycle" id="10">
+  <a:schemeClr val="accent1"/>
+  <a:schemeClr val="accent2"/>
+  <a:schemeClr val="accent3"/>
+  <a:schemeClr val="accent4"/>
+  <a:schemeClr val="accent5"/>
+  <a:schemeClr val="accent6"/>
+  <cs:variation/>
+  <cs:variation>
+    <a:lumMod val="60000"/>
+  </cs:variation>
+  <cs:variation>
+    <a:lumMod val="80000"/>
+    <a:lumOff val="20000"/>
+  </cs:variation>
+  <cs:variation>
+    <a:lumMod val="80000"/>
+  </cs:variation>
+  <cs:variation>
+    <a:lumMod val="60000"/>
+    <a:lumOff val="40000"/>
+  </cs:variation>
+  <cs:variation>
+    <a:lumMod val="50000"/>
+  </cs:variation>
+  <cs:variation>
+    <a:lumMod val="70000"/>
+    <a:lumOff val="30000"/>
+  </cs:variation>
+  <cs:variation>
+    <a:lumMod val="70000"/>
+  </cs:variation>
+  <cs:variation>
+    <a:lumMod val="50000"/>
+    <a:lumOff val="50000"/>
+  </cs:variation>
+</cs:colorStyle>
+</file>
+
+<file path=ppt/charts/style1.xml><?xml version="1.0" encoding="utf-8"?>
+<cs:chartStyle xmlns:cs="http://schemas.microsoft.com/office/drawing/2012/chartStyle" xmlns:a="http://schemas.openxmlformats.org/drawingml/2006/main" id="201">
+  <cs:axisTitle>
+    <cs:lnRef idx="0"/>
+    <cs:fillRef idx="0"/>
+    <cs:effectRef idx="0"/>
+    <cs:fontRef idx="minor">
+      <a:schemeClr val="tx1">
+        <a:lumMod val="65000"/>
+        <a:lumOff val="35000"/>
+      </a:schemeClr>
+    </cs:fontRef>
+    <cs:defRPr sz="1000" kern="1200"/>
+  </cs:axisTitle>
+  <cs:categoryAxis>
+    <cs:lnRef idx="0"/>
+    <cs:fillRef idx="0"/>
+    <cs:effectRef idx="0"/>
+    <cs:fontRef idx="minor">
+      <a:schemeClr val="tx1">
+        <a:lumMod val="65000"/>
+        <a:lumOff val="35000"/>
+      </a:schemeClr>
+    </cs:fontRef>
+    <cs:spPr>
+      <a:ln w="9525" cap="flat" cmpd="sng" algn="ctr">
+        <a:solidFill>
+          <a:schemeClr val="tx1">
+            <a:lumMod val="15000"/>
+            <a:lumOff val="85000"/>
+          </a:schemeClr>
+        </a:solidFill>
+        <a:round/>
+      </a:ln>
+    </cs:spPr>
+    <cs:defRPr sz="900" kern="1200"/>
+  </cs:categoryAxis>
+  <cs:chartArea mods="allowNoFillOverride allowNoLineOverride">
+    <cs:lnRef idx="0"/>
+    <cs:fillRef idx="0"/>
+    <cs:effectRef idx="0"/>
+    <cs:fontRef idx="minor">
+      <a:schemeClr val="tx1"/>
+    </cs:fontRef>
+    <cs:spPr>
+      <a:solidFill>
+        <a:schemeClr val="bg1"/>
+      </a:solidFill>
+      <a:ln w="9525" cap="flat" cmpd="sng" algn="ctr">
+        <a:solidFill>
+          <a:schemeClr val="tx1">
+            <a:lumMod val="15000"/>
+            <a:lumOff val="85000"/>
+          </a:schemeClr>
+        </a:solidFill>
+        <a:round/>
+      </a:ln>
+    </cs:spPr>
+    <cs:defRPr sz="1000" kern="1200"/>
+  </cs:chartArea>
+  <cs:dataLabel>
+    <cs:lnRef idx="0"/>
+    <cs:fillRef idx="0"/>
+    <cs:effectRef idx="0"/>
+    <cs:fontRef idx="minor">
+      <a:schemeClr val="tx1">
+        <a:lumMod val="75000"/>
+        <a:lumOff val="25000"/>
+      </a:schemeClr>
+    </cs:fontRef>
+    <cs:defRPr sz="900" kern="1200"/>
+  </cs:dataLabel>
+  <cs:dataLabelCallout>
+    <cs:lnRef idx="0"/>
+    <cs:fillRef idx="0"/>
+    <cs:effectRef idx="0"/>
+    <cs:fontRef idx="minor">
+      <a:schemeClr val="dk1">
+        <a:lumMod val="65000"/>
+        <a:lumOff val="35000"/>
+      </a:schemeClr>
+    </cs:fontRef>
+    <cs:spPr>
+      <a:solidFill>
+        <a:schemeClr val="lt1"/>
+      </a:solidFill>
+      <a:ln>
+        <a:solidFill>
+          <a:schemeClr val="dk1">
+            <a:lumMod val="25000"/>
+            <a:lumOff val="75000"/>
+          </a:schemeClr>
+        </a:solidFill>
+      </a:ln>
+    </cs:spPr>
+    <cs:defRPr sz="900" kern="1200"/>
+    <cs:bodyPr rot="0" spcFirstLastPara="1" vertOverflow="clip" horzOverflow="clip" vert="horz" wrap="square" lIns="36576" tIns="18288" rIns="36576" bIns="18288" anchor="ctr" anchorCtr="1">
+      <a:spAutoFit/>
+    </cs:bodyPr>
+  </cs:dataLabelCallout>
+  <cs:dataPoint>
+    <cs:lnRef idx="0"/>
+    <cs:fillRef idx="1">
+      <cs:styleClr val="auto"/>
+    </cs:fillRef>
+    <cs:effectRef idx="0"/>
+    <cs:fontRef idx="minor">
+      <a:schemeClr val="tx1"/>
+    </cs:fontRef>
+  </cs:dataPoint>
+  <cs:dataPoint3D>
+    <cs:lnRef idx="0"/>
+    <cs:fillRef idx="1">
+      <cs:styleClr val="auto"/>
+    </cs:fillRef>
+    <cs:effectRef idx="0"/>
+    <cs:fontRef idx="minor">
+      <a:schemeClr val="tx1"/>
+    </cs:fontRef>
+  </cs:dataPoint3D>
+  <cs:dataPointLine>
+    <cs:lnRef idx="0">
+      <cs:styleClr val="auto"/>
+    </cs:lnRef>
+    <cs:fillRef idx="1"/>
+    <cs:effectRef idx="0"/>
+    <cs:fontRef idx="minor">
+      <a:schemeClr val="tx1"/>
+    </cs:fontRef>
+    <cs:spPr>
+      <a:ln w="28575" cap="rnd">
+        <a:solidFill>
+          <a:schemeClr val="phClr"/>
+        </a:solidFill>
+        <a:round/>
+      </a:ln>
+    </cs:spPr>
+  </cs:dataPointLine>
+  <cs:dataPointMarker>
+    <cs:lnRef idx="0">
+      <cs:styleClr val="auto"/>
+    </cs:lnRef>
+    <cs:fillRef idx="1">
+      <cs:styleClr val="auto"/>
+    </cs:fillRef>
+    <cs:effectRef idx="0"/>
+    <cs:fontRef idx="minor">
+      <a:schemeClr val="tx1"/>
+    </cs:fontRef>
+    <cs:spPr>
+      <a:ln w="9525">
+        <a:solidFill>
+          <a:schemeClr val="phClr"/>
+        </a:solidFill>
+      </a:ln>
+    </cs:spPr>
+  </cs:dataPointMarker>
+  <cs:dataPointMarkerLayout symbol="circle" size="5"/>
+  <cs:dataPointWireframe>
+    <cs:lnRef idx="0">
+      <cs:styleClr val="auto"/>
+    </cs:lnRef>
+    <cs:fillRef idx="1"/>
+    <cs:effectRef idx="0"/>
+    <cs:fontRef idx="minor">
+      <a:schemeClr val="tx1"/>
+    </cs:fontRef>
+    <cs:spPr>
+      <a:ln w="9525" cap="rnd">
+        <a:solidFill>
+          <a:schemeClr val="phClr"/>
+        </a:solidFill>
+        <a:round/>
+      </a:ln>
+    </cs:spPr>
+  </cs:dataPointWireframe>
+  <cs:dataTable>
+    <cs:lnRef idx="0"/>
+    <cs:fillRef idx="0"/>
+    <cs:effectRef idx="0"/>
+    <cs:fontRef idx="minor">
+      <a:schemeClr val="tx1">
+        <a:lumMod val="65000"/>
+        <a:lumOff val="35000"/>
+      </a:schemeClr>
+    </cs:fontRef>
+    <cs:spPr>
+      <a:noFill/>
+      <a:ln w="9525" cap="flat" cmpd="sng" algn="ctr">
+        <a:solidFill>
+          <a:schemeClr val="tx1">
+            <a:lumMod val="15000"/>
+            <a:lumOff val="85000"/>
+          </a:schemeClr>
+        </a:solidFill>
+        <a:round/>
+      </a:ln>
+    </cs:spPr>
+    <cs:defRPr sz="900" kern="1200"/>
+  </cs:dataTable>
+  <cs:downBar>
+    <cs:lnRef idx="0"/>
+    <cs:fillRef idx="0"/>
+    <cs:effectRef idx="0"/>
+    <cs:fontRef idx="minor">
+      <a:schemeClr val="dk1"/>
+    </cs:fontRef>
+    <cs:spPr>
+      <a:solidFill>
+        <a:schemeClr val="dk1">
+          <a:lumMod val="65000"/>
+          <a:lumOff val="35000"/>
+        </a:schemeClr>
+      </a:solidFill>
+      <a:ln w="9525">
+        <a:solidFill>
+          <a:schemeClr val="tx1">
+            <a:lumMod val="65000"/>
+            <a:lumOff val="35000"/>
+          </a:schemeClr>
+        </a:solidFill>
+      </a:ln>
+    </cs:spPr>
+  </cs:downBar>
+  <cs:dropLine>
+    <cs:lnRef idx="0"/>
+    <cs:fillRef idx="0"/>
+    <cs:effectRef idx="0"/>
+    <cs:fontRef idx="minor">
+      <a:schemeClr val="tx1"/>
+    </cs:fontRef>
+    <cs:spPr>
+      <a:ln w="9525" cap="flat" cmpd="sng" algn="ctr">
+        <a:solidFill>
+          <a:schemeClr val="tx1">
+            <a:lumMod val="35000"/>
+            <a:lumOff val="65000"/>
+          </a:schemeClr>
+        </a:solidFill>
+        <a:round/>
+      </a:ln>
+    </cs:spPr>
+  </cs:dropLine>
+  <cs:errorBar>
+    <cs:lnRef idx="0"/>
+    <cs:fillRef idx="0"/>
+    <cs:effectRef idx="0"/>
+    <cs:fontRef idx="minor">
+      <a:schemeClr val="tx1"/>
+    </cs:fontRef>
+    <cs:spPr>
+      <a:ln w="9525" cap="flat" cmpd="sng" algn="ctr">
+        <a:solidFill>
+          <a:schemeClr val="tx1">
+            <a:lumMod val="65000"/>
+            <a:lumOff val="35000"/>
+          </a:schemeClr>
+        </a:solidFill>
+        <a:round/>
+      </a:ln>
+    </cs:spPr>
+  </cs:errorBar>
+  <cs:floor>
+    <cs:lnRef idx="0"/>
+    <cs:fillRef idx="0"/>
+    <cs:effectRef idx="0"/>
+    <cs:fontRef idx="minor">
+      <a:schemeClr val="tx1"/>
+    </cs:fontRef>
+    <cs:spPr>
+      <a:noFill/>
+      <a:ln>
+        <a:noFill/>
+      </a:ln>
+    </cs:spPr>
+  </cs:floor>
+  <cs:gridlineMajor>
+    <cs:lnRef idx="0"/>
+    <cs:fillRef idx="0"/>
+    <cs:effectRef idx="0"/>
+    <cs:fontRef idx="minor">
+      <a:schemeClr val="tx1"/>
+    </cs:fontRef>
+    <cs:spPr>
+      <a:ln w="9525" cap="flat" cmpd="sng" algn="ctr">
+        <a:solidFill>
+          <a:schemeClr val="tx1">
+            <a:lumMod val="15000"/>
+            <a:lumOff val="85000"/>
+          </a:schemeClr>
+        </a:solidFill>
+        <a:round/>
+      </a:ln>
+    </cs:spPr>
+  </cs:gridlineMajor>
+  <cs:gridlineMinor>
+    <cs:lnRef idx="0"/>
+    <cs:fillRef idx="0"/>
+    <cs:effectRef idx="0"/>
+    <cs:fontRef idx="minor">
+      <a:schemeClr val="tx1"/>
+    </cs:fontRef>
+    <cs:spPr>
+      <a:ln w="9525" cap="flat" cmpd="sng" algn="ctr">
+        <a:solidFill>
+          <a:schemeClr val="tx1">
+            <a:lumMod val="5000"/>
+            <a:lumOff val="95000"/>
+          </a:schemeClr>
+        </a:solidFill>
+        <a:round/>
+      </a:ln>
+    </cs:spPr>
+  </cs:gridlineMinor>
+  <cs:hiLoLine>
+    <cs:lnRef idx="0"/>
+    <cs:fillRef idx="0"/>
+    <cs:effectRef idx="0"/>
+    <cs:fontRef idx="minor">
+      <a:schemeClr val="tx1"/>
+    </cs:fontRef>
+    <cs:spPr>
+      <a:ln w="9525" cap="flat" cmpd="sng" algn="ctr">
+        <a:solidFill>
+          <a:schemeClr val="tx1">
+            <a:lumMod val="75000"/>
+            <a:lumOff val="25000"/>
+          </a:schemeClr>
+        </a:solidFill>
+        <a:round/>
+      </a:ln>
+    </cs:spPr>
+  </cs:hiLoLine>
+  <cs:leaderLine>
+    <cs:lnRef idx="0"/>
+    <cs:fillRef idx="0"/>
+    <cs:effectRef idx="0"/>
+    <cs:fontRef idx="minor">
+      <a:schemeClr val="tx1"/>
+    </cs:fontRef>
+    <cs:spPr>
+      <a:ln w="9525" cap="flat" cmpd="sng" algn="ctr">
+        <a:solidFill>
+          <a:schemeClr val="tx1">
+            <a:lumMod val="35000"/>
+            <a:lumOff val="65000"/>
+          </a:schemeClr>
+        </a:solidFill>
+        <a:round/>
+      </a:ln>
+    </cs:spPr>
+  </cs:leaderLine>
+  <cs:legend>
+    <cs:lnRef idx="0"/>
+    <cs:fillRef idx="0"/>
+    <cs:effectRef idx="0"/>
+    <cs:fontRef idx="minor">
+      <a:schemeClr val="tx1">
+        <a:lumMod val="65000"/>
+        <a:lumOff val="35000"/>
+      </a:schemeClr>
+    </cs:fontRef>
+    <cs:defRPr sz="900" kern="1200"/>
+  </cs:legend>
+  <cs:plotArea mods="allowNoFillOverride allowNoLineOverride">
+    <cs:lnRef idx="0"/>
+    <cs:fillRef idx="0"/>
+    <cs:effectRef idx="0"/>
+    <cs:fontRef idx="minor">
+      <a:schemeClr val="tx1"/>
+    </cs:fontRef>
+  </cs:plotArea>
+  <cs:plotArea3D mods="allowNoFillOverride allowNoLineOverride">
+    <cs:lnRef idx="0"/>
+    <cs:fillRef idx="0"/>
+    <cs:effectRef idx="0"/>
+    <cs:fontRef idx="minor">
+      <a:schemeClr val="tx1"/>
+    </cs:fontRef>
+  </cs:plotArea3D>
+  <cs:seriesAxis>
+    <cs:lnRef idx="0"/>
+    <cs:fillRef idx="0"/>
+    <cs:effectRef idx="0"/>
+    <cs:fontRef idx="minor">
+      <a:schemeClr val="tx1">
+        <a:lumMod val="65000"/>
+        <a:lumOff val="35000"/>
+      </a:schemeClr>
+    </cs:fontRef>
+    <cs:defRPr sz="900" kern="1200"/>
+  </cs:seriesAxis>
+  <cs:seriesLine>
+    <cs:lnRef idx="0"/>
+    <cs:fillRef idx="0"/>
+    <cs:effectRef idx="0"/>
+    <cs:fontRef idx="minor">
+      <a:schemeClr val="tx1"/>
+    </cs:fontRef>
+    <cs:spPr>
+      <a:ln w="9525" cap="flat" cmpd="sng" algn="ctr">
+        <a:solidFill>
+          <a:schemeClr val="tx1">
+            <a:lumMod val="35000"/>
+            <a:lumOff val="65000"/>
+          </a:schemeClr>
+        </a:solidFill>
+        <a:round/>
+      </a:ln>
+    </cs:spPr>
+  </cs:seriesLine>
+  <cs:title>
+    <cs:lnRef idx="0"/>
+    <cs:fillRef idx="0"/>
+    <cs:effectRef idx="0"/>
+    <cs:fontRef idx="minor">
+      <a:schemeClr val="tx1">
+        <a:lumMod val="65000"/>
+        <a:lumOff val="35000"/>
+      </a:schemeClr>
+    </cs:fontRef>
+    <cs:defRPr sz="1400" b="0" kern="1200" spc="0" baseline="0"/>
+  </cs:title>
+  <cs:trendline>
+    <cs:lnRef idx="0">
+      <cs:styleClr val="auto"/>
+    </cs:lnRef>
+    <cs:fillRef idx="0"/>
+    <cs:effectRef idx="0"/>
+    <cs:fontRef idx="minor">
+      <a:schemeClr val="tx1"/>
+    </cs:fontRef>
+    <cs:spPr>
+      <a:ln w="19050" cap="rnd">
+        <a:solidFill>
+          <a:schemeClr val="phClr"/>
+        </a:solidFill>
+        <a:prstDash val="sysDot"/>
+      </a:ln>
+    </cs:spPr>
+  </cs:trendline>
+  <cs:trendlineLabel>
+    <cs:lnRef idx="0"/>
+    <cs:fillRef idx="0"/>
+    <cs:effectRef idx="0"/>
+    <cs:fontRef idx="minor">
+      <a:schemeClr val="tx1">
+        <a:lumMod val="65000"/>
+        <a:lumOff val="35000"/>
+      </a:schemeClr>
+    </cs:fontRef>
+    <cs:defRPr sz="900" kern="1200"/>
+  </cs:trendlineLabel>
+  <cs:upBar>
+    <cs:lnRef idx="0"/>
+    <cs:fillRef idx="0"/>
+    <cs:effectRef idx="0"/>
+    <cs:fontRef idx="minor">
+      <a:schemeClr val="dk1"/>
+    </cs:fontRef>
+    <cs:spPr>
+      <a:solidFill>
+        <a:schemeClr val="lt1"/>
+      </a:solidFill>
+      <a:ln w="9525">
+        <a:solidFill>
+          <a:schemeClr val="tx1">
+            <a:lumMod val="15000"/>
+            <a:lumOff val="85000"/>
+          </a:schemeClr>
+        </a:solidFill>
+      </a:ln>
+    </cs:spPr>
+  </cs:upBar>
+  <cs:valueAxis>
+    <cs:lnRef idx="0"/>
+    <cs:fillRef idx="0"/>
+    <cs:effectRef idx="0"/>
+    <cs:fontRef idx="minor">
+      <a:schemeClr val="tx1">
+        <a:lumMod val="65000"/>
+        <a:lumOff val="35000"/>
+      </a:schemeClr>
+    </cs:fontRef>
+    <cs:defRPr sz="900" kern="1200"/>
+  </cs:valueAxis>
+  <cs:wall>
+    <cs:lnRef idx="0"/>
+    <cs:fillRef idx="0"/>
+    <cs:effectRef idx="0"/>
+    <cs:fontRef idx="minor">
+      <a:schemeClr val="tx1"/>
+    </cs:fontRef>
+    <cs:spPr>
+      <a:noFill/>
+      <a:ln>
+        <a:noFill/>
+      </a:ln>
+    </cs:spPr>
+  </cs:wall>
+</cs:chartStyle>
+</file>
+
 <file path=ppt/notesMasters/notesMaster1.xml><?xml version="1.0" encoding="utf-8"?>
 <p:notesMaster xmlns:a="http://schemas.openxmlformats.org/drawingml/2006/main" xmlns:r="http://schemas.openxmlformats.org/officeDocument/2006/relationships" xmlns:p="http://schemas.openxmlformats.org/presentationml/2006/main">
   <p:cSld>
@@ -225,7 +5480,7 @@
             <a:fld id="{35305EB0-020F-4995-961E-A35B2BB78D2B}" type="datetimeFigureOut">
               <a:rPr kumimoji="1" lang="ja-JP" altLang="en-US" smtClean="0"/>
               <a:pPr/>
-              <a:t>2020/9/4</a:t>
+              <a:t>2020/9/7</a:t>
             </a:fld>
             <a:endParaRPr kumimoji="1" lang="ja-JP" altLang="en-US"/>
           </a:p>
@@ -52344,7 +57599,7 @@
 </p:sld>
 </file>
 
-<file path=ppt/slides/slide2.xml><?xml version="1.0" encoding="utf-8"?>
+<file path=ppt/slides/slide10.xml><?xml version="1.0" encoding="utf-8"?>
 <p:sld xmlns:a="http://schemas.openxmlformats.org/drawingml/2006/main" xmlns:r="http://schemas.openxmlformats.org/officeDocument/2006/relationships" xmlns:p="http://schemas.openxmlformats.org/presentationml/2006/main">
   <p:cSld>
     <p:spTree>
@@ -52378,7 +57633,7 @@
           <a:p>
             <a:r>
               <a:rPr lang="ja-JP" altLang="en-US" dirty="0"/>
-              <a:t>趣旨</a:t>
+              <a:t>まとめ</a:t>
             </a:r>
             <a:endParaRPr kumimoji="1" lang="ja-JP" altLang="en-US" dirty="0"/>
           </a:p>
@@ -52401,7 +57656,477 @@
           </a:bodyPr>
           <a:lstStyle/>
           <a:p>
+            <a:r>
+              <a:rPr lang="en-US" altLang="ja-JP" dirty="0"/>
+              <a:t>Hybrid</a:t>
+            </a:r>
+            <a:r>
+              <a:rPr lang="ja-JP" altLang="en-US" dirty="0"/>
+              <a:t>授業での</a:t>
+            </a:r>
+            <a:endParaRPr kumimoji="1" lang="ja-JP" altLang="en-US" dirty="0"/>
+          </a:p>
+        </p:txBody>
+      </p:sp>
+      <p:sp>
+        <p:nvSpPr>
+          <p:cNvPr id="4" name="日付プレースホルダ 3"/>
+          <p:cNvSpPr>
+            <a:spLocks noGrp="1"/>
+          </p:cNvSpPr>
+          <p:nvPr>
+            <p:ph type="dt" sz="half" idx="10"/>
+          </p:nvPr>
+        </p:nvSpPr>
+        <p:spPr/>
+        <p:txBody>
+          <a:bodyPr/>
+          <a:lstStyle/>
+          <a:p>
+            <a:r>
+              <a:rPr kumimoji="1" lang="en-US" altLang="ja-JP"/>
+              <a:t>2020/9/11</a:t>
+            </a:r>
+            <a:endParaRPr kumimoji="1" lang="ja-JP" altLang="en-US"/>
+          </a:p>
+        </p:txBody>
+      </p:sp>
+      <p:sp>
+        <p:nvSpPr>
+          <p:cNvPr id="5" name="フッター プレースホルダ 4"/>
+          <p:cNvSpPr>
+            <a:spLocks noGrp="1"/>
+          </p:cNvSpPr>
+          <p:nvPr>
+            <p:ph type="ftr" sz="quarter" idx="11"/>
+          </p:nvPr>
+        </p:nvSpPr>
+        <p:spPr/>
+        <p:txBody>
+          <a:bodyPr/>
+          <a:lstStyle/>
+          <a:p>
+            <a:r>
+              <a:rPr kumimoji="1" lang="en-US" altLang="ja-JP"/>
+              <a:t>utelecon.github.io</a:t>
+            </a:r>
+            <a:endParaRPr kumimoji="1" lang="ja-JP" altLang="en-US"/>
+          </a:p>
+        </p:txBody>
+      </p:sp>
+      <p:sp>
+        <p:nvSpPr>
+          <p:cNvPr id="6" name="スライド番号プレースホルダ 5"/>
+          <p:cNvSpPr>
+            <a:spLocks noGrp="1"/>
+          </p:cNvSpPr>
+          <p:nvPr>
+            <p:ph type="sldNum" sz="quarter" idx="12"/>
+          </p:nvPr>
+        </p:nvSpPr>
+        <p:spPr/>
+        <p:txBody>
+          <a:bodyPr/>
+          <a:lstStyle/>
+          <a:p>
+            <a:fld id="{EDF77D8D-9987-453A-9A05-EB91CA595C68}" type="slidenum">
+              <a:rPr kumimoji="1" lang="ja-JP" altLang="en-US" smtClean="0"/>
+              <a:pPr/>
+              <a:t>10</a:t>
+            </a:fld>
+            <a:endParaRPr kumimoji="1" lang="ja-JP" altLang="en-US"/>
+          </a:p>
+        </p:txBody>
+      </p:sp>
+    </p:spTree>
+    <p:extLst>
+      <p:ext uri="{BB962C8B-B14F-4D97-AF65-F5344CB8AC3E}">
+        <p14:creationId xmlns:p14="http://schemas.microsoft.com/office/powerpoint/2010/main" val="2300147031"/>
+      </p:ext>
+    </p:extLst>
+  </p:cSld>
+  <p:clrMapOvr>
+    <a:masterClrMapping/>
+  </p:clrMapOvr>
+</p:sld>
+</file>
+
+<file path=ppt/slides/slide11.xml><?xml version="1.0" encoding="utf-8"?>
+<p:sld xmlns:a="http://schemas.openxmlformats.org/drawingml/2006/main" xmlns:r="http://schemas.openxmlformats.org/officeDocument/2006/relationships" xmlns:p="http://schemas.openxmlformats.org/presentationml/2006/main">
+  <p:cSld>
+    <p:spTree>
+      <p:nvGrpSpPr>
+        <p:cNvPr id="1" name=""/>
+        <p:cNvGrpSpPr/>
+        <p:nvPr/>
+      </p:nvGrpSpPr>
+      <p:grpSpPr>
+        <a:xfrm>
+          <a:off x="0" y="0"/>
+          <a:ext cx="0" cy="0"/>
+          <a:chOff x="0" y="0"/>
+          <a:chExt cx="0" cy="0"/>
+        </a:xfrm>
+      </p:grpSpPr>
+      <p:sp>
+        <p:nvSpPr>
+          <p:cNvPr id="2" name="タイトル 1"/>
+          <p:cNvSpPr>
+            <a:spLocks noGrp="1"/>
+          </p:cNvSpPr>
+          <p:nvPr>
+            <p:ph type="title"/>
+          </p:nvPr>
+        </p:nvSpPr>
+        <p:spPr/>
+        <p:txBody>
+          <a:bodyPr/>
+          <a:lstStyle/>
+          <a:p>
+            <a:r>
+              <a:rPr kumimoji="1" lang="en-US" altLang="ja-JP" dirty="0"/>
+              <a:t>Hybrid</a:t>
+            </a:r>
+            <a:r>
+              <a:rPr kumimoji="1" lang="ja-JP" altLang="en-US" dirty="0"/>
+              <a:t>受講の教室について</a:t>
+            </a:r>
+          </a:p>
+        </p:txBody>
+      </p:sp>
+      <p:sp>
+        <p:nvSpPr>
+          <p:cNvPr id="3" name="コンテンツ プレースホルダ 2"/>
+          <p:cNvSpPr>
+            <a:spLocks noGrp="1"/>
+          </p:cNvSpPr>
+          <p:nvPr>
+            <p:ph idx="1"/>
+          </p:nvPr>
+        </p:nvSpPr>
+        <p:spPr/>
+        <p:txBody>
+          <a:bodyPr>
+            <a:normAutofit/>
+          </a:bodyPr>
+          <a:lstStyle/>
+          <a:p>
+            <a:r>
+              <a:rPr lang="en-US" altLang="ja-JP" dirty="0"/>
+              <a:t>Hybrid</a:t>
+            </a:r>
+            <a:r>
+              <a:rPr lang="ja-JP" altLang="en-US" dirty="0"/>
+              <a:t>授業を実施する教室</a:t>
+            </a:r>
+            <a:endParaRPr lang="en-US" altLang="ja-JP" dirty="0"/>
+          </a:p>
+          <a:p>
+            <a:pPr lvl="1"/>
+            <a:r>
+              <a:rPr kumimoji="1" lang="ja-JP" altLang="en-US" dirty="0"/>
+              <a:t>感染症対策</a:t>
+            </a:r>
             <a:endParaRPr kumimoji="1" lang="en-US" altLang="ja-JP" dirty="0"/>
+          </a:p>
+          <a:p>
+            <a:pPr lvl="2"/>
+            <a:r>
+              <a:rPr lang="ja-JP" altLang="en-US" dirty="0"/>
+              <a:t>三密対策された環境</a:t>
+            </a:r>
+            <a:endParaRPr lang="en-US" altLang="ja-JP" dirty="0"/>
+          </a:p>
+          <a:p>
+            <a:pPr lvl="3"/>
+            <a:r>
+              <a:rPr lang="ja-JP" altLang="en-US" dirty="0"/>
+              <a:t>密度、密接（定員と配置）　</a:t>
+            </a:r>
+            <a:endParaRPr lang="en-US" altLang="ja-JP" dirty="0"/>
+          </a:p>
+          <a:p>
+            <a:pPr lvl="3"/>
+            <a:r>
+              <a:rPr lang="ja-JP" altLang="en-US" dirty="0"/>
+              <a:t>密閉（換気）</a:t>
+            </a:r>
+            <a:endParaRPr kumimoji="1" lang="en-US" altLang="ja-JP" dirty="0"/>
+          </a:p>
+          <a:p>
+            <a:pPr lvl="1"/>
+            <a:r>
+              <a:rPr lang="ja-JP" altLang="en-US" dirty="0"/>
+              <a:t>電源設備</a:t>
+            </a:r>
+            <a:endParaRPr lang="en-US" altLang="ja-JP" dirty="0"/>
+          </a:p>
+          <a:p>
+            <a:pPr lvl="2"/>
+            <a:r>
+              <a:rPr lang="ja-JP" altLang="en-US" dirty="0"/>
+              <a:t>受講する機器のための電源環境</a:t>
+            </a:r>
+            <a:endParaRPr lang="en-US" altLang="ja-JP" dirty="0"/>
+          </a:p>
+          <a:p>
+            <a:pPr lvl="1"/>
+            <a:r>
+              <a:rPr lang="en-US" altLang="ja-JP" dirty="0" err="1"/>
+              <a:t>WiFi</a:t>
+            </a:r>
+            <a:r>
+              <a:rPr lang="ja-JP" altLang="en-US" dirty="0"/>
+              <a:t>設備</a:t>
+            </a:r>
+            <a:endParaRPr lang="en-US" altLang="ja-JP" dirty="0"/>
+          </a:p>
+        </p:txBody>
+      </p:sp>
+      <p:sp>
+        <p:nvSpPr>
+          <p:cNvPr id="4" name="日付プレースホルダ 3"/>
+          <p:cNvSpPr>
+            <a:spLocks noGrp="1"/>
+          </p:cNvSpPr>
+          <p:nvPr>
+            <p:ph type="dt" sz="half" idx="10"/>
+          </p:nvPr>
+        </p:nvSpPr>
+        <p:spPr/>
+        <p:txBody>
+          <a:bodyPr/>
+          <a:lstStyle/>
+          <a:p>
+            <a:r>
+              <a:rPr kumimoji="1" lang="en-US" altLang="ja-JP"/>
+              <a:t>2020/9/11</a:t>
+            </a:r>
+            <a:endParaRPr kumimoji="1" lang="ja-JP" altLang="en-US"/>
+          </a:p>
+        </p:txBody>
+      </p:sp>
+      <p:sp>
+        <p:nvSpPr>
+          <p:cNvPr id="5" name="フッター プレースホルダ 4"/>
+          <p:cNvSpPr>
+            <a:spLocks noGrp="1"/>
+          </p:cNvSpPr>
+          <p:nvPr>
+            <p:ph type="ftr" sz="quarter" idx="11"/>
+          </p:nvPr>
+        </p:nvSpPr>
+        <p:spPr/>
+        <p:txBody>
+          <a:bodyPr/>
+          <a:lstStyle/>
+          <a:p>
+            <a:r>
+              <a:rPr kumimoji="1" lang="en-US" altLang="ja-JP"/>
+              <a:t>utelecon.github.io</a:t>
+            </a:r>
+            <a:endParaRPr kumimoji="1" lang="ja-JP" altLang="en-US"/>
+          </a:p>
+        </p:txBody>
+      </p:sp>
+      <p:sp>
+        <p:nvSpPr>
+          <p:cNvPr id="6" name="スライド番号プレースホルダ 5"/>
+          <p:cNvSpPr>
+            <a:spLocks noGrp="1"/>
+          </p:cNvSpPr>
+          <p:nvPr>
+            <p:ph type="sldNum" sz="quarter" idx="12"/>
+          </p:nvPr>
+        </p:nvSpPr>
+        <p:spPr/>
+        <p:txBody>
+          <a:bodyPr/>
+          <a:lstStyle/>
+          <a:p>
+            <a:fld id="{EDF77D8D-9987-453A-9A05-EB91CA595C68}" type="slidenum">
+              <a:rPr kumimoji="1" lang="ja-JP" altLang="en-US" smtClean="0"/>
+              <a:pPr/>
+              <a:t>11</a:t>
+            </a:fld>
+            <a:endParaRPr kumimoji="1" lang="ja-JP" altLang="en-US"/>
+          </a:p>
+        </p:txBody>
+      </p:sp>
+    </p:spTree>
+    <p:extLst>
+      <p:ext uri="{BB962C8B-B14F-4D97-AF65-F5344CB8AC3E}">
+        <p14:creationId xmlns:p14="http://schemas.microsoft.com/office/powerpoint/2010/main" val="1253208338"/>
+      </p:ext>
+    </p:extLst>
+  </p:cSld>
+  <p:clrMapOvr>
+    <a:masterClrMapping/>
+  </p:clrMapOvr>
+</p:sld>
+</file>
+
+<file path=ppt/slides/slide2.xml><?xml version="1.0" encoding="utf-8"?>
+<p:sld xmlns:a="http://schemas.openxmlformats.org/drawingml/2006/main" xmlns:r="http://schemas.openxmlformats.org/officeDocument/2006/relationships" xmlns:p="http://schemas.openxmlformats.org/presentationml/2006/main">
+  <p:cSld>
+    <p:spTree>
+      <p:nvGrpSpPr>
+        <p:cNvPr id="1" name=""/>
+        <p:cNvGrpSpPr/>
+        <p:nvPr/>
+      </p:nvGrpSpPr>
+      <p:grpSpPr>
+        <a:xfrm>
+          <a:off x="0" y="0"/>
+          <a:ext cx="0" cy="0"/>
+          <a:chOff x="0" y="0"/>
+          <a:chExt cx="0" cy="0"/>
+        </a:xfrm>
+      </p:grpSpPr>
+      <p:sp>
+        <p:nvSpPr>
+          <p:cNvPr id="2" name="タイトル 1"/>
+          <p:cNvSpPr>
+            <a:spLocks noGrp="1"/>
+          </p:cNvSpPr>
+          <p:nvPr>
+            <p:ph type="title"/>
+          </p:nvPr>
+        </p:nvSpPr>
+        <p:spPr/>
+        <p:txBody>
+          <a:bodyPr>
+            <a:normAutofit/>
+          </a:bodyPr>
+          <a:lstStyle/>
+          <a:p>
+            <a:r>
+              <a:rPr kumimoji="1" lang="en-US" altLang="ja-JP" dirty="0"/>
+              <a:t>Hybrid</a:t>
+            </a:r>
+            <a:r>
+              <a:rPr kumimoji="1" lang="ja-JP" altLang="en-US" dirty="0"/>
+              <a:t>授業で</a:t>
+            </a:r>
+            <a:r>
+              <a:rPr kumimoji="1" lang="en-US" altLang="ja-JP" dirty="0" err="1"/>
+              <a:t>WiFi</a:t>
+            </a:r>
+            <a:r>
+              <a:rPr kumimoji="1" lang="ja-JP" altLang="en-US" dirty="0"/>
+              <a:t>を活用する</a:t>
+            </a:r>
+          </a:p>
+        </p:txBody>
+      </p:sp>
+      <p:sp>
+        <p:nvSpPr>
+          <p:cNvPr id="3" name="コンテンツ プレースホルダ 2"/>
+          <p:cNvSpPr>
+            <a:spLocks noGrp="1"/>
+          </p:cNvSpPr>
+          <p:nvPr>
+            <p:ph idx="1"/>
+          </p:nvPr>
+        </p:nvSpPr>
+        <p:spPr/>
+        <p:txBody>
+          <a:bodyPr>
+            <a:normAutofit/>
+          </a:bodyPr>
+          <a:lstStyle/>
+          <a:p>
+            <a:r>
+              <a:rPr kumimoji="1" lang="en-US" altLang="ja-JP" dirty="0" err="1"/>
+              <a:t>UTokyo</a:t>
+            </a:r>
+            <a:r>
+              <a:rPr kumimoji="1" lang="en-US" altLang="ja-JP" dirty="0"/>
+              <a:t> </a:t>
+            </a:r>
+            <a:r>
+              <a:rPr kumimoji="1" lang="en-US" altLang="ja-JP" dirty="0" err="1"/>
+              <a:t>WiFi</a:t>
+            </a:r>
+            <a:endParaRPr kumimoji="1" lang="en-US" altLang="ja-JP" dirty="0"/>
+          </a:p>
+          <a:p>
+            <a:r>
+              <a:rPr lang="en-US" altLang="ja-JP" dirty="0" err="1"/>
+              <a:t>WiFi</a:t>
+            </a:r>
+            <a:r>
+              <a:rPr lang="en-US" altLang="ja-JP" dirty="0"/>
+              <a:t> </a:t>
+            </a:r>
+            <a:r>
+              <a:rPr lang="ja-JP" altLang="en-US" dirty="0"/>
+              <a:t>を活用する際の問題</a:t>
+            </a:r>
+            <a:endParaRPr kumimoji="1" lang="en-US" altLang="ja-JP" dirty="0"/>
+          </a:p>
+          <a:p>
+            <a:r>
+              <a:rPr kumimoji="1" lang="en-US" altLang="ja-JP" dirty="0"/>
+              <a:t>Hybrid</a:t>
+            </a:r>
+            <a:r>
+              <a:rPr kumimoji="1" lang="ja-JP" altLang="en-US" dirty="0"/>
+              <a:t>授業</a:t>
+            </a:r>
+            <a:r>
+              <a:rPr lang="ja-JP" altLang="en-US" dirty="0"/>
+              <a:t>を教室で受講するためのルール</a:t>
+            </a:r>
+            <a:endParaRPr lang="en-US" altLang="ja-JP" dirty="0"/>
+          </a:p>
+          <a:p>
+            <a:pPr lvl="1"/>
+            <a:r>
+              <a:rPr kumimoji="1" lang="ja-JP" altLang="en-US" dirty="0"/>
+              <a:t>先生方が</a:t>
+            </a:r>
+            <a:r>
+              <a:rPr kumimoji="1" lang="en-US" altLang="ja-JP" dirty="0" err="1"/>
+              <a:t>WiFi</a:t>
+            </a:r>
+            <a:r>
+              <a:rPr kumimoji="1" lang="ja-JP" altLang="en-US" dirty="0"/>
+              <a:t>を使って講義する</a:t>
+            </a:r>
+            <a:endParaRPr kumimoji="1" lang="en-US" altLang="ja-JP" dirty="0"/>
+          </a:p>
+          <a:p>
+            <a:pPr lvl="1"/>
+            <a:r>
+              <a:rPr lang="ja-JP" altLang="en-US" b="1" dirty="0"/>
+              <a:t>学生が</a:t>
+            </a:r>
+            <a:r>
+              <a:rPr lang="en-US" altLang="ja-JP" b="1" dirty="0" err="1"/>
+              <a:t>WiFi</a:t>
+            </a:r>
+            <a:r>
+              <a:rPr lang="ja-JP" altLang="en-US" b="1" dirty="0"/>
+              <a:t>を使って受講する</a:t>
+            </a:r>
+            <a:endParaRPr lang="en-US" altLang="ja-JP" b="1" dirty="0"/>
+          </a:p>
+          <a:p>
+            <a:pPr lvl="2"/>
+            <a:r>
+              <a:rPr kumimoji="1" lang="ja-JP" altLang="en-US" b="1" dirty="0"/>
+              <a:t>問題が起こらないようにするにはどうするか</a:t>
+            </a:r>
+            <a:endParaRPr kumimoji="1" lang="en-US" altLang="ja-JP" b="1" dirty="0"/>
+          </a:p>
+          <a:p>
+            <a:pPr lvl="2"/>
+            <a:r>
+              <a:rPr kumimoji="1" lang="ja-JP" altLang="en-US" b="1" dirty="0"/>
+              <a:t>問題が起こった時にどのように対処するか</a:t>
+            </a:r>
+            <a:endParaRPr kumimoji="1" lang="en-US" altLang="ja-JP" b="1" dirty="0"/>
           </a:p>
         </p:txBody>
       </p:sp>
@@ -52484,6 +58209,1629 @@
 </file>
 
 <file path=ppt/slides/slide3.xml><?xml version="1.0" encoding="utf-8"?>
+<p:sld xmlns:a="http://schemas.openxmlformats.org/drawingml/2006/main" xmlns:r="http://schemas.openxmlformats.org/officeDocument/2006/relationships" xmlns:p="http://schemas.openxmlformats.org/presentationml/2006/main">
+  <p:cSld>
+    <p:spTree>
+      <p:nvGrpSpPr>
+        <p:cNvPr id="1" name=""/>
+        <p:cNvGrpSpPr/>
+        <p:nvPr/>
+      </p:nvGrpSpPr>
+      <p:grpSpPr>
+        <a:xfrm>
+          <a:off x="0" y="0"/>
+          <a:ext cx="0" cy="0"/>
+          <a:chOff x="0" y="0"/>
+          <a:chExt cx="0" cy="0"/>
+        </a:xfrm>
+      </p:grpSpPr>
+      <p:sp>
+        <p:nvSpPr>
+          <p:cNvPr id="2" name="タイトル 1"/>
+          <p:cNvSpPr>
+            <a:spLocks noGrp="1"/>
+          </p:cNvSpPr>
+          <p:nvPr>
+            <p:ph type="title"/>
+          </p:nvPr>
+        </p:nvSpPr>
+        <p:spPr/>
+        <p:txBody>
+          <a:bodyPr/>
+          <a:lstStyle/>
+          <a:p>
+            <a:r>
+              <a:rPr kumimoji="1" lang="en-US" altLang="ja-JP" dirty="0" err="1"/>
+              <a:t>UTokyo</a:t>
+            </a:r>
+            <a:r>
+              <a:rPr kumimoji="1" lang="en-US" altLang="ja-JP" dirty="0"/>
+              <a:t> </a:t>
+            </a:r>
+            <a:r>
+              <a:rPr kumimoji="1" lang="en-US" altLang="ja-JP" dirty="0" err="1"/>
+              <a:t>WiFi</a:t>
+            </a:r>
+            <a:endParaRPr kumimoji="1" lang="ja-JP" altLang="en-US" dirty="0"/>
+          </a:p>
+        </p:txBody>
+      </p:sp>
+      <p:sp>
+        <p:nvSpPr>
+          <p:cNvPr id="3" name="コンテンツ プレースホルダ 2"/>
+          <p:cNvSpPr>
+            <a:spLocks noGrp="1"/>
+          </p:cNvSpPr>
+          <p:nvPr>
+            <p:ph idx="1"/>
+          </p:nvPr>
+        </p:nvSpPr>
+        <p:spPr/>
+        <p:txBody>
+          <a:bodyPr>
+            <a:normAutofit fontScale="92500" lnSpcReduction="10000"/>
+          </a:bodyPr>
+          <a:lstStyle/>
+          <a:p>
+            <a:r>
+              <a:rPr lang="en-US" altLang="ja-JP" dirty="0" err="1"/>
+              <a:t>UTokyo</a:t>
+            </a:r>
+            <a:r>
+              <a:rPr lang="ja-JP" altLang="en-US" dirty="0"/>
+              <a:t> </a:t>
+            </a:r>
+            <a:r>
+              <a:rPr lang="en-US" altLang="ja-JP" dirty="0"/>
+              <a:t>Account</a:t>
+            </a:r>
+            <a:r>
+              <a:rPr lang="ja-JP" altLang="en-US" dirty="0"/>
+              <a:t> を持っている構成員が利用できる学内</a:t>
+            </a:r>
+            <a:r>
+              <a:rPr lang="en-US" altLang="ja-JP" dirty="0" err="1"/>
+              <a:t>WiFi</a:t>
+            </a:r>
+            <a:endParaRPr lang="en-US" altLang="ja-JP" dirty="0"/>
+          </a:p>
+          <a:p>
+            <a:pPr lvl="1"/>
+            <a:r>
+              <a:rPr lang="ja-JP" altLang="en-US" dirty="0"/>
+              <a:t>電子ジャーナル、業務システムなども利用可</a:t>
+            </a:r>
+            <a:endParaRPr lang="en-US" altLang="ja-JP" dirty="0"/>
+          </a:p>
+          <a:p>
+            <a:pPr lvl="1"/>
+            <a:r>
+              <a:rPr lang="en-US" altLang="ja-JP" dirty="0" err="1"/>
+              <a:t>UTokyo</a:t>
+            </a:r>
+            <a:r>
+              <a:rPr lang="en-US" altLang="ja-JP" dirty="0"/>
+              <a:t> </a:t>
+            </a:r>
+            <a:r>
+              <a:rPr lang="en-US" altLang="ja-JP" dirty="0" err="1"/>
+              <a:t>WiFi</a:t>
+            </a:r>
+            <a:r>
+              <a:rPr lang="en-US" altLang="ja-JP" dirty="0"/>
+              <a:t> </a:t>
+            </a:r>
+            <a:r>
+              <a:rPr lang="ja-JP" altLang="en-US" dirty="0"/>
+              <a:t>アカウントを取得してください</a:t>
+            </a:r>
+            <a:endParaRPr lang="en-US" altLang="ja-JP" dirty="0"/>
+          </a:p>
+          <a:p>
+            <a:pPr lvl="2"/>
+            <a:r>
+              <a:rPr lang="en-US" altLang="ja-JP" dirty="0"/>
+              <a:t> </a:t>
+            </a:r>
+            <a:r>
+              <a:rPr lang="en-US" altLang="ja-JP" dirty="0">
+                <a:hlinkClick r:id="rId2"/>
+              </a:rPr>
+              <a:t>https://www.u-tokyo.ac.jp/adm/dics/ja/wifi.html</a:t>
+            </a:r>
+            <a:endParaRPr lang="en-US" altLang="ja-JP" dirty="0"/>
+          </a:p>
+          <a:p>
+            <a:pPr lvl="2"/>
+            <a:r>
+              <a:rPr lang="ja-JP" altLang="en-US" dirty="0"/>
+              <a:t>本年度は</a:t>
+            </a:r>
+            <a:r>
+              <a:rPr lang="en-US" altLang="ja-JP" dirty="0"/>
+              <a:t> s20xxxxx </a:t>
+            </a:r>
+            <a:r>
+              <a:rPr lang="ja-JP" altLang="en-US" dirty="0"/>
+              <a:t>というアカウントです。</a:t>
+            </a:r>
+            <a:endParaRPr lang="en-US" altLang="ja-JP" dirty="0"/>
+          </a:p>
+          <a:p>
+            <a:r>
+              <a:rPr lang="en-US" altLang="ja-JP" dirty="0" err="1"/>
+              <a:t>UTokyo</a:t>
+            </a:r>
+            <a:r>
+              <a:rPr lang="en-US" altLang="ja-JP" dirty="0"/>
+              <a:t> </a:t>
+            </a:r>
+            <a:r>
+              <a:rPr lang="en-US" altLang="ja-JP" dirty="0" err="1"/>
+              <a:t>WiFi</a:t>
+            </a:r>
+            <a:endParaRPr lang="en-US" altLang="ja-JP" dirty="0"/>
+          </a:p>
+          <a:p>
+            <a:pPr lvl="1"/>
+            <a:r>
+              <a:rPr lang="ja-JP" altLang="en-US" dirty="0"/>
+              <a:t>全学共通のサービス</a:t>
+            </a:r>
+            <a:endParaRPr lang="en-US" altLang="ja-JP" dirty="0"/>
+          </a:p>
+          <a:p>
+            <a:pPr lvl="1"/>
+            <a:r>
+              <a:rPr lang="ja-JP" altLang="en-US" dirty="0"/>
+              <a:t>基地局</a:t>
+            </a:r>
+            <a:r>
+              <a:rPr lang="en-US" altLang="ja-JP" dirty="0"/>
+              <a:t>(AP)</a:t>
+            </a:r>
+            <a:r>
+              <a:rPr lang="ja-JP" altLang="en-US" dirty="0"/>
+              <a:t>は、大学が整備　と　部局が整備　したものとがある</a:t>
+            </a:r>
+            <a:r>
+              <a:rPr lang="en-US" altLang="ja-JP" dirty="0"/>
+              <a:t> </a:t>
+            </a:r>
+            <a:endParaRPr kumimoji="1" lang="ja-JP" altLang="en-US" dirty="0"/>
+          </a:p>
+        </p:txBody>
+      </p:sp>
+      <p:sp>
+        <p:nvSpPr>
+          <p:cNvPr id="4" name="日付プレースホルダ 3"/>
+          <p:cNvSpPr>
+            <a:spLocks noGrp="1"/>
+          </p:cNvSpPr>
+          <p:nvPr>
+            <p:ph type="dt" sz="half" idx="10"/>
+          </p:nvPr>
+        </p:nvSpPr>
+        <p:spPr/>
+        <p:txBody>
+          <a:bodyPr/>
+          <a:lstStyle/>
+          <a:p>
+            <a:r>
+              <a:rPr kumimoji="1" lang="en-US" altLang="ja-JP"/>
+              <a:t>2020/9/11</a:t>
+            </a:r>
+            <a:endParaRPr kumimoji="1" lang="ja-JP" altLang="en-US"/>
+          </a:p>
+        </p:txBody>
+      </p:sp>
+      <p:sp>
+        <p:nvSpPr>
+          <p:cNvPr id="5" name="フッター プレースホルダ 4"/>
+          <p:cNvSpPr>
+            <a:spLocks noGrp="1"/>
+          </p:cNvSpPr>
+          <p:nvPr>
+            <p:ph type="ftr" sz="quarter" idx="11"/>
+          </p:nvPr>
+        </p:nvSpPr>
+        <p:spPr/>
+        <p:txBody>
+          <a:bodyPr/>
+          <a:lstStyle/>
+          <a:p>
+            <a:r>
+              <a:rPr kumimoji="1" lang="en-US" altLang="ja-JP"/>
+              <a:t>utelecon.github.io</a:t>
+            </a:r>
+            <a:endParaRPr kumimoji="1" lang="ja-JP" altLang="en-US"/>
+          </a:p>
+        </p:txBody>
+      </p:sp>
+      <p:sp>
+        <p:nvSpPr>
+          <p:cNvPr id="6" name="スライド番号プレースホルダ 5"/>
+          <p:cNvSpPr>
+            <a:spLocks noGrp="1"/>
+          </p:cNvSpPr>
+          <p:nvPr>
+            <p:ph type="sldNum" sz="quarter" idx="12"/>
+          </p:nvPr>
+        </p:nvSpPr>
+        <p:spPr/>
+        <p:txBody>
+          <a:bodyPr/>
+          <a:lstStyle/>
+          <a:p>
+            <a:fld id="{EDF77D8D-9987-453A-9A05-EB91CA595C68}" type="slidenum">
+              <a:rPr kumimoji="1" lang="ja-JP" altLang="en-US" smtClean="0"/>
+              <a:pPr/>
+              <a:t>3</a:t>
+            </a:fld>
+            <a:endParaRPr kumimoji="1" lang="ja-JP" altLang="en-US"/>
+          </a:p>
+        </p:txBody>
+      </p:sp>
+    </p:spTree>
+    <p:extLst>
+      <p:ext uri="{BB962C8B-B14F-4D97-AF65-F5344CB8AC3E}">
+        <p14:creationId xmlns:p14="http://schemas.microsoft.com/office/powerpoint/2010/main" val="2030149655"/>
+      </p:ext>
+    </p:extLst>
+  </p:cSld>
+  <p:clrMapOvr>
+    <a:masterClrMapping/>
+  </p:clrMapOvr>
+</p:sld>
+</file>
+
+<file path=ppt/slides/slide4.xml><?xml version="1.0" encoding="utf-8"?>
+<p:sld xmlns:a="http://schemas.openxmlformats.org/drawingml/2006/main" xmlns:r="http://schemas.openxmlformats.org/officeDocument/2006/relationships" xmlns:p="http://schemas.openxmlformats.org/presentationml/2006/main">
+  <p:cSld>
+    <p:spTree>
+      <p:nvGrpSpPr>
+        <p:cNvPr id="1" name=""/>
+        <p:cNvGrpSpPr/>
+        <p:nvPr/>
+      </p:nvGrpSpPr>
+      <p:grpSpPr>
+        <a:xfrm>
+          <a:off x="0" y="0"/>
+          <a:ext cx="0" cy="0"/>
+          <a:chOff x="0" y="0"/>
+          <a:chExt cx="0" cy="0"/>
+        </a:xfrm>
+      </p:grpSpPr>
+      <p:sp>
+        <p:nvSpPr>
+          <p:cNvPr id="2" name="タイトル 1"/>
+          <p:cNvSpPr>
+            <a:spLocks noGrp="1"/>
+          </p:cNvSpPr>
+          <p:nvPr>
+            <p:ph type="title"/>
+          </p:nvPr>
+        </p:nvSpPr>
+        <p:spPr/>
+        <p:txBody>
+          <a:bodyPr/>
+          <a:lstStyle/>
+          <a:p>
+            <a:r>
+              <a:rPr lang="en-US" altLang="ja-JP" dirty="0" err="1"/>
+              <a:t>WiFi</a:t>
+            </a:r>
+            <a:r>
+              <a:rPr lang="ja-JP" altLang="en-US" dirty="0"/>
+              <a:t>を活用するときの問題</a:t>
+            </a:r>
+            <a:endParaRPr kumimoji="1" lang="ja-JP" altLang="en-US" dirty="0"/>
+          </a:p>
+        </p:txBody>
+      </p:sp>
+      <p:sp>
+        <p:nvSpPr>
+          <p:cNvPr id="3" name="コンテンツ プレースホルダ 2"/>
+          <p:cNvSpPr>
+            <a:spLocks noGrp="1"/>
+          </p:cNvSpPr>
+          <p:nvPr>
+            <p:ph idx="1"/>
+          </p:nvPr>
+        </p:nvSpPr>
+        <p:spPr/>
+        <p:txBody>
+          <a:bodyPr>
+            <a:normAutofit fontScale="92500" lnSpcReduction="10000"/>
+          </a:bodyPr>
+          <a:lstStyle/>
+          <a:p>
+            <a:r>
+              <a:rPr lang="ja-JP" altLang="en-US" dirty="0"/>
+              <a:t>基地局</a:t>
+            </a:r>
+            <a:r>
+              <a:rPr lang="en-US" altLang="ja-JP" dirty="0"/>
+              <a:t>(AP)</a:t>
+            </a:r>
+            <a:r>
+              <a:rPr lang="ja-JP" altLang="en-US" dirty="0"/>
+              <a:t>の整備とクライアントの問題</a:t>
+            </a:r>
+            <a:endParaRPr lang="en-US" altLang="ja-JP" dirty="0"/>
+          </a:p>
+          <a:p>
+            <a:pPr lvl="1"/>
+            <a:r>
+              <a:rPr kumimoji="1" lang="ja-JP" altLang="en-US" dirty="0"/>
+              <a:t>基地局の場所</a:t>
+            </a:r>
+            <a:endParaRPr kumimoji="1" lang="en-US" altLang="ja-JP" dirty="0"/>
+          </a:p>
+          <a:p>
+            <a:pPr lvl="2"/>
+            <a:r>
+              <a:rPr lang="ja-JP" altLang="en-US" dirty="0"/>
+              <a:t>大学整備</a:t>
+            </a:r>
+            <a:r>
+              <a:rPr lang="en-US" altLang="ja-JP" dirty="0"/>
+              <a:t>AP</a:t>
+            </a:r>
+            <a:r>
+              <a:rPr lang="ja-JP" altLang="en-US" dirty="0"/>
+              <a:t>と部局整備</a:t>
+            </a:r>
+            <a:r>
+              <a:rPr lang="en-US" altLang="ja-JP" dirty="0"/>
+              <a:t>AP</a:t>
+            </a:r>
+            <a:r>
+              <a:rPr lang="ja-JP" altLang="en-US" dirty="0"/>
+              <a:t>のまとまった情報提供ができていない</a:t>
+            </a:r>
+            <a:endParaRPr kumimoji="1" lang="en-US" altLang="ja-JP" dirty="0"/>
+          </a:p>
+          <a:p>
+            <a:pPr lvl="1"/>
+            <a:r>
+              <a:rPr kumimoji="1" lang="ja-JP" altLang="en-US" dirty="0"/>
+              <a:t>基地局の整備</a:t>
+            </a:r>
+            <a:endParaRPr kumimoji="1" lang="en-US" altLang="ja-JP" dirty="0"/>
+          </a:p>
+          <a:p>
+            <a:pPr lvl="2"/>
+            <a:r>
+              <a:rPr lang="ja-JP" altLang="en-US" dirty="0"/>
+              <a:t>大学整備は教室定員</a:t>
+            </a:r>
+            <a:r>
+              <a:rPr lang="en-US" altLang="ja-JP" dirty="0"/>
+              <a:t>50</a:t>
+            </a:r>
+            <a:r>
+              <a:rPr lang="ja-JP" altLang="en-US" dirty="0"/>
+              <a:t>名あたり１</a:t>
+            </a:r>
+            <a:r>
+              <a:rPr lang="en-US" altLang="ja-JP" dirty="0"/>
+              <a:t>AP</a:t>
+            </a:r>
+            <a:endParaRPr kumimoji="1" lang="en-US" altLang="ja-JP" dirty="0"/>
+          </a:p>
+          <a:p>
+            <a:pPr lvl="1"/>
+            <a:r>
+              <a:rPr lang="en-US" altLang="ja-JP" dirty="0" err="1"/>
+              <a:t>WiFi</a:t>
+            </a:r>
+            <a:r>
+              <a:rPr lang="ja-JP" altLang="en-US" dirty="0"/>
+              <a:t>トラブルシューティングの問題</a:t>
+            </a:r>
+            <a:endParaRPr lang="en-US" altLang="ja-JP" dirty="0"/>
+          </a:p>
+          <a:p>
+            <a:pPr lvl="2"/>
+            <a:r>
+              <a:rPr lang="ja-JP" altLang="en-US" dirty="0"/>
+              <a:t>多くの原因はクライアント</a:t>
+            </a:r>
+            <a:r>
+              <a:rPr lang="en-US" altLang="ja-JP" dirty="0"/>
+              <a:t>PC</a:t>
+            </a:r>
+            <a:r>
+              <a:rPr lang="ja-JP" altLang="en-US" dirty="0"/>
+              <a:t>の振る舞いによる</a:t>
+            </a:r>
+            <a:endParaRPr lang="en-US" altLang="ja-JP" dirty="0"/>
+          </a:p>
+          <a:p>
+            <a:pPr lvl="3"/>
+            <a:r>
+              <a:rPr lang="ja-JP" altLang="en-US" dirty="0"/>
+              <a:t>どの</a:t>
+            </a:r>
+            <a:r>
+              <a:rPr lang="en-US" altLang="ja-JP" dirty="0"/>
+              <a:t>AP</a:t>
+            </a:r>
+            <a:r>
+              <a:rPr lang="ja-JP" altLang="en-US" dirty="0"/>
+              <a:t>につなぐ、</a:t>
+            </a:r>
+            <a:r>
+              <a:rPr lang="en-US" altLang="ja-JP" dirty="0"/>
+              <a:t>AP</a:t>
+            </a:r>
+            <a:r>
+              <a:rPr lang="ja-JP" altLang="en-US" dirty="0"/>
+              <a:t>の接続切り替えをする</a:t>
+            </a:r>
+            <a:r>
+              <a:rPr lang="en-US" altLang="ja-JP" dirty="0"/>
+              <a:t>…</a:t>
+            </a:r>
+            <a:r>
+              <a:rPr lang="ja-JP" altLang="en-US" dirty="0"/>
+              <a:t>　など</a:t>
+            </a:r>
+            <a:endParaRPr lang="en-US" altLang="ja-JP" dirty="0"/>
+          </a:p>
+          <a:p>
+            <a:pPr lvl="2"/>
+            <a:r>
+              <a:rPr kumimoji="1" lang="ja-JP" altLang="en-US" dirty="0"/>
+              <a:t>オンラインでのトラブルシューティングが難しい</a:t>
+            </a:r>
+            <a:endParaRPr kumimoji="1" lang="en-US" altLang="ja-JP" dirty="0"/>
+          </a:p>
+          <a:p>
+            <a:pPr lvl="3"/>
+            <a:r>
+              <a:rPr kumimoji="1" lang="ja-JP" altLang="en-US" dirty="0"/>
+              <a:t>対面でのサポート提供を検討しています</a:t>
+            </a:r>
+          </a:p>
+        </p:txBody>
+      </p:sp>
+      <p:sp>
+        <p:nvSpPr>
+          <p:cNvPr id="4" name="日付プレースホルダ 3"/>
+          <p:cNvSpPr>
+            <a:spLocks noGrp="1"/>
+          </p:cNvSpPr>
+          <p:nvPr>
+            <p:ph type="dt" sz="half" idx="10"/>
+          </p:nvPr>
+        </p:nvSpPr>
+        <p:spPr/>
+        <p:txBody>
+          <a:bodyPr/>
+          <a:lstStyle/>
+          <a:p>
+            <a:r>
+              <a:rPr kumimoji="1" lang="en-US" altLang="ja-JP"/>
+              <a:t>2020/9/11</a:t>
+            </a:r>
+            <a:endParaRPr kumimoji="1" lang="ja-JP" altLang="en-US"/>
+          </a:p>
+        </p:txBody>
+      </p:sp>
+      <p:sp>
+        <p:nvSpPr>
+          <p:cNvPr id="5" name="フッター プレースホルダ 4"/>
+          <p:cNvSpPr>
+            <a:spLocks noGrp="1"/>
+          </p:cNvSpPr>
+          <p:nvPr>
+            <p:ph type="ftr" sz="quarter" idx="11"/>
+          </p:nvPr>
+        </p:nvSpPr>
+        <p:spPr/>
+        <p:txBody>
+          <a:bodyPr/>
+          <a:lstStyle/>
+          <a:p>
+            <a:r>
+              <a:rPr kumimoji="1" lang="en-US" altLang="ja-JP"/>
+              <a:t>utelecon.github.io</a:t>
+            </a:r>
+            <a:endParaRPr kumimoji="1" lang="ja-JP" altLang="en-US"/>
+          </a:p>
+        </p:txBody>
+      </p:sp>
+      <p:sp>
+        <p:nvSpPr>
+          <p:cNvPr id="6" name="スライド番号プレースホルダ 5"/>
+          <p:cNvSpPr>
+            <a:spLocks noGrp="1"/>
+          </p:cNvSpPr>
+          <p:nvPr>
+            <p:ph type="sldNum" sz="quarter" idx="12"/>
+          </p:nvPr>
+        </p:nvSpPr>
+        <p:spPr/>
+        <p:txBody>
+          <a:bodyPr/>
+          <a:lstStyle/>
+          <a:p>
+            <a:fld id="{EDF77D8D-9987-453A-9A05-EB91CA595C68}" type="slidenum">
+              <a:rPr kumimoji="1" lang="ja-JP" altLang="en-US" smtClean="0"/>
+              <a:pPr/>
+              <a:t>4</a:t>
+            </a:fld>
+            <a:endParaRPr kumimoji="1" lang="ja-JP" altLang="en-US"/>
+          </a:p>
+        </p:txBody>
+      </p:sp>
+    </p:spTree>
+  </p:cSld>
+  <p:clrMapOvr>
+    <a:masterClrMapping/>
+  </p:clrMapOvr>
+</p:sld>
+</file>
+
+<file path=ppt/slides/slide5.xml><?xml version="1.0" encoding="utf-8"?>
+<p:sld xmlns:a="http://schemas.openxmlformats.org/drawingml/2006/main" xmlns:r="http://schemas.openxmlformats.org/officeDocument/2006/relationships" xmlns:p="http://schemas.openxmlformats.org/presentationml/2006/main">
+  <p:cSld>
+    <p:spTree>
+      <p:nvGrpSpPr>
+        <p:cNvPr id="1" name=""/>
+        <p:cNvGrpSpPr/>
+        <p:nvPr/>
+      </p:nvGrpSpPr>
+      <p:grpSpPr>
+        <a:xfrm>
+          <a:off x="0" y="0"/>
+          <a:ext cx="0" cy="0"/>
+          <a:chOff x="0" y="0"/>
+          <a:chExt cx="0" cy="0"/>
+        </a:xfrm>
+      </p:grpSpPr>
+      <p:sp>
+        <p:nvSpPr>
+          <p:cNvPr id="2" name="タイトル 1"/>
+          <p:cNvSpPr>
+            <a:spLocks noGrp="1"/>
+          </p:cNvSpPr>
+          <p:nvPr>
+            <p:ph type="title"/>
+          </p:nvPr>
+        </p:nvSpPr>
+        <p:spPr/>
+        <p:txBody>
+          <a:bodyPr/>
+          <a:lstStyle/>
+          <a:p>
+            <a:r>
+              <a:rPr kumimoji="1" lang="en-US" altLang="ja-JP" dirty="0"/>
+              <a:t>Hybrid</a:t>
+            </a:r>
+            <a:r>
+              <a:rPr kumimoji="1" lang="ja-JP" altLang="en-US" dirty="0"/>
+              <a:t>授業</a:t>
+            </a:r>
+            <a:r>
+              <a:rPr kumimoji="1" lang="en-US" altLang="ja-JP" dirty="0" err="1"/>
+              <a:t>WiFi</a:t>
+            </a:r>
+            <a:r>
+              <a:rPr kumimoji="1" lang="ja-JP" altLang="en-US" dirty="0"/>
+              <a:t>テスト</a:t>
+            </a:r>
+            <a:r>
+              <a:rPr kumimoji="1" lang="en-US" altLang="ja-JP" dirty="0"/>
+              <a:t>@</a:t>
+            </a:r>
+            <a:r>
+              <a:rPr kumimoji="1" lang="ja-JP" altLang="en-US" dirty="0"/>
+              <a:t>駒場</a:t>
+            </a:r>
+          </a:p>
+        </p:txBody>
+      </p:sp>
+      <p:sp>
+        <p:nvSpPr>
+          <p:cNvPr id="3" name="コンテンツ プレースホルダ 2"/>
+          <p:cNvSpPr>
+            <a:spLocks noGrp="1"/>
+          </p:cNvSpPr>
+          <p:nvPr>
+            <p:ph idx="1"/>
+          </p:nvPr>
+        </p:nvSpPr>
+        <p:spPr/>
+        <p:txBody>
+          <a:bodyPr>
+            <a:normAutofit lnSpcReduction="10000"/>
+          </a:bodyPr>
+          <a:lstStyle/>
+          <a:p>
+            <a:r>
+              <a:rPr kumimoji="1" lang="en-US" altLang="ja-JP" dirty="0"/>
+              <a:t>Hybrid</a:t>
+            </a:r>
+            <a:r>
+              <a:rPr kumimoji="1" lang="ja-JP" altLang="en-US" dirty="0"/>
+              <a:t>授業を見据えて駒場の実教室でテストを実施</a:t>
+            </a:r>
+            <a:endParaRPr kumimoji="1" lang="en-US" altLang="ja-JP" dirty="0"/>
+          </a:p>
+          <a:p>
+            <a:r>
+              <a:rPr lang="en-US" altLang="ja-JP" dirty="0"/>
+              <a:t>8</a:t>
+            </a:r>
+            <a:r>
+              <a:rPr lang="ja-JP" altLang="en-US" dirty="0"/>
+              <a:t>月</a:t>
+            </a:r>
+            <a:r>
+              <a:rPr lang="en-US" altLang="ja-JP" dirty="0"/>
+              <a:t>17</a:t>
+            </a:r>
+            <a:r>
+              <a:rPr lang="ja-JP" altLang="en-US" dirty="0"/>
+              <a:t>日、</a:t>
+            </a:r>
+            <a:r>
+              <a:rPr lang="en-US" altLang="ja-JP" dirty="0"/>
+              <a:t>19</a:t>
+            </a:r>
+            <a:r>
+              <a:rPr lang="ja-JP" altLang="en-US" dirty="0"/>
+              <a:t>日</a:t>
+            </a:r>
+            <a:endParaRPr lang="en-US" altLang="ja-JP" dirty="0"/>
+          </a:p>
+          <a:p>
+            <a:r>
+              <a:rPr kumimoji="1" lang="en-US" altLang="ja-JP" dirty="0"/>
+              <a:t>5</a:t>
+            </a:r>
+            <a:r>
+              <a:rPr kumimoji="1" lang="ja-JP" altLang="en-US" dirty="0"/>
+              <a:t>号館</a:t>
+            </a:r>
+            <a:r>
+              <a:rPr kumimoji="1" lang="en-US" altLang="ja-JP" dirty="0"/>
+              <a:t>2</a:t>
+            </a:r>
+            <a:r>
+              <a:rPr kumimoji="1" lang="ja-JP" altLang="en-US" dirty="0"/>
+              <a:t>階</a:t>
+            </a:r>
+            <a:r>
+              <a:rPr kumimoji="1" lang="en-US" altLang="ja-JP" dirty="0"/>
+              <a:t>524</a:t>
+            </a:r>
+            <a:r>
+              <a:rPr kumimoji="1" lang="ja-JP" altLang="en-US" dirty="0"/>
+              <a:t>教室</a:t>
+            </a:r>
+            <a:endParaRPr kumimoji="1" lang="en-US" altLang="ja-JP" dirty="0"/>
+          </a:p>
+          <a:p>
+            <a:pPr lvl="1"/>
+            <a:r>
+              <a:rPr lang="ja-JP" altLang="en-US" dirty="0"/>
+              <a:t>通常定員</a:t>
+            </a:r>
+            <a:r>
+              <a:rPr lang="en-US" altLang="ja-JP" dirty="0"/>
+              <a:t>160</a:t>
+            </a:r>
+            <a:r>
+              <a:rPr lang="ja-JP" altLang="en-US" dirty="0"/>
+              <a:t>名</a:t>
+            </a:r>
+            <a:endParaRPr lang="en-US" altLang="ja-JP" dirty="0"/>
+          </a:p>
+          <a:p>
+            <a:pPr lvl="1"/>
+            <a:r>
+              <a:rPr kumimoji="1" lang="ja-JP" altLang="en-US" dirty="0"/>
+              <a:t>コロナ定員</a:t>
+            </a:r>
+            <a:r>
+              <a:rPr kumimoji="1" lang="en-US" altLang="ja-JP" dirty="0"/>
+              <a:t>80</a:t>
+            </a:r>
+            <a:r>
+              <a:rPr kumimoji="1" lang="ja-JP" altLang="en-US" dirty="0"/>
+              <a:t>名</a:t>
+            </a:r>
+            <a:endParaRPr kumimoji="1" lang="en-US" altLang="ja-JP" dirty="0"/>
+          </a:p>
+          <a:p>
+            <a:r>
+              <a:rPr kumimoji="1" lang="ja-JP" altLang="en-US" dirty="0"/>
+              <a:t>様々なクライアント</a:t>
+            </a:r>
+            <a:r>
+              <a:rPr kumimoji="1" lang="en-US" altLang="ja-JP" dirty="0"/>
+              <a:t>(Windows, macOS, </a:t>
+            </a:r>
+            <a:r>
+              <a:rPr kumimoji="1" lang="en-US" altLang="ja-JP" dirty="0" err="1"/>
+              <a:t>chromebook</a:t>
+            </a:r>
+            <a:r>
+              <a:rPr kumimoji="1" lang="en-US" altLang="ja-JP" dirty="0"/>
+              <a:t>, iPad</a:t>
+            </a:r>
+            <a:r>
+              <a:rPr kumimoji="1" lang="ja-JP" altLang="en-US" dirty="0"/>
+              <a:t>など</a:t>
+            </a:r>
+            <a:r>
+              <a:rPr kumimoji="1" lang="en-US" altLang="ja-JP" dirty="0"/>
+              <a:t>80</a:t>
+            </a:r>
+            <a:r>
+              <a:rPr kumimoji="1" lang="ja-JP" altLang="en-US" dirty="0"/>
+              <a:t>台</a:t>
+            </a:r>
+            <a:r>
+              <a:rPr kumimoji="1" lang="en-US" altLang="ja-JP" dirty="0"/>
+              <a:t>)</a:t>
+            </a:r>
+          </a:p>
+          <a:p>
+            <a:r>
+              <a:rPr lang="ja-JP" altLang="en-US" dirty="0"/>
+              <a:t>様々な設定で</a:t>
+            </a:r>
+            <a:r>
+              <a:rPr lang="en-US" altLang="ja-JP" dirty="0"/>
+              <a:t>Zoom</a:t>
+            </a:r>
+            <a:r>
+              <a:rPr lang="ja-JP" altLang="en-US" dirty="0"/>
+              <a:t>授業を実際に受講</a:t>
+            </a:r>
+            <a:endParaRPr lang="en-US" altLang="ja-JP" dirty="0"/>
+          </a:p>
+        </p:txBody>
+      </p:sp>
+      <p:sp>
+        <p:nvSpPr>
+          <p:cNvPr id="4" name="日付プレースホルダ 3"/>
+          <p:cNvSpPr>
+            <a:spLocks noGrp="1"/>
+          </p:cNvSpPr>
+          <p:nvPr>
+            <p:ph type="dt" sz="half" idx="10"/>
+          </p:nvPr>
+        </p:nvSpPr>
+        <p:spPr/>
+        <p:txBody>
+          <a:bodyPr/>
+          <a:lstStyle/>
+          <a:p>
+            <a:r>
+              <a:rPr kumimoji="1" lang="en-US" altLang="ja-JP"/>
+              <a:t>2020/9/11</a:t>
+            </a:r>
+            <a:endParaRPr kumimoji="1" lang="ja-JP" altLang="en-US"/>
+          </a:p>
+        </p:txBody>
+      </p:sp>
+      <p:sp>
+        <p:nvSpPr>
+          <p:cNvPr id="5" name="フッター プレースホルダ 4"/>
+          <p:cNvSpPr>
+            <a:spLocks noGrp="1"/>
+          </p:cNvSpPr>
+          <p:nvPr>
+            <p:ph type="ftr" sz="quarter" idx="11"/>
+          </p:nvPr>
+        </p:nvSpPr>
+        <p:spPr/>
+        <p:txBody>
+          <a:bodyPr/>
+          <a:lstStyle/>
+          <a:p>
+            <a:r>
+              <a:rPr kumimoji="1" lang="en-US" altLang="ja-JP"/>
+              <a:t>utelecon.github.io</a:t>
+            </a:r>
+            <a:endParaRPr kumimoji="1" lang="ja-JP" altLang="en-US"/>
+          </a:p>
+        </p:txBody>
+      </p:sp>
+      <p:sp>
+        <p:nvSpPr>
+          <p:cNvPr id="6" name="スライド番号プレースホルダ 5"/>
+          <p:cNvSpPr>
+            <a:spLocks noGrp="1"/>
+          </p:cNvSpPr>
+          <p:nvPr>
+            <p:ph type="sldNum" sz="quarter" idx="12"/>
+          </p:nvPr>
+        </p:nvSpPr>
+        <p:spPr/>
+        <p:txBody>
+          <a:bodyPr/>
+          <a:lstStyle/>
+          <a:p>
+            <a:fld id="{EDF77D8D-9987-453A-9A05-EB91CA595C68}" type="slidenum">
+              <a:rPr kumimoji="1" lang="ja-JP" altLang="en-US" smtClean="0"/>
+              <a:pPr/>
+              <a:t>5</a:t>
+            </a:fld>
+            <a:endParaRPr kumimoji="1" lang="ja-JP" altLang="en-US"/>
+          </a:p>
+        </p:txBody>
+      </p:sp>
+    </p:spTree>
+    <p:extLst>
+      <p:ext uri="{BB962C8B-B14F-4D97-AF65-F5344CB8AC3E}">
+        <p14:creationId xmlns:p14="http://schemas.microsoft.com/office/powerpoint/2010/main" val="3400968137"/>
+      </p:ext>
+    </p:extLst>
+  </p:cSld>
+  <p:clrMapOvr>
+    <a:masterClrMapping/>
+  </p:clrMapOvr>
+</p:sld>
+</file>
+
+<file path=ppt/slides/slide6.xml><?xml version="1.0" encoding="utf-8"?>
+<p:sld xmlns:a="http://schemas.openxmlformats.org/drawingml/2006/main" xmlns:r="http://schemas.openxmlformats.org/officeDocument/2006/relationships" xmlns:p="http://schemas.openxmlformats.org/presentationml/2006/main">
+  <p:cSld>
+    <p:spTree>
+      <p:nvGrpSpPr>
+        <p:cNvPr id="1" name=""/>
+        <p:cNvGrpSpPr/>
+        <p:nvPr/>
+      </p:nvGrpSpPr>
+      <p:grpSpPr>
+        <a:xfrm>
+          <a:off x="0" y="0"/>
+          <a:ext cx="0" cy="0"/>
+          <a:chOff x="0" y="0"/>
+          <a:chExt cx="0" cy="0"/>
+        </a:xfrm>
+      </p:grpSpPr>
+      <p:sp>
+        <p:nvSpPr>
+          <p:cNvPr id="2" name="タイトル 1"/>
+          <p:cNvSpPr>
+            <a:spLocks noGrp="1"/>
+          </p:cNvSpPr>
+          <p:nvPr>
+            <p:ph type="title"/>
+          </p:nvPr>
+        </p:nvSpPr>
+        <p:spPr/>
+        <p:txBody>
+          <a:bodyPr>
+            <a:normAutofit fontScale="90000"/>
+          </a:bodyPr>
+          <a:lstStyle/>
+          <a:p>
+            <a:r>
+              <a:rPr lang="en-US" altLang="ja-JP" dirty="0"/>
+              <a:t>Hybrid</a:t>
+            </a:r>
+            <a:r>
+              <a:rPr lang="ja-JP" altLang="en-US" dirty="0"/>
+              <a:t>授業を教室で受けるためのルール</a:t>
+            </a:r>
+            <a:endParaRPr kumimoji="1" lang="ja-JP" altLang="en-US" dirty="0"/>
+          </a:p>
+        </p:txBody>
+      </p:sp>
+      <p:sp>
+        <p:nvSpPr>
+          <p:cNvPr id="3" name="コンテンツ プレースホルダ 2"/>
+          <p:cNvSpPr>
+            <a:spLocks noGrp="1"/>
+          </p:cNvSpPr>
+          <p:nvPr>
+            <p:ph idx="1"/>
+          </p:nvPr>
+        </p:nvSpPr>
+        <p:spPr/>
+        <p:txBody>
+          <a:bodyPr>
+            <a:normAutofit fontScale="85000" lnSpcReduction="20000"/>
+          </a:bodyPr>
+          <a:lstStyle/>
+          <a:p>
+            <a:r>
+              <a:rPr lang="en-US" altLang="ja-JP" dirty="0"/>
+              <a:t>1.</a:t>
+            </a:r>
+            <a:r>
+              <a:rPr lang="ja-JP" altLang="en-US" dirty="0"/>
+              <a:t> 授業開始</a:t>
+            </a:r>
+            <a:r>
+              <a:rPr lang="en-US" altLang="ja-JP" dirty="0"/>
+              <a:t>5</a:t>
+            </a:r>
+            <a:r>
+              <a:rPr lang="ja-JP" altLang="en-US" dirty="0"/>
+              <a:t>分ぐらい前オンライン授業に接続する</a:t>
+            </a:r>
+          </a:p>
+          <a:p>
+            <a:r>
+              <a:rPr lang="en-US" altLang="ja-JP" dirty="0"/>
+              <a:t>2. </a:t>
+            </a:r>
+            <a:r>
+              <a:rPr lang="ja-JP" altLang="en-US" dirty="0"/>
+              <a:t>授業中は授業受講以外にはネットワークを利用しないように</a:t>
+            </a:r>
+          </a:p>
+          <a:p>
+            <a:r>
+              <a:rPr lang="en-US" altLang="ja-JP" dirty="0"/>
+              <a:t>3. </a:t>
+            </a:r>
+            <a:r>
+              <a:rPr lang="ja-JP" altLang="en-US" dirty="0"/>
+              <a:t>アップデートに注意（第</a:t>
+            </a:r>
+            <a:r>
+              <a:rPr lang="en-US" altLang="ja-JP" dirty="0"/>
+              <a:t>2</a:t>
+            </a:r>
+            <a:r>
+              <a:rPr lang="ja-JP" altLang="en-US" dirty="0"/>
+              <a:t>水曜日）</a:t>
+            </a:r>
+          </a:p>
+          <a:p>
+            <a:r>
+              <a:rPr lang="en-US" altLang="ja-JP" dirty="0"/>
+              <a:t>4. </a:t>
+            </a:r>
+            <a:r>
+              <a:rPr lang="en-US" altLang="ja-JP" dirty="0" err="1"/>
+              <a:t>WiFi</a:t>
+            </a:r>
+            <a:r>
+              <a:rPr lang="ja-JP" altLang="en-US" dirty="0"/>
+              <a:t>ルータテザリングは切る（特に</a:t>
+            </a:r>
+            <a:r>
+              <a:rPr lang="en-US" altLang="ja-JP" dirty="0"/>
+              <a:t>2.4GHz</a:t>
+            </a:r>
+            <a:r>
+              <a:rPr lang="ja-JP" altLang="en-US" dirty="0"/>
+              <a:t>に）</a:t>
+            </a:r>
+          </a:p>
+          <a:p>
+            <a:r>
+              <a:rPr lang="en-US" altLang="ja-JP" dirty="0"/>
+              <a:t>5. 5GHz</a:t>
+            </a:r>
+            <a:r>
+              <a:rPr lang="ja-JP" altLang="en-US" dirty="0"/>
+              <a:t>帯が使える機器の使用をお勧めします</a:t>
+            </a:r>
+          </a:p>
+          <a:p>
+            <a:r>
+              <a:rPr lang="ja-JP" altLang="en-US" dirty="0"/>
+              <a:t>（マニュアルの仕様欄に</a:t>
+            </a:r>
+            <a:r>
+              <a:rPr lang="en-US" altLang="ja-JP" dirty="0"/>
+              <a:t>IEEE802.11n,ac,ax</a:t>
+            </a:r>
+            <a:r>
+              <a:rPr lang="ja-JP" altLang="en-US" dirty="0"/>
+              <a:t>の記載があるものが望ましいです）</a:t>
+            </a:r>
+          </a:p>
+          <a:p>
+            <a:r>
+              <a:rPr lang="en-US" altLang="ja-JP" dirty="0"/>
+              <a:t>6. </a:t>
+            </a:r>
+            <a:r>
+              <a:rPr lang="ja-JP" altLang="en-US" dirty="0"/>
+              <a:t>調子が悪いときは機器のリブート、教室を移るを考えてください</a:t>
+            </a:r>
+          </a:p>
+          <a:p>
+            <a:endParaRPr kumimoji="1" lang="ja-JP" altLang="en-US" dirty="0"/>
+          </a:p>
+        </p:txBody>
+      </p:sp>
+      <p:sp>
+        <p:nvSpPr>
+          <p:cNvPr id="4" name="日付プレースホルダ 3"/>
+          <p:cNvSpPr>
+            <a:spLocks noGrp="1"/>
+          </p:cNvSpPr>
+          <p:nvPr>
+            <p:ph type="dt" sz="half" idx="10"/>
+          </p:nvPr>
+        </p:nvSpPr>
+        <p:spPr/>
+        <p:txBody>
+          <a:bodyPr/>
+          <a:lstStyle/>
+          <a:p>
+            <a:r>
+              <a:rPr kumimoji="1" lang="en-US" altLang="ja-JP"/>
+              <a:t>2020/9/11</a:t>
+            </a:r>
+            <a:endParaRPr kumimoji="1" lang="ja-JP" altLang="en-US"/>
+          </a:p>
+        </p:txBody>
+      </p:sp>
+      <p:sp>
+        <p:nvSpPr>
+          <p:cNvPr id="5" name="フッター プレースホルダ 4"/>
+          <p:cNvSpPr>
+            <a:spLocks noGrp="1"/>
+          </p:cNvSpPr>
+          <p:nvPr>
+            <p:ph type="ftr" sz="quarter" idx="11"/>
+          </p:nvPr>
+        </p:nvSpPr>
+        <p:spPr/>
+        <p:txBody>
+          <a:bodyPr/>
+          <a:lstStyle/>
+          <a:p>
+            <a:r>
+              <a:rPr kumimoji="1" lang="en-US" altLang="ja-JP"/>
+              <a:t>utelecon.github.io</a:t>
+            </a:r>
+            <a:endParaRPr kumimoji="1" lang="ja-JP" altLang="en-US"/>
+          </a:p>
+        </p:txBody>
+      </p:sp>
+      <p:sp>
+        <p:nvSpPr>
+          <p:cNvPr id="6" name="スライド番号プレースホルダ 5"/>
+          <p:cNvSpPr>
+            <a:spLocks noGrp="1"/>
+          </p:cNvSpPr>
+          <p:nvPr>
+            <p:ph type="sldNum" sz="quarter" idx="12"/>
+          </p:nvPr>
+        </p:nvSpPr>
+        <p:spPr/>
+        <p:txBody>
+          <a:bodyPr/>
+          <a:lstStyle/>
+          <a:p>
+            <a:fld id="{EDF77D8D-9987-453A-9A05-EB91CA595C68}" type="slidenum">
+              <a:rPr kumimoji="1" lang="ja-JP" altLang="en-US" smtClean="0"/>
+              <a:pPr/>
+              <a:t>6</a:t>
+            </a:fld>
+            <a:endParaRPr kumimoji="1" lang="ja-JP" altLang="en-US"/>
+          </a:p>
+        </p:txBody>
+      </p:sp>
+    </p:spTree>
+    <p:extLst>
+      <p:ext uri="{BB962C8B-B14F-4D97-AF65-F5344CB8AC3E}">
+        <p14:creationId xmlns:p14="http://schemas.microsoft.com/office/powerpoint/2010/main" val="2701009710"/>
+      </p:ext>
+    </p:extLst>
+  </p:cSld>
+  <p:clrMapOvr>
+    <a:masterClrMapping/>
+  </p:clrMapOvr>
+</p:sld>
+</file>
+
+<file path=ppt/slides/slide7.xml><?xml version="1.0" encoding="utf-8"?>
+<p:sld xmlns:a="http://schemas.openxmlformats.org/drawingml/2006/main" xmlns:r="http://schemas.openxmlformats.org/officeDocument/2006/relationships" xmlns:p="http://schemas.openxmlformats.org/presentationml/2006/main">
+  <p:cSld>
+    <p:spTree>
+      <p:nvGrpSpPr>
+        <p:cNvPr id="1" name=""/>
+        <p:cNvGrpSpPr/>
+        <p:nvPr/>
+      </p:nvGrpSpPr>
+      <p:grpSpPr>
+        <a:xfrm>
+          <a:off x="0" y="0"/>
+          <a:ext cx="0" cy="0"/>
+          <a:chOff x="0" y="0"/>
+          <a:chExt cx="0" cy="0"/>
+        </a:xfrm>
+      </p:grpSpPr>
+      <p:sp>
+        <p:nvSpPr>
+          <p:cNvPr id="2" name="タイトル 1"/>
+          <p:cNvSpPr>
+            <a:spLocks noGrp="1"/>
+          </p:cNvSpPr>
+          <p:nvPr>
+            <p:ph type="title"/>
+          </p:nvPr>
+        </p:nvSpPr>
+        <p:spPr/>
+        <p:txBody>
+          <a:bodyPr/>
+          <a:lstStyle/>
+          <a:p>
+            <a:r>
+              <a:rPr kumimoji="1" lang="ja-JP" altLang="en-US" dirty="0"/>
+              <a:t>議題</a:t>
+            </a:r>
+          </a:p>
+        </p:txBody>
+      </p:sp>
+      <p:sp>
+        <p:nvSpPr>
+          <p:cNvPr id="3" name="コンテンツ プレースホルダ 2"/>
+          <p:cNvSpPr>
+            <a:spLocks noGrp="1"/>
+          </p:cNvSpPr>
+          <p:nvPr>
+            <p:ph idx="1"/>
+          </p:nvPr>
+        </p:nvSpPr>
+        <p:spPr>
+          <a:xfrm>
+            <a:off x="457200" y="1500174"/>
+            <a:ext cx="4042792" cy="4525963"/>
+          </a:xfrm>
+        </p:spPr>
+        <p:txBody>
+          <a:bodyPr>
+            <a:normAutofit fontScale="92500"/>
+          </a:bodyPr>
+          <a:lstStyle/>
+          <a:p>
+            <a:r>
+              <a:rPr lang="ja-JP" altLang="en-US" dirty="0"/>
+              <a:t>授業開始</a:t>
+            </a:r>
+            <a:r>
+              <a:rPr lang="en-US" altLang="ja-JP" dirty="0"/>
+              <a:t>5</a:t>
+            </a:r>
+            <a:r>
+              <a:rPr lang="ja-JP" altLang="en-US" dirty="0"/>
+              <a:t>分ぐらい前オンライン授業に接続する</a:t>
+            </a:r>
+            <a:endParaRPr lang="en-US" altLang="ja-JP" dirty="0"/>
+          </a:p>
+          <a:p>
+            <a:pPr lvl="1"/>
+            <a:r>
+              <a:rPr kumimoji="1" lang="ja-JP" altLang="en-US" dirty="0"/>
+              <a:t>教室全員が</a:t>
+            </a:r>
+            <a:r>
+              <a:rPr kumimoji="1" lang="en-US" altLang="ja-JP" dirty="0"/>
+              <a:t>Zoom</a:t>
+            </a:r>
+            <a:r>
+              <a:rPr kumimoji="1" lang="ja-JP" altLang="en-US" dirty="0"/>
+              <a:t>受講を開始後しばらくは通信が揺らぐ</a:t>
+            </a:r>
+            <a:endParaRPr kumimoji="1" lang="en-US" altLang="ja-JP" dirty="0"/>
+          </a:p>
+          <a:p>
+            <a:pPr lvl="1"/>
+            <a:r>
+              <a:rPr lang="ja-JP" altLang="en-US" dirty="0"/>
+              <a:t>時間経過で安定する</a:t>
+            </a:r>
+            <a:endParaRPr lang="en-US" altLang="ja-JP" dirty="0"/>
+          </a:p>
+          <a:p>
+            <a:pPr lvl="1"/>
+            <a:r>
+              <a:rPr kumimoji="1" lang="ja-JP" altLang="en-US" dirty="0"/>
+              <a:t>安定した受講のためには準備の時間が必要</a:t>
+            </a:r>
+          </a:p>
+        </p:txBody>
+      </p:sp>
+      <p:sp>
+        <p:nvSpPr>
+          <p:cNvPr id="4" name="日付プレースホルダ 3"/>
+          <p:cNvSpPr>
+            <a:spLocks noGrp="1"/>
+          </p:cNvSpPr>
+          <p:nvPr>
+            <p:ph type="dt" sz="half" idx="10"/>
+          </p:nvPr>
+        </p:nvSpPr>
+        <p:spPr/>
+        <p:txBody>
+          <a:bodyPr/>
+          <a:lstStyle/>
+          <a:p>
+            <a:r>
+              <a:rPr kumimoji="1" lang="en-US" altLang="ja-JP"/>
+              <a:t>2020/9/11</a:t>
+            </a:r>
+            <a:endParaRPr kumimoji="1" lang="ja-JP" altLang="en-US"/>
+          </a:p>
+        </p:txBody>
+      </p:sp>
+      <p:sp>
+        <p:nvSpPr>
+          <p:cNvPr id="5" name="フッター プレースホルダ 4"/>
+          <p:cNvSpPr>
+            <a:spLocks noGrp="1"/>
+          </p:cNvSpPr>
+          <p:nvPr>
+            <p:ph type="ftr" sz="quarter" idx="11"/>
+          </p:nvPr>
+        </p:nvSpPr>
+        <p:spPr/>
+        <p:txBody>
+          <a:bodyPr/>
+          <a:lstStyle/>
+          <a:p>
+            <a:r>
+              <a:rPr kumimoji="1" lang="en-US" altLang="ja-JP"/>
+              <a:t>utelecon.github.io</a:t>
+            </a:r>
+            <a:endParaRPr kumimoji="1" lang="ja-JP" altLang="en-US"/>
+          </a:p>
+        </p:txBody>
+      </p:sp>
+      <p:sp>
+        <p:nvSpPr>
+          <p:cNvPr id="6" name="スライド番号プレースホルダ 5"/>
+          <p:cNvSpPr>
+            <a:spLocks noGrp="1"/>
+          </p:cNvSpPr>
+          <p:nvPr>
+            <p:ph type="sldNum" sz="quarter" idx="12"/>
+          </p:nvPr>
+        </p:nvSpPr>
+        <p:spPr/>
+        <p:txBody>
+          <a:bodyPr/>
+          <a:lstStyle/>
+          <a:p>
+            <a:fld id="{EDF77D8D-9987-453A-9A05-EB91CA595C68}" type="slidenum">
+              <a:rPr kumimoji="1" lang="ja-JP" altLang="en-US" smtClean="0"/>
+              <a:pPr/>
+              <a:t>7</a:t>
+            </a:fld>
+            <a:endParaRPr kumimoji="1" lang="ja-JP" altLang="en-US"/>
+          </a:p>
+        </p:txBody>
+      </p:sp>
+      <p:graphicFrame>
+        <p:nvGraphicFramePr>
+          <p:cNvPr id="7" name="グラフ 6">
+            <a:extLst>
+              <a:ext uri="{FF2B5EF4-FFF2-40B4-BE49-F238E27FC236}">
+                <a16:creationId xmlns:a16="http://schemas.microsoft.com/office/drawing/2014/main" id="{4C852363-0074-49D4-AD6E-A27E8E87D423}"/>
+              </a:ext>
+            </a:extLst>
+          </p:cNvPr>
+          <p:cNvGraphicFramePr>
+            <a:graphicFrameLocks/>
+          </p:cNvGraphicFramePr>
+          <p:nvPr>
+            <p:extLst>
+              <p:ext uri="{D42A27DB-BD31-4B8C-83A1-F6EECF244321}">
+                <p14:modId xmlns:p14="http://schemas.microsoft.com/office/powerpoint/2010/main" val="1476930640"/>
+              </p:ext>
+            </p:extLst>
+          </p:nvPr>
+        </p:nvGraphicFramePr>
+        <p:xfrm>
+          <a:off x="4499992" y="1417638"/>
+          <a:ext cx="4536504" cy="4441674"/>
+        </p:xfrm>
+        <a:graphic>
+          <a:graphicData uri="http://schemas.openxmlformats.org/drawingml/2006/chart">
+            <c:chart xmlns:c="http://schemas.openxmlformats.org/drawingml/2006/chart" xmlns:r="http://schemas.openxmlformats.org/officeDocument/2006/relationships" r:id="rId2"/>
+          </a:graphicData>
+        </a:graphic>
+      </p:graphicFrame>
+    </p:spTree>
+    <p:extLst>
+      <p:ext uri="{BB962C8B-B14F-4D97-AF65-F5344CB8AC3E}">
+        <p14:creationId xmlns:p14="http://schemas.microsoft.com/office/powerpoint/2010/main" val="3179585064"/>
+      </p:ext>
+    </p:extLst>
+  </p:cSld>
+  <p:clrMapOvr>
+    <a:masterClrMapping/>
+  </p:clrMapOvr>
+</p:sld>
+</file>
+
+<file path=ppt/slides/slide8.xml><?xml version="1.0" encoding="utf-8"?>
+<p:sld xmlns:a="http://schemas.openxmlformats.org/drawingml/2006/main" xmlns:r="http://schemas.openxmlformats.org/officeDocument/2006/relationships" xmlns:p="http://schemas.openxmlformats.org/presentationml/2006/main">
+  <p:cSld>
+    <p:spTree>
+      <p:nvGrpSpPr>
+        <p:cNvPr id="1" name=""/>
+        <p:cNvGrpSpPr/>
+        <p:nvPr/>
+      </p:nvGrpSpPr>
+      <p:grpSpPr>
+        <a:xfrm>
+          <a:off x="0" y="0"/>
+          <a:ext cx="0" cy="0"/>
+          <a:chOff x="0" y="0"/>
+          <a:chExt cx="0" cy="0"/>
+        </a:xfrm>
+      </p:grpSpPr>
+      <p:sp>
+        <p:nvSpPr>
+          <p:cNvPr id="2" name="タイトル 1"/>
+          <p:cNvSpPr>
+            <a:spLocks noGrp="1"/>
+          </p:cNvSpPr>
+          <p:nvPr>
+            <p:ph type="title"/>
+          </p:nvPr>
+        </p:nvSpPr>
+        <p:spPr/>
+        <p:txBody>
+          <a:bodyPr/>
+          <a:lstStyle/>
+          <a:p>
+            <a:r>
+              <a:rPr kumimoji="1" lang="ja-JP" altLang="en-US" dirty="0"/>
+              <a:t>議題</a:t>
+            </a:r>
+          </a:p>
+        </p:txBody>
+      </p:sp>
+      <p:sp>
+        <p:nvSpPr>
+          <p:cNvPr id="3" name="コンテンツ プレースホルダ 2"/>
+          <p:cNvSpPr>
+            <a:spLocks noGrp="1"/>
+          </p:cNvSpPr>
+          <p:nvPr>
+            <p:ph idx="1"/>
+          </p:nvPr>
+        </p:nvSpPr>
+        <p:spPr/>
+        <p:txBody>
+          <a:bodyPr>
+            <a:normAutofit fontScale="77500" lnSpcReduction="20000"/>
+          </a:bodyPr>
+          <a:lstStyle/>
+          <a:p>
+            <a:r>
+              <a:rPr lang="en-US" altLang="ja-JP" dirty="0"/>
+              <a:t>2. </a:t>
+            </a:r>
+            <a:r>
+              <a:rPr lang="ja-JP" altLang="en-US" dirty="0"/>
+              <a:t>授業中は授業受講以外にはネットワークを利用しないように</a:t>
+            </a:r>
+            <a:endParaRPr lang="en-US" altLang="ja-JP" dirty="0"/>
+          </a:p>
+          <a:p>
+            <a:pPr lvl="1"/>
+            <a:r>
+              <a:rPr lang="en-US" altLang="ja-JP" dirty="0"/>
+              <a:t>Zoom</a:t>
+            </a:r>
+            <a:r>
+              <a:rPr lang="ja-JP" altLang="en-US" dirty="0"/>
+              <a:t>よりもの他の通信の方が突発的な通信</a:t>
+            </a:r>
+          </a:p>
+          <a:p>
+            <a:r>
+              <a:rPr lang="en-US" altLang="ja-JP" dirty="0"/>
+              <a:t>3. </a:t>
+            </a:r>
+            <a:r>
+              <a:rPr lang="ja-JP" altLang="en-US" dirty="0"/>
+              <a:t>アップデートに注意（第</a:t>
+            </a:r>
+            <a:r>
+              <a:rPr lang="en-US" altLang="ja-JP" dirty="0"/>
+              <a:t>2</a:t>
+            </a:r>
+            <a:r>
+              <a:rPr lang="ja-JP" altLang="en-US" dirty="0"/>
+              <a:t>水曜日）</a:t>
+            </a:r>
+            <a:endParaRPr lang="en-US" altLang="ja-JP" dirty="0"/>
+          </a:p>
+          <a:p>
+            <a:pPr lvl="1"/>
+            <a:r>
+              <a:rPr lang="en-US" altLang="ja-JP" dirty="0"/>
+              <a:t>Microsoft</a:t>
+            </a:r>
+            <a:r>
+              <a:rPr lang="ja-JP" altLang="en-US" dirty="0"/>
+              <a:t>のセキュリティ更新、</a:t>
+            </a:r>
+            <a:r>
+              <a:rPr lang="en-US" altLang="ja-JP" dirty="0" err="1"/>
+              <a:t>macOS,iOS,iPadOS</a:t>
+            </a:r>
+            <a:r>
+              <a:rPr lang="ja-JP" altLang="en-US" dirty="0"/>
+              <a:t>の更新もほぼ同じタイミング</a:t>
+            </a:r>
+            <a:endParaRPr lang="en-US" altLang="ja-JP" dirty="0"/>
+          </a:p>
+          <a:p>
+            <a:pPr lvl="1"/>
+            <a:r>
+              <a:rPr lang="ja-JP" altLang="en-US" dirty="0"/>
+              <a:t>非常に大きな通信を生じます。</a:t>
+            </a:r>
+            <a:br>
+              <a:rPr lang="en-US" altLang="ja-JP" dirty="0"/>
+            </a:br>
+            <a:endParaRPr lang="en-US" altLang="ja-JP" dirty="0"/>
+          </a:p>
+          <a:p>
+            <a:pPr lvl="1"/>
+            <a:r>
+              <a:rPr lang="ja-JP" altLang="en-US" dirty="0"/>
+              <a:t>授業受講前にアップデートを実施する</a:t>
+            </a:r>
+          </a:p>
+          <a:p>
+            <a:r>
+              <a:rPr lang="en-US" altLang="ja-JP" dirty="0"/>
+              <a:t>4. </a:t>
+            </a:r>
+            <a:r>
+              <a:rPr lang="en-US" altLang="ja-JP" dirty="0" err="1"/>
+              <a:t>WiFi</a:t>
+            </a:r>
+            <a:r>
+              <a:rPr lang="ja-JP" altLang="en-US" dirty="0"/>
+              <a:t>ルータテザリングは切る（特に</a:t>
+            </a:r>
+            <a:r>
+              <a:rPr lang="en-US" altLang="ja-JP" dirty="0"/>
+              <a:t>2.4GHz</a:t>
+            </a:r>
+            <a:r>
+              <a:rPr lang="ja-JP" altLang="en-US" dirty="0"/>
+              <a:t>に）</a:t>
+            </a:r>
+            <a:r>
+              <a:rPr lang="en-US" altLang="ja-JP" dirty="0"/>
+              <a:t> </a:t>
+            </a:r>
+          </a:p>
+          <a:p>
+            <a:pPr lvl="1"/>
+            <a:r>
+              <a:rPr kumimoji="1" lang="ja-JP" altLang="en-US" dirty="0"/>
+              <a:t>教室内の電波帯域を取り合います。</a:t>
+            </a:r>
+            <a:endParaRPr kumimoji="1" lang="en-US" altLang="ja-JP" dirty="0"/>
+          </a:p>
+          <a:p>
+            <a:pPr lvl="1"/>
+            <a:r>
+              <a:rPr lang="ja-JP" altLang="en-US" dirty="0"/>
+              <a:t>特に</a:t>
+            </a:r>
+            <a:r>
+              <a:rPr lang="en-US" altLang="ja-JP" dirty="0"/>
+              <a:t>2.4GHz</a:t>
+            </a:r>
+            <a:r>
+              <a:rPr lang="ja-JP" altLang="en-US" dirty="0"/>
+              <a:t>帯は実質</a:t>
+            </a:r>
+            <a:r>
+              <a:rPr lang="en-US" altLang="ja-JP" dirty="0"/>
+              <a:t>3</a:t>
+            </a:r>
+            <a:r>
+              <a:rPr lang="ja-JP" altLang="en-US" dirty="0"/>
+              <a:t>チャンネルしかありませんので利用できません。</a:t>
+            </a:r>
+            <a:endParaRPr kumimoji="1" lang="ja-JP" altLang="en-US" dirty="0"/>
+          </a:p>
+        </p:txBody>
+      </p:sp>
+      <p:sp>
+        <p:nvSpPr>
+          <p:cNvPr id="4" name="日付プレースホルダ 3"/>
+          <p:cNvSpPr>
+            <a:spLocks noGrp="1"/>
+          </p:cNvSpPr>
+          <p:nvPr>
+            <p:ph type="dt" sz="half" idx="10"/>
+          </p:nvPr>
+        </p:nvSpPr>
+        <p:spPr/>
+        <p:txBody>
+          <a:bodyPr/>
+          <a:lstStyle/>
+          <a:p>
+            <a:r>
+              <a:rPr kumimoji="1" lang="en-US" altLang="ja-JP"/>
+              <a:t>2020/9/11</a:t>
+            </a:r>
+            <a:endParaRPr kumimoji="1" lang="ja-JP" altLang="en-US"/>
+          </a:p>
+        </p:txBody>
+      </p:sp>
+      <p:sp>
+        <p:nvSpPr>
+          <p:cNvPr id="5" name="フッター プレースホルダ 4"/>
+          <p:cNvSpPr>
+            <a:spLocks noGrp="1"/>
+          </p:cNvSpPr>
+          <p:nvPr>
+            <p:ph type="ftr" sz="quarter" idx="11"/>
+          </p:nvPr>
+        </p:nvSpPr>
+        <p:spPr/>
+        <p:txBody>
+          <a:bodyPr/>
+          <a:lstStyle/>
+          <a:p>
+            <a:r>
+              <a:rPr kumimoji="1" lang="en-US" altLang="ja-JP"/>
+              <a:t>utelecon.github.io</a:t>
+            </a:r>
+            <a:endParaRPr kumimoji="1" lang="ja-JP" altLang="en-US"/>
+          </a:p>
+        </p:txBody>
+      </p:sp>
+      <p:sp>
+        <p:nvSpPr>
+          <p:cNvPr id="6" name="スライド番号プレースホルダ 5"/>
+          <p:cNvSpPr>
+            <a:spLocks noGrp="1"/>
+          </p:cNvSpPr>
+          <p:nvPr>
+            <p:ph type="sldNum" sz="quarter" idx="12"/>
+          </p:nvPr>
+        </p:nvSpPr>
+        <p:spPr/>
+        <p:txBody>
+          <a:bodyPr/>
+          <a:lstStyle/>
+          <a:p>
+            <a:fld id="{EDF77D8D-9987-453A-9A05-EB91CA595C68}" type="slidenum">
+              <a:rPr kumimoji="1" lang="ja-JP" altLang="en-US" smtClean="0"/>
+              <a:pPr/>
+              <a:t>8</a:t>
+            </a:fld>
+            <a:endParaRPr kumimoji="1" lang="ja-JP" altLang="en-US"/>
+          </a:p>
+        </p:txBody>
+      </p:sp>
+    </p:spTree>
+    <p:extLst>
+      <p:ext uri="{BB962C8B-B14F-4D97-AF65-F5344CB8AC3E}">
+        <p14:creationId xmlns:p14="http://schemas.microsoft.com/office/powerpoint/2010/main" val="1898968096"/>
+      </p:ext>
+    </p:extLst>
+  </p:cSld>
+  <p:clrMapOvr>
+    <a:masterClrMapping/>
+  </p:clrMapOvr>
+</p:sld>
+</file>
+
+<file path=ppt/slides/slide9.xml><?xml version="1.0" encoding="utf-8"?>
 <p:sld xmlns:a="http://schemas.openxmlformats.org/drawingml/2006/main" xmlns:r="http://schemas.openxmlformats.org/officeDocument/2006/relationships" xmlns:p="http://schemas.openxmlformats.org/presentationml/2006/main">
   <p:cSld>
     <p:spTree>
@@ -52611,13 +59959,18 @@
             <a:fld id="{EDF77D8D-9987-453A-9A05-EB91CA595C68}" type="slidenum">
               <a:rPr kumimoji="1" lang="ja-JP" altLang="en-US" smtClean="0"/>
               <a:pPr/>
-              <a:t>3</a:t>
+              <a:t>9</a:t>
             </a:fld>
             <a:endParaRPr kumimoji="1" lang="ja-JP" altLang="en-US"/>
           </a:p>
         </p:txBody>
       </p:sp>
     </p:spTree>
+    <p:extLst>
+      <p:ext uri="{BB962C8B-B14F-4D97-AF65-F5344CB8AC3E}">
+        <p14:creationId xmlns:p14="http://schemas.microsoft.com/office/powerpoint/2010/main" val="2851653688"/>
+      </p:ext>
+    </p:extLst>
   </p:cSld>
   <p:clrMapOvr>
     <a:masterClrMapping/>
